--- a/09/DATA515_09_Packages.pptx
+++ b/09/DATA515_09_Packages.pptx
@@ -7139,7 +7139,7 @@
         </p:spPr>
         <p:txBody>
           <a:bodyPr anchorCtr="0" anchor="t" bIns="91425" lIns="91425" spcFirstLastPara="1" rIns="91425" wrap="square" tIns="91425">
-            <a:normAutofit lnSpcReduction="20000"/>
+            <a:normAutofit/>
           </a:bodyPr>
           <a:lstStyle/>
           <a:p>
@@ -7199,71 +7199,7 @@
                 <a:cs typeface="Courier New"/>
                 <a:sym typeface="Courier New"/>
               </a:rPr>
-              <a:t>$ python setup.py bdist_egg upload [options]</a:t>
-            </a:r>
-            <a:endParaRPr>
-              <a:highlight>
-                <a:srgbClr val="F3F3F3"/>
-              </a:highlight>
-              <a:latin typeface="Courier New"/>
-              <a:ea typeface="Courier New"/>
-              <a:cs typeface="Courier New"/>
-              <a:sym typeface="Courier New"/>
-            </a:endParaRPr>
-          </a:p>
-          <a:p>
-            <a:pPr indent="0" lvl="0" marL="0" rtl="0" algn="l">
-              <a:spcBef>
-                <a:spcPts val="0"/>
-              </a:spcBef>
-              <a:spcAft>
-                <a:spcPts val="0"/>
-              </a:spcAft>
-              <a:buNone/>
-            </a:pPr>
-            <a:r>
-              <a:rPr lang="en">
-                <a:highlight>
-                  <a:srgbClr val="F3F3F3"/>
-                </a:highlight>
-                <a:latin typeface="Courier New"/>
-                <a:ea typeface="Courier New"/>
-                <a:cs typeface="Courier New"/>
-                <a:sym typeface="Courier New"/>
-              </a:rPr>
-              <a:t>$ python setup.py bdist_wininst [options]						</a:t>
-            </a:r>
-            <a:endParaRPr>
-              <a:highlight>
-                <a:srgbClr val="F3F3F3"/>
-              </a:highlight>
-              <a:latin typeface="Courier New"/>
-              <a:ea typeface="Courier New"/>
-              <a:cs typeface="Courier New"/>
-              <a:sym typeface="Courier New"/>
-            </a:endParaRPr>
-          </a:p>
-          <a:p>
-            <a:pPr indent="0" lvl="0" marL="0" rtl="0" algn="l">
-              <a:spcBef>
-                <a:spcPts val="0"/>
-              </a:spcBef>
-              <a:spcAft>
-                <a:spcPts val="0"/>
-              </a:spcAft>
-              <a:buNone/>
-            </a:pPr>
-            <a:r>
-              <a:rPr lang="en">
-                <a:highlight>
-                  <a:srgbClr val="F3F3F3"/>
-                </a:highlight>
-                <a:latin typeface="Courier New"/>
-                <a:ea typeface="Courier New"/>
-                <a:cs typeface="Courier New"/>
-                <a:sym typeface="Courier New"/>
-              </a:rPr>
-              <a:t>$ python setup.py sdist [options]</a:t>
+              <a:t>$ python -m build</a:t>
             </a:r>
             <a:r>
               <a:rPr lang="en"/>
@@ -7274,7 +7210,22 @@
           <a:p>
             <a:pPr indent="0" lvl="0" marL="0" rtl="0" algn="l">
               <a:spcBef>
-                <a:spcPts val="1200"/>
+                <a:spcPts val="0"/>
+              </a:spcBef>
+              <a:spcAft>
+                <a:spcPts val="0"/>
+              </a:spcAft>
+              <a:buNone/>
+            </a:pPr>
+            <a:r>
+              <a:t/>
+            </a:r>
+            <a:endParaRPr/>
+          </a:p>
+          <a:p>
+            <a:pPr indent="0" lvl="0" marL="0" rtl="0" algn="l">
+              <a:spcBef>
+                <a:spcPts val="0"/>
               </a:spcBef>
               <a:spcAft>
                 <a:spcPts val="0"/>
@@ -7635,6 +7586,63 @@
               <a:t>https://setuptools.pypa.io/en/latest/userguide/index.html</a:t>
             </a:r>
             <a:endParaRPr/>
+          </a:p>
+          <a:p>
+            <a:pPr indent="0" lvl="0" marL="0" rtl="0" algn="l">
+              <a:spcBef>
+                <a:spcPts val="1200"/>
+              </a:spcBef>
+              <a:spcAft>
+                <a:spcPts val="0"/>
+              </a:spcAft>
+              <a:buNone/>
+            </a:pPr>
+            <a:r>
+              <a:t/>
+            </a:r>
+            <a:endParaRPr/>
+          </a:p>
+          <a:p>
+            <a:pPr indent="0" lvl="0" marL="0" rtl="0" algn="l">
+              <a:spcBef>
+                <a:spcPts val="1200"/>
+              </a:spcBef>
+              <a:spcAft>
+                <a:spcPts val="0"/>
+              </a:spcAft>
+              <a:buNone/>
+            </a:pPr>
+            <a:r>
+              <a:rPr lang="en"/>
+              <a:t>Make sure it builds!</a:t>
+            </a:r>
+            <a:endParaRPr/>
+          </a:p>
+          <a:p>
+            <a:pPr indent="0" lvl="0" marL="457200" rtl="0" algn="l">
+              <a:spcBef>
+                <a:spcPts val="1200"/>
+              </a:spcBef>
+              <a:spcAft>
+                <a:spcPts val="0"/>
+              </a:spcAft>
+              <a:buNone/>
+            </a:pPr>
+            <a:r>
+              <a:rPr lang="en">
+                <a:latin typeface="Courier New"/>
+                <a:ea typeface="Courier New"/>
+                <a:cs typeface="Courier New"/>
+                <a:sym typeface="Courier New"/>
+              </a:rPr>
+              <a:t>python -m build</a:t>
+            </a:r>
+            <a:endParaRPr>
+              <a:latin typeface="Courier New"/>
+              <a:ea typeface="Courier New"/>
+              <a:cs typeface="Courier New"/>
+              <a:sym typeface="Courier New"/>
+            </a:endParaRPr>
           </a:p>
           <a:p>
             <a:pPr indent="0" lvl="0" marL="0" rtl="0" algn="l">
@@ -10340,6 +10348,285 @@
 </file>
 
 <file path=ppt/theme/theme1.xml><?xml version="1.0" encoding="utf-8"?>
+<a:theme xmlns:a="http://schemas.openxmlformats.org/drawingml/2006/main" xmlns:r="http://schemas.openxmlformats.org/officeDocument/2006/relationships" name="Simple Light">
+  <a:themeElements>
+    <a:clrScheme name="Simple Light">
+      <a:dk1>
+        <a:srgbClr val="000000"/>
+      </a:dk1>
+      <a:lt1>
+        <a:srgbClr val="FFFFFF"/>
+      </a:lt1>
+      <a:dk2>
+        <a:srgbClr val="595959"/>
+      </a:dk2>
+      <a:lt2>
+        <a:srgbClr val="EEEEEE"/>
+      </a:lt2>
+      <a:accent1>
+        <a:srgbClr val="4285F4"/>
+      </a:accent1>
+      <a:accent2>
+        <a:srgbClr val="212121"/>
+      </a:accent2>
+      <a:accent3>
+        <a:srgbClr val="78909C"/>
+      </a:accent3>
+      <a:accent4>
+        <a:srgbClr val="FFAB40"/>
+      </a:accent4>
+      <a:accent5>
+        <a:srgbClr val="0097A7"/>
+      </a:accent5>
+      <a:accent6>
+        <a:srgbClr val="EEFF41"/>
+      </a:accent6>
+      <a:hlink>
+        <a:srgbClr val="0097A7"/>
+      </a:hlink>
+      <a:folHlink>
+        <a:srgbClr val="0097A7"/>
+      </a:folHlink>
+    </a:clrScheme>
+    <a:fontScheme name="Office">
+      <a:majorFont>
+        <a:latin typeface="Arial"/>
+        <a:ea typeface=""/>
+        <a:cs typeface=""/>
+        <a:font script="Jpan" typeface="ＭＳ Ｐゴシック"/>
+        <a:font script="Hang" typeface="맑은 고딕"/>
+        <a:font script="Hans" typeface="宋体"/>
+        <a:font script="Hant" typeface="新細明體"/>
+        <a:font script="Arab" typeface="Times New Roman"/>
+        <a:font script="Hebr" typeface="Times New Roman"/>
+        <a:font script="Thai" typeface="Angsana New"/>
+        <a:font script="Ethi" typeface="Nyala"/>
+        <a:font script="Beng" typeface="Vrinda"/>
+        <a:font script="Gujr" typeface="Shruti"/>
+        <a:font script="Khmr" typeface="MoolBoran"/>
+        <a:font script="Knda" typeface="Tunga"/>
+        <a:font script="Guru" typeface="Raavi"/>
+        <a:font script="Cans" typeface="Euphemia"/>
+        <a:font script="Cher" typeface="Plantagenet Cherokee"/>
+        <a:font script="Yiii" typeface="Microsoft Yi Baiti"/>
+        <a:font script="Tibt" typeface="Microsoft Himalaya"/>
+        <a:font script="Thaa" typeface="MV Boli"/>
+        <a:font script="Deva" typeface="Mangal"/>
+        <a:font script="Telu" typeface="Gautami"/>
+        <a:font script="Taml" typeface="Latha"/>
+        <a:font script="Syrc" typeface="Estrangelo Edessa"/>
+        <a:font script="Orya" typeface="Kalinga"/>
+        <a:font script="Mlym" typeface="Kartika"/>
+        <a:font script="Laoo" typeface="DokChampa"/>
+        <a:font script="Sinh" typeface="Iskoola Pota"/>
+        <a:font script="Mong" typeface="Mongolian Baiti"/>
+        <a:font script="Viet" typeface="Times New Roman"/>
+        <a:font script="Uigh" typeface="Microsoft Uighur"/>
+        <a:font script="Geor" typeface="Sylfaen"/>
+      </a:majorFont>
+      <a:minorFont>
+        <a:latin typeface="Arial"/>
+        <a:ea typeface=""/>
+        <a:cs typeface=""/>
+        <a:font script="Jpan" typeface="ＭＳ Ｐゴシック"/>
+        <a:font script="Hang" typeface="맑은 고딕"/>
+        <a:font script="Hans" typeface="宋体"/>
+        <a:font script="Hant" typeface="新細明體"/>
+        <a:font script="Arab" typeface="Arial"/>
+        <a:font script="Hebr" typeface="Arial"/>
+        <a:font script="Thai" typeface="Cordia New"/>
+        <a:font script="Ethi" typeface="Nyala"/>
+        <a:font script="Beng" typeface="Vrinda"/>
+        <a:font script="Gujr" typeface="Shruti"/>
+        <a:font script="Khmr" typeface="DaunPenh"/>
+        <a:font script="Knda" typeface="Tunga"/>
+        <a:font script="Guru" typeface="Raavi"/>
+        <a:font script="Cans" typeface="Euphemia"/>
+        <a:font script="Cher" typeface="Plantagenet Cherokee"/>
+        <a:font script="Yiii" typeface="Microsoft Yi Baiti"/>
+        <a:font script="Tibt" typeface="Microsoft Himalaya"/>
+        <a:font script="Thaa" typeface="MV Boli"/>
+        <a:font script="Deva" typeface="Mangal"/>
+        <a:font script="Telu" typeface="Gautami"/>
+        <a:font script="Taml" typeface="Latha"/>
+        <a:font script="Syrc" typeface="Estrangelo Edessa"/>
+        <a:font script="Orya" typeface="Kalinga"/>
+        <a:font script="Mlym" typeface="Kartika"/>
+        <a:font script="Laoo" typeface="DokChampa"/>
+        <a:font script="Sinh" typeface="Iskoola Pota"/>
+        <a:font script="Mong" typeface="Mongolian Baiti"/>
+        <a:font script="Viet" typeface="Arial"/>
+        <a:font script="Uigh" typeface="Microsoft Uighur"/>
+        <a:font script="Geor" typeface="Sylfaen"/>
+      </a:minorFont>
+    </a:fontScheme>
+    <a:fmtScheme name="Office">
+      <a:fillStyleLst>
+        <a:solidFill>
+          <a:schemeClr val="phClr"/>
+        </a:solidFill>
+        <a:gradFill rotWithShape="1">
+          <a:gsLst>
+            <a:gs pos="0">
+              <a:schemeClr val="phClr">
+                <a:tint val="50000"/>
+                <a:satMod val="300000"/>
+              </a:schemeClr>
+            </a:gs>
+            <a:gs pos="35000">
+              <a:schemeClr val="phClr">
+                <a:tint val="37000"/>
+                <a:satMod val="300000"/>
+              </a:schemeClr>
+            </a:gs>
+            <a:gs pos="100000">
+              <a:schemeClr val="phClr">
+                <a:tint val="15000"/>
+                <a:satMod val="350000"/>
+              </a:schemeClr>
+            </a:gs>
+          </a:gsLst>
+          <a:lin ang="16200000" scaled="1"/>
+        </a:gradFill>
+        <a:gradFill rotWithShape="1">
+          <a:gsLst>
+            <a:gs pos="0">
+              <a:schemeClr val="phClr">
+                <a:tint val="100000"/>
+                <a:shade val="100000"/>
+                <a:satMod val="130000"/>
+              </a:schemeClr>
+            </a:gs>
+            <a:gs pos="100000">
+              <a:schemeClr val="phClr">
+                <a:tint val="50000"/>
+                <a:shade val="100000"/>
+                <a:satMod val="350000"/>
+              </a:schemeClr>
+            </a:gs>
+          </a:gsLst>
+          <a:lin ang="16200000" scaled="0"/>
+        </a:gradFill>
+      </a:fillStyleLst>
+      <a:lnStyleLst>
+        <a:ln w="9525" cap="flat" cmpd="sng" algn="ctr">
+          <a:solidFill>
+            <a:schemeClr val="phClr">
+              <a:shade val="95000"/>
+              <a:satMod val="105000"/>
+            </a:schemeClr>
+          </a:solidFill>
+          <a:prstDash val="solid"/>
+        </a:ln>
+        <a:ln w="25400" cap="flat" cmpd="sng" algn="ctr">
+          <a:solidFill>
+            <a:schemeClr val="phClr"/>
+          </a:solidFill>
+          <a:prstDash val="solid"/>
+        </a:ln>
+        <a:ln w="38100" cap="flat" cmpd="sng" algn="ctr">
+          <a:solidFill>
+            <a:schemeClr val="phClr"/>
+          </a:solidFill>
+          <a:prstDash val="solid"/>
+        </a:ln>
+      </a:lnStyleLst>
+      <a:effectStyleLst>
+        <a:effectStyle>
+          <a:effectLst>
+            <a:outerShdw blurRad="40000" dist="20000" dir="5400000" rotWithShape="0">
+              <a:srgbClr val="000000">
+                <a:alpha val="38000"/>
+              </a:srgbClr>
+            </a:outerShdw>
+          </a:effectLst>
+        </a:effectStyle>
+        <a:effectStyle>
+          <a:effectLst>
+            <a:outerShdw blurRad="40000" dist="23000" dir="5400000" rotWithShape="0">
+              <a:srgbClr val="000000">
+                <a:alpha val="35000"/>
+              </a:srgbClr>
+            </a:outerShdw>
+          </a:effectLst>
+        </a:effectStyle>
+        <a:effectStyle>
+          <a:effectLst>
+            <a:outerShdw blurRad="40000" dist="23000" dir="5400000" rotWithShape="0">
+              <a:srgbClr val="000000">
+                <a:alpha val="35000"/>
+              </a:srgbClr>
+            </a:outerShdw>
+          </a:effectLst>
+          <a:scene3d>
+            <a:camera prst="orthographicFront">
+              <a:rot lat="0" lon="0" rev="0"/>
+            </a:camera>
+            <a:lightRig rig="threePt" dir="t">
+              <a:rot lat="0" lon="0" rev="1200000"/>
+            </a:lightRig>
+          </a:scene3d>
+          <a:sp3d>
+            <a:bevelT w="63500" h="25400"/>
+          </a:sp3d>
+        </a:effectStyle>
+      </a:effectStyleLst>
+      <a:bgFillStyleLst>
+        <a:solidFill>
+          <a:schemeClr val="phClr"/>
+        </a:solidFill>
+        <a:gradFill rotWithShape="1">
+          <a:gsLst>
+            <a:gs pos="0">
+              <a:schemeClr val="phClr">
+                <a:tint val="40000"/>
+                <a:satMod val="350000"/>
+              </a:schemeClr>
+            </a:gs>
+            <a:gs pos="40000">
+              <a:schemeClr val="phClr">
+                <a:tint val="45000"/>
+                <a:shade val="99000"/>
+                <a:satMod val="350000"/>
+              </a:schemeClr>
+            </a:gs>
+            <a:gs pos="100000">
+              <a:schemeClr val="phClr">
+                <a:shade val="20000"/>
+                <a:satMod val="255000"/>
+              </a:schemeClr>
+            </a:gs>
+          </a:gsLst>
+          <a:path path="circle">
+            <a:fillToRect l="50000" t="-80000" r="50000" b="180000"/>
+          </a:path>
+        </a:gradFill>
+        <a:gradFill rotWithShape="1">
+          <a:gsLst>
+            <a:gs pos="0">
+              <a:schemeClr val="phClr">
+                <a:tint val="80000"/>
+                <a:satMod val="300000"/>
+              </a:schemeClr>
+            </a:gs>
+            <a:gs pos="100000">
+              <a:schemeClr val="phClr">
+                <a:shade val="30000"/>
+                <a:satMod val="200000"/>
+              </a:schemeClr>
+            </a:gs>
+          </a:gsLst>
+          <a:path path="circle">
+            <a:fillToRect l="50000" t="50000" r="50000" b="50000"/>
+          </a:path>
+        </a:gradFill>
+      </a:bgFillStyleLst>
+    </a:fmtScheme>
+  </a:themeElements>
+</a:theme>
+</file>
+
+<file path=ppt/theme/theme2.xml><?xml version="1.0" encoding="utf-8"?>
 <a:theme xmlns:a="http://schemas.openxmlformats.org/drawingml/2006/main" xmlns:r="http://schemas.openxmlformats.org/officeDocument/2006/relationships">
   <a:themeElements>
     <a:clrScheme name="Default">
@@ -10616,283 +10903,4 @@
     </a:fmtScheme>
   </a:themeElements>
 </a:theme>
-</file>
-
-<file path=ppt/theme/theme2.xml><?xml version="1.0" encoding="utf-8"?>
-<a:theme xmlns:a="http://schemas.openxmlformats.org/drawingml/2006/main" xmlns:r="http://schemas.openxmlformats.org/officeDocument/2006/relationships" name="Simple Light">
-  <a:themeElements>
-    <a:clrScheme name="Simple Light">
-      <a:dk1>
-        <a:srgbClr val="000000"/>
-      </a:dk1>
-      <a:lt1>
-        <a:srgbClr val="FFFFFF"/>
-      </a:lt1>
-      <a:dk2>
-        <a:srgbClr val="595959"/>
-      </a:dk2>
-      <a:lt2>
-        <a:srgbClr val="EEEEEE"/>
-      </a:lt2>
-      <a:accent1>
-        <a:srgbClr val="4285F4"/>
-      </a:accent1>
-      <a:accent2>
-        <a:srgbClr val="212121"/>
-      </a:accent2>
-      <a:accent3>
-        <a:srgbClr val="78909C"/>
-      </a:accent3>
-      <a:accent4>
-        <a:srgbClr val="FFAB40"/>
-      </a:accent4>
-      <a:accent5>
-        <a:srgbClr val="0097A7"/>
-      </a:accent5>
-      <a:accent6>
-        <a:srgbClr val="EEFF41"/>
-      </a:accent6>
-      <a:hlink>
-        <a:srgbClr val="0097A7"/>
-      </a:hlink>
-      <a:folHlink>
-        <a:srgbClr val="0097A7"/>
-      </a:folHlink>
-    </a:clrScheme>
-    <a:fontScheme name="Office">
-      <a:majorFont>
-        <a:latin typeface="Arial"/>
-        <a:ea typeface=""/>
-        <a:cs typeface=""/>
-        <a:font script="Jpan" typeface="ＭＳ Ｐゴシック"/>
-        <a:font script="Hang" typeface="맑은 고딕"/>
-        <a:font script="Hans" typeface="宋体"/>
-        <a:font script="Hant" typeface="新細明體"/>
-        <a:font script="Arab" typeface="Times New Roman"/>
-        <a:font script="Hebr" typeface="Times New Roman"/>
-        <a:font script="Thai" typeface="Angsana New"/>
-        <a:font script="Ethi" typeface="Nyala"/>
-        <a:font script="Beng" typeface="Vrinda"/>
-        <a:font script="Gujr" typeface="Shruti"/>
-        <a:font script="Khmr" typeface="MoolBoran"/>
-        <a:font script="Knda" typeface="Tunga"/>
-        <a:font script="Guru" typeface="Raavi"/>
-        <a:font script="Cans" typeface="Euphemia"/>
-        <a:font script="Cher" typeface="Plantagenet Cherokee"/>
-        <a:font script="Yiii" typeface="Microsoft Yi Baiti"/>
-        <a:font script="Tibt" typeface="Microsoft Himalaya"/>
-        <a:font script="Thaa" typeface="MV Boli"/>
-        <a:font script="Deva" typeface="Mangal"/>
-        <a:font script="Telu" typeface="Gautami"/>
-        <a:font script="Taml" typeface="Latha"/>
-        <a:font script="Syrc" typeface="Estrangelo Edessa"/>
-        <a:font script="Orya" typeface="Kalinga"/>
-        <a:font script="Mlym" typeface="Kartika"/>
-        <a:font script="Laoo" typeface="DokChampa"/>
-        <a:font script="Sinh" typeface="Iskoola Pota"/>
-        <a:font script="Mong" typeface="Mongolian Baiti"/>
-        <a:font script="Viet" typeface="Times New Roman"/>
-        <a:font script="Uigh" typeface="Microsoft Uighur"/>
-        <a:font script="Geor" typeface="Sylfaen"/>
-      </a:majorFont>
-      <a:minorFont>
-        <a:latin typeface="Arial"/>
-        <a:ea typeface=""/>
-        <a:cs typeface=""/>
-        <a:font script="Jpan" typeface="ＭＳ Ｐゴシック"/>
-        <a:font script="Hang" typeface="맑은 고딕"/>
-        <a:font script="Hans" typeface="宋体"/>
-        <a:font script="Hant" typeface="新細明體"/>
-        <a:font script="Arab" typeface="Arial"/>
-        <a:font script="Hebr" typeface="Arial"/>
-        <a:font script="Thai" typeface="Cordia New"/>
-        <a:font script="Ethi" typeface="Nyala"/>
-        <a:font script="Beng" typeface="Vrinda"/>
-        <a:font script="Gujr" typeface="Shruti"/>
-        <a:font script="Khmr" typeface="DaunPenh"/>
-        <a:font script="Knda" typeface="Tunga"/>
-        <a:font script="Guru" typeface="Raavi"/>
-        <a:font script="Cans" typeface="Euphemia"/>
-        <a:font script="Cher" typeface="Plantagenet Cherokee"/>
-        <a:font script="Yiii" typeface="Microsoft Yi Baiti"/>
-        <a:font script="Tibt" typeface="Microsoft Himalaya"/>
-        <a:font script="Thaa" typeface="MV Boli"/>
-        <a:font script="Deva" typeface="Mangal"/>
-        <a:font script="Telu" typeface="Gautami"/>
-        <a:font script="Taml" typeface="Latha"/>
-        <a:font script="Syrc" typeface="Estrangelo Edessa"/>
-        <a:font script="Orya" typeface="Kalinga"/>
-        <a:font script="Mlym" typeface="Kartika"/>
-        <a:font script="Laoo" typeface="DokChampa"/>
-        <a:font script="Sinh" typeface="Iskoola Pota"/>
-        <a:font script="Mong" typeface="Mongolian Baiti"/>
-        <a:font script="Viet" typeface="Arial"/>
-        <a:font script="Uigh" typeface="Microsoft Uighur"/>
-        <a:font script="Geor" typeface="Sylfaen"/>
-      </a:minorFont>
-    </a:fontScheme>
-    <a:fmtScheme name="Office">
-      <a:fillStyleLst>
-        <a:solidFill>
-          <a:schemeClr val="phClr"/>
-        </a:solidFill>
-        <a:gradFill rotWithShape="1">
-          <a:gsLst>
-            <a:gs pos="0">
-              <a:schemeClr val="phClr">
-                <a:tint val="50000"/>
-                <a:satMod val="300000"/>
-              </a:schemeClr>
-            </a:gs>
-            <a:gs pos="35000">
-              <a:schemeClr val="phClr">
-                <a:tint val="37000"/>
-                <a:satMod val="300000"/>
-              </a:schemeClr>
-            </a:gs>
-            <a:gs pos="100000">
-              <a:schemeClr val="phClr">
-                <a:tint val="15000"/>
-                <a:satMod val="350000"/>
-              </a:schemeClr>
-            </a:gs>
-          </a:gsLst>
-          <a:lin ang="16200000" scaled="1"/>
-        </a:gradFill>
-        <a:gradFill rotWithShape="1">
-          <a:gsLst>
-            <a:gs pos="0">
-              <a:schemeClr val="phClr">
-                <a:tint val="100000"/>
-                <a:shade val="100000"/>
-                <a:satMod val="130000"/>
-              </a:schemeClr>
-            </a:gs>
-            <a:gs pos="100000">
-              <a:schemeClr val="phClr">
-                <a:tint val="50000"/>
-                <a:shade val="100000"/>
-                <a:satMod val="350000"/>
-              </a:schemeClr>
-            </a:gs>
-          </a:gsLst>
-          <a:lin ang="16200000" scaled="0"/>
-        </a:gradFill>
-      </a:fillStyleLst>
-      <a:lnStyleLst>
-        <a:ln w="9525" cap="flat" cmpd="sng" algn="ctr">
-          <a:solidFill>
-            <a:schemeClr val="phClr">
-              <a:shade val="95000"/>
-              <a:satMod val="105000"/>
-            </a:schemeClr>
-          </a:solidFill>
-          <a:prstDash val="solid"/>
-        </a:ln>
-        <a:ln w="25400" cap="flat" cmpd="sng" algn="ctr">
-          <a:solidFill>
-            <a:schemeClr val="phClr"/>
-          </a:solidFill>
-          <a:prstDash val="solid"/>
-        </a:ln>
-        <a:ln w="38100" cap="flat" cmpd="sng" algn="ctr">
-          <a:solidFill>
-            <a:schemeClr val="phClr"/>
-          </a:solidFill>
-          <a:prstDash val="solid"/>
-        </a:ln>
-      </a:lnStyleLst>
-      <a:effectStyleLst>
-        <a:effectStyle>
-          <a:effectLst>
-            <a:outerShdw blurRad="40000" dist="20000" dir="5400000" rotWithShape="0">
-              <a:srgbClr val="000000">
-                <a:alpha val="38000"/>
-              </a:srgbClr>
-            </a:outerShdw>
-          </a:effectLst>
-        </a:effectStyle>
-        <a:effectStyle>
-          <a:effectLst>
-            <a:outerShdw blurRad="40000" dist="23000" dir="5400000" rotWithShape="0">
-              <a:srgbClr val="000000">
-                <a:alpha val="35000"/>
-              </a:srgbClr>
-            </a:outerShdw>
-          </a:effectLst>
-        </a:effectStyle>
-        <a:effectStyle>
-          <a:effectLst>
-            <a:outerShdw blurRad="40000" dist="23000" dir="5400000" rotWithShape="0">
-              <a:srgbClr val="000000">
-                <a:alpha val="35000"/>
-              </a:srgbClr>
-            </a:outerShdw>
-          </a:effectLst>
-          <a:scene3d>
-            <a:camera prst="orthographicFront">
-              <a:rot lat="0" lon="0" rev="0"/>
-            </a:camera>
-            <a:lightRig rig="threePt" dir="t">
-              <a:rot lat="0" lon="0" rev="1200000"/>
-            </a:lightRig>
-          </a:scene3d>
-          <a:sp3d>
-            <a:bevelT w="63500" h="25400"/>
-          </a:sp3d>
-        </a:effectStyle>
-      </a:effectStyleLst>
-      <a:bgFillStyleLst>
-        <a:solidFill>
-          <a:schemeClr val="phClr"/>
-        </a:solidFill>
-        <a:gradFill rotWithShape="1">
-          <a:gsLst>
-            <a:gs pos="0">
-              <a:schemeClr val="phClr">
-                <a:tint val="40000"/>
-                <a:satMod val="350000"/>
-              </a:schemeClr>
-            </a:gs>
-            <a:gs pos="40000">
-              <a:schemeClr val="phClr">
-                <a:tint val="45000"/>
-                <a:shade val="99000"/>
-                <a:satMod val="350000"/>
-              </a:schemeClr>
-            </a:gs>
-            <a:gs pos="100000">
-              <a:schemeClr val="phClr">
-                <a:shade val="20000"/>
-                <a:satMod val="255000"/>
-              </a:schemeClr>
-            </a:gs>
-          </a:gsLst>
-          <a:path path="circle">
-            <a:fillToRect l="50000" t="-80000" r="50000" b="180000"/>
-          </a:path>
-        </a:gradFill>
-        <a:gradFill rotWithShape="1">
-          <a:gsLst>
-            <a:gs pos="0">
-              <a:schemeClr val="phClr">
-                <a:tint val="80000"/>
-                <a:satMod val="300000"/>
-              </a:schemeClr>
-            </a:gs>
-            <a:gs pos="100000">
-              <a:schemeClr val="phClr">
-                <a:shade val="30000"/>
-                <a:satMod val="200000"/>
-              </a:schemeClr>
-            </a:gs>
-          </a:gsLst>
-          <a:path path="circle">
-            <a:fillToRect l="50000" t="50000" r="50000" b="50000"/>
-          </a:path>
-        </a:gradFill>
-      </a:bgFillStyleLst>
-    </a:fmtScheme>
-  </a:themeElements>
-</a:theme>
 </file>
--- a/09/DATA515_09_Packages.pptx
+++ b/09/DATA515_09_Packages.pptx
@@ -19,6 +19,8 @@
     <p:sldId id="264" r:id="rId14"/>
     <p:sldId id="265" r:id="rId15"/>
     <p:sldId id="266" r:id="rId16"/>
+    <p:sldId id="267" r:id="rId17"/>
+    <p:sldId id="268" r:id="rId18"/>
   </p:sldIdLst>
   <p:sldSz cy="5143500" cx="9144000"/>
   <p:notesSz cx="6858000" cy="9144000"/>
@@ -800,7 +802,7 @@
   <p:cSld>
     <p:spTree>
       <p:nvGrpSpPr>
-        <p:cNvPr id="124" name="Shape 124"/>
+        <p:cNvPr id="125" name="Shape 125"/>
         <p:cNvGrpSpPr/>
         <p:nvPr/>
       </p:nvGrpSpPr>
@@ -814,7 +816,7 @@
       </p:grpSpPr>
       <p:sp>
         <p:nvSpPr>
-          <p:cNvPr id="125" name="Google Shape;125;g1ee0c99e000_0_210:notes"/>
+          <p:cNvPr id="126" name="Google Shape;126;g26a08891e45_0_18:notes"/>
           <p:cNvSpPr/>
           <p:nvPr>
             <p:ph idx="2" type="sldImg"/>
@@ -849,7 +851,7 @@
       </p:sp>
       <p:sp>
         <p:nvSpPr>
-          <p:cNvPr id="126" name="Google Shape;126;g1ee0c99e000_0_210:notes"/>
+          <p:cNvPr id="127" name="Google Shape;127;g26a08891e45_0_18:notes"/>
           <p:cNvSpPr txBox="1"/>
           <p:nvPr>
             <p:ph idx="1" type="body"/>
@@ -913,7 +915,7 @@
       </p:grpSpPr>
       <p:sp>
         <p:nvSpPr>
-          <p:cNvPr id="132" name="Google Shape;132;g26a08891e45_0_29:notes"/>
+          <p:cNvPr id="132" name="Google Shape;132;g1ee0c99e000_0_248:notes"/>
           <p:cNvSpPr/>
           <p:nvPr>
             <p:ph idx="2" type="sldImg"/>
@@ -948,7 +950,7 @@
       </p:sp>
       <p:sp>
         <p:nvSpPr>
-          <p:cNvPr id="133" name="Google Shape;133;g26a08891e45_0_29:notes"/>
+          <p:cNvPr id="133" name="Google Shape;133;g1ee0c99e000_0_248:notes"/>
           <p:cNvSpPr txBox="1"/>
           <p:nvPr>
             <p:ph idx="1" type="body"/>
@@ -993,12 +995,12 @@
 </p:notes>
 </file>
 
-<file path=ppt/notesSlides/notesSlide2.xml><?xml version="1.0" encoding="utf-8"?>
+<file path=ppt/notesSlides/notesSlide12.xml><?xml version="1.0" encoding="utf-8"?>
 <p:notes xmlns:a="http://schemas.openxmlformats.org/drawingml/2006/main" xmlns:r="http://schemas.openxmlformats.org/officeDocument/2006/relationships" xmlns:mc="http://schemas.openxmlformats.org/markup-compatibility/2006" xmlns:mv="urn:schemas-microsoft-com:mac:vml" xmlns:p="http://schemas.openxmlformats.org/presentationml/2006/main" xmlns:c="http://schemas.openxmlformats.org/drawingml/2006/chart" xmlns:dgm="http://schemas.openxmlformats.org/drawingml/2006/diagram" xmlns:o="urn:schemas-microsoft-com:office:office" xmlns:v="urn:schemas-microsoft-com:vml" xmlns:pvml="urn:schemas-microsoft-com:office:powerpoint" xmlns:com="http://schemas.openxmlformats.org/drawingml/2006/compatibility" xmlns:p14="http://schemas.microsoft.com/office/powerpoint/2010/main" xmlns:p15="http://schemas.microsoft.com/office/powerpoint/2012/main" xmlns:ahyp="http://schemas.microsoft.com/office/drawing/2018/hyperlinkcolor" showMasterPhAnim="0" showMasterSp="0">
   <p:cSld>
     <p:spTree>
       <p:nvGrpSpPr>
-        <p:cNvPr id="65" name="Shape 65"/>
+        <p:cNvPr id="137" name="Shape 137"/>
         <p:cNvGrpSpPr/>
         <p:nvPr/>
       </p:nvGrpSpPr>
@@ -1012,7 +1014,7 @@
       </p:grpSpPr>
       <p:sp>
         <p:nvSpPr>
-          <p:cNvPr id="66" name="Google Shape;66;g1ee0c99e000_0_193:notes"/>
+          <p:cNvPr id="138" name="Google Shape;138;g1ee0c99e000_0_210:notes"/>
           <p:cNvSpPr/>
           <p:nvPr>
             <p:ph idx="2" type="sldImg"/>
@@ -1047,7 +1049,7 @@
       </p:sp>
       <p:sp>
         <p:nvSpPr>
-          <p:cNvPr id="67" name="Google Shape;67;g1ee0c99e000_0_193:notes"/>
+          <p:cNvPr id="139" name="Google Shape;139;g1ee0c99e000_0_210:notes"/>
           <p:cNvSpPr txBox="1"/>
           <p:nvPr>
             <p:ph idx="1" type="body"/>
@@ -1092,12 +1094,12 @@
 </p:notes>
 </file>
 
-<file path=ppt/notesSlides/notesSlide3.xml><?xml version="1.0" encoding="utf-8"?>
+<file path=ppt/notesSlides/notesSlide13.xml><?xml version="1.0" encoding="utf-8"?>
 <p:notes xmlns:a="http://schemas.openxmlformats.org/drawingml/2006/main" xmlns:r="http://schemas.openxmlformats.org/officeDocument/2006/relationships" xmlns:mc="http://schemas.openxmlformats.org/markup-compatibility/2006" xmlns:mv="urn:schemas-microsoft-com:mac:vml" xmlns:p="http://schemas.openxmlformats.org/presentationml/2006/main" xmlns:c="http://schemas.openxmlformats.org/drawingml/2006/chart" xmlns:dgm="http://schemas.openxmlformats.org/drawingml/2006/diagram" xmlns:o="urn:schemas-microsoft-com:office:office" xmlns:v="urn:schemas-microsoft-com:vml" xmlns:pvml="urn:schemas-microsoft-com:office:powerpoint" xmlns:com="http://schemas.openxmlformats.org/drawingml/2006/compatibility" xmlns:p14="http://schemas.microsoft.com/office/powerpoint/2010/main" xmlns:p15="http://schemas.microsoft.com/office/powerpoint/2012/main" xmlns:ahyp="http://schemas.microsoft.com/office/drawing/2018/hyperlinkcolor" showMasterPhAnim="0" showMasterSp="0">
   <p:cSld>
     <p:spTree>
       <p:nvGrpSpPr>
-        <p:cNvPr id="70" name="Shape 70"/>
+        <p:cNvPr id="144" name="Shape 144"/>
         <p:cNvGrpSpPr/>
         <p:nvPr/>
       </p:nvGrpSpPr>
@@ -1111,7 +1113,7 @@
       </p:grpSpPr>
       <p:sp>
         <p:nvSpPr>
-          <p:cNvPr id="71" name="Google Shape;71;g1ee0c99e000_0_197:notes"/>
+          <p:cNvPr id="145" name="Google Shape;145;g26a08891e45_0_29:notes"/>
           <p:cNvSpPr/>
           <p:nvPr>
             <p:ph idx="2" type="sldImg"/>
@@ -1146,7 +1148,7 @@
       </p:sp>
       <p:sp>
         <p:nvSpPr>
-          <p:cNvPr id="72" name="Google Shape;72;g1ee0c99e000_0_197:notes"/>
+          <p:cNvPr id="146" name="Google Shape;146;g26a08891e45_0_29:notes"/>
           <p:cNvSpPr txBox="1"/>
           <p:nvPr>
             <p:ph idx="1" type="body"/>
@@ -1191,12 +1193,12 @@
 </p:notes>
 </file>
 
-<file path=ppt/notesSlides/notesSlide4.xml><?xml version="1.0" encoding="utf-8"?>
+<file path=ppt/notesSlides/notesSlide2.xml><?xml version="1.0" encoding="utf-8"?>
 <p:notes xmlns:a="http://schemas.openxmlformats.org/drawingml/2006/main" xmlns:r="http://schemas.openxmlformats.org/officeDocument/2006/relationships" xmlns:mc="http://schemas.openxmlformats.org/markup-compatibility/2006" xmlns:mv="urn:schemas-microsoft-com:mac:vml" xmlns:p="http://schemas.openxmlformats.org/presentationml/2006/main" xmlns:c="http://schemas.openxmlformats.org/drawingml/2006/chart" xmlns:dgm="http://schemas.openxmlformats.org/drawingml/2006/diagram" xmlns:o="urn:schemas-microsoft-com:office:office" xmlns:v="urn:schemas-microsoft-com:vml" xmlns:pvml="urn:schemas-microsoft-com:office:powerpoint" xmlns:com="http://schemas.openxmlformats.org/drawingml/2006/compatibility" xmlns:p14="http://schemas.microsoft.com/office/powerpoint/2010/main" xmlns:p15="http://schemas.microsoft.com/office/powerpoint/2012/main" xmlns:ahyp="http://schemas.microsoft.com/office/drawing/2018/hyperlinkcolor" showMasterPhAnim="0" showMasterSp="0">
   <p:cSld>
     <p:spTree>
       <p:nvGrpSpPr>
-        <p:cNvPr id="77" name="Shape 77"/>
+        <p:cNvPr id="65" name="Shape 65"/>
         <p:cNvGrpSpPr/>
         <p:nvPr/>
       </p:nvGrpSpPr>
@@ -1210,7 +1212,7 @@
       </p:grpSpPr>
       <p:sp>
         <p:nvSpPr>
-          <p:cNvPr id="78" name="Google Shape;78;g1ee0c99e000_0_204:notes"/>
+          <p:cNvPr id="66" name="Google Shape;66;g3324613b615_0_0:notes"/>
           <p:cNvSpPr/>
           <p:nvPr>
             <p:ph idx="2" type="sldImg"/>
@@ -1245,7 +1247,7 @@
       </p:sp>
       <p:sp>
         <p:nvSpPr>
-          <p:cNvPr id="79" name="Google Shape;79;g1ee0c99e000_0_204:notes"/>
+          <p:cNvPr id="67" name="Google Shape;67;g3324613b615_0_0:notes"/>
           <p:cNvSpPr txBox="1"/>
           <p:nvPr>
             <p:ph idx="1" type="body"/>
@@ -1290,12 +1292,12 @@
 </p:notes>
 </file>
 
-<file path=ppt/notesSlides/notesSlide5.xml><?xml version="1.0" encoding="utf-8"?>
+<file path=ppt/notesSlides/notesSlide3.xml><?xml version="1.0" encoding="utf-8"?>
 <p:notes xmlns:a="http://schemas.openxmlformats.org/drawingml/2006/main" xmlns:r="http://schemas.openxmlformats.org/officeDocument/2006/relationships" xmlns:mc="http://schemas.openxmlformats.org/markup-compatibility/2006" xmlns:mv="urn:schemas-microsoft-com:mac:vml" xmlns:p="http://schemas.openxmlformats.org/presentationml/2006/main" xmlns:c="http://schemas.openxmlformats.org/drawingml/2006/chart" xmlns:dgm="http://schemas.openxmlformats.org/drawingml/2006/diagram" xmlns:o="urn:schemas-microsoft-com:office:office" xmlns:v="urn:schemas-microsoft-com:vml" xmlns:pvml="urn:schemas-microsoft-com:office:powerpoint" xmlns:com="http://schemas.openxmlformats.org/drawingml/2006/compatibility" xmlns:p14="http://schemas.microsoft.com/office/powerpoint/2010/main" xmlns:p15="http://schemas.microsoft.com/office/powerpoint/2012/main" xmlns:ahyp="http://schemas.microsoft.com/office/drawing/2018/hyperlinkcolor" showMasterPhAnim="0" showMasterSp="0">
   <p:cSld>
     <p:spTree>
       <p:nvGrpSpPr>
-        <p:cNvPr id="84" name="Shape 84"/>
+        <p:cNvPr id="71" name="Shape 71"/>
         <p:cNvGrpSpPr/>
         <p:nvPr/>
       </p:nvGrpSpPr>
@@ -1309,7 +1311,7 @@
       </p:grpSpPr>
       <p:sp>
         <p:nvSpPr>
-          <p:cNvPr id="85" name="Google Shape;85;g1ee0c99e000_0_215:notes"/>
+          <p:cNvPr id="72" name="Google Shape;72;g3324613b615_0_5:notes"/>
           <p:cNvSpPr/>
           <p:nvPr>
             <p:ph idx="2" type="sldImg"/>
@@ -1344,7 +1346,7 @@
       </p:sp>
       <p:sp>
         <p:nvSpPr>
-          <p:cNvPr id="86" name="Google Shape;86;g1ee0c99e000_0_215:notes"/>
+          <p:cNvPr id="73" name="Google Shape;73;g3324613b615_0_5:notes"/>
           <p:cNvSpPr txBox="1"/>
           <p:nvPr>
             <p:ph idx="1" type="body"/>
@@ -1389,12 +1391,12 @@
 </p:notes>
 </file>
 
-<file path=ppt/notesSlides/notesSlide6.xml><?xml version="1.0" encoding="utf-8"?>
+<file path=ppt/notesSlides/notesSlide4.xml><?xml version="1.0" encoding="utf-8"?>
 <p:notes xmlns:a="http://schemas.openxmlformats.org/drawingml/2006/main" xmlns:r="http://schemas.openxmlformats.org/officeDocument/2006/relationships" xmlns:mc="http://schemas.openxmlformats.org/markup-compatibility/2006" xmlns:mv="urn:schemas-microsoft-com:mac:vml" xmlns:p="http://schemas.openxmlformats.org/presentationml/2006/main" xmlns:c="http://schemas.openxmlformats.org/drawingml/2006/chart" xmlns:dgm="http://schemas.openxmlformats.org/drawingml/2006/diagram" xmlns:o="urn:schemas-microsoft-com:office:office" xmlns:v="urn:schemas-microsoft-com:vml" xmlns:pvml="urn:schemas-microsoft-com:office:powerpoint" xmlns:com="http://schemas.openxmlformats.org/drawingml/2006/compatibility" xmlns:p14="http://schemas.microsoft.com/office/powerpoint/2010/main" xmlns:p15="http://schemas.microsoft.com/office/powerpoint/2012/main" xmlns:ahyp="http://schemas.microsoft.com/office/drawing/2018/hyperlinkcolor" showMasterPhAnim="0" showMasterSp="0">
   <p:cSld>
     <p:spTree>
       <p:nvGrpSpPr>
-        <p:cNvPr id="94" name="Shape 94"/>
+        <p:cNvPr id="78" name="Shape 78"/>
         <p:cNvGrpSpPr/>
         <p:nvPr/>
       </p:nvGrpSpPr>
@@ -1408,7 +1410,7 @@
       </p:grpSpPr>
       <p:sp>
         <p:nvSpPr>
-          <p:cNvPr id="95" name="Google Shape;95;g1ee0c99e000_0_223:notes"/>
+          <p:cNvPr id="79" name="Google Shape;79;g1ee0c99e000_0_193:notes"/>
           <p:cNvSpPr/>
           <p:nvPr>
             <p:ph idx="2" type="sldImg"/>
@@ -1443,7 +1445,7 @@
       </p:sp>
       <p:sp>
         <p:nvSpPr>
-          <p:cNvPr id="96" name="Google Shape;96;g1ee0c99e000_0_223:notes"/>
+          <p:cNvPr id="80" name="Google Shape;80;g1ee0c99e000_0_193:notes"/>
           <p:cNvSpPr txBox="1"/>
           <p:nvPr>
             <p:ph idx="1" type="body"/>
@@ -1488,12 +1490,12 @@
 </p:notes>
 </file>
 
-<file path=ppt/notesSlides/notesSlide7.xml><?xml version="1.0" encoding="utf-8"?>
+<file path=ppt/notesSlides/notesSlide5.xml><?xml version="1.0" encoding="utf-8"?>
 <p:notes xmlns:a="http://schemas.openxmlformats.org/drawingml/2006/main" xmlns:r="http://schemas.openxmlformats.org/officeDocument/2006/relationships" xmlns:mc="http://schemas.openxmlformats.org/markup-compatibility/2006" xmlns:mv="urn:schemas-microsoft-com:mac:vml" xmlns:p="http://schemas.openxmlformats.org/presentationml/2006/main" xmlns:c="http://schemas.openxmlformats.org/drawingml/2006/chart" xmlns:dgm="http://schemas.openxmlformats.org/drawingml/2006/diagram" xmlns:o="urn:schemas-microsoft-com:office:office" xmlns:v="urn:schemas-microsoft-com:vml" xmlns:pvml="urn:schemas-microsoft-com:office:powerpoint" xmlns:com="http://schemas.openxmlformats.org/drawingml/2006/compatibility" xmlns:p14="http://schemas.microsoft.com/office/powerpoint/2010/main" xmlns:p15="http://schemas.microsoft.com/office/powerpoint/2012/main" xmlns:ahyp="http://schemas.microsoft.com/office/drawing/2018/hyperlinkcolor" showMasterPhAnim="0" showMasterSp="0">
   <p:cSld>
     <p:spTree>
       <p:nvGrpSpPr>
-        <p:cNvPr id="103" name="Shape 103"/>
+        <p:cNvPr id="83" name="Shape 83"/>
         <p:cNvGrpSpPr/>
         <p:nvPr/>
       </p:nvGrpSpPr>
@@ -1507,7 +1509,7 @@
       </p:grpSpPr>
       <p:sp>
         <p:nvSpPr>
-          <p:cNvPr id="104" name="Google Shape;104;g1ee0c99e000_0_232:notes"/>
+          <p:cNvPr id="84" name="Google Shape;84;g1ee0c99e000_0_197:notes"/>
           <p:cNvSpPr/>
           <p:nvPr>
             <p:ph idx="2" type="sldImg"/>
@@ -1542,7 +1544,7 @@
       </p:sp>
       <p:sp>
         <p:nvSpPr>
-          <p:cNvPr id="105" name="Google Shape;105;g1ee0c99e000_0_232:notes"/>
+          <p:cNvPr id="85" name="Google Shape;85;g1ee0c99e000_0_197:notes"/>
           <p:cNvSpPr txBox="1"/>
           <p:nvPr>
             <p:ph idx="1" type="body"/>
@@ -1587,12 +1589,12 @@
 </p:notes>
 </file>
 
-<file path=ppt/notesSlides/notesSlide8.xml><?xml version="1.0" encoding="utf-8"?>
+<file path=ppt/notesSlides/notesSlide6.xml><?xml version="1.0" encoding="utf-8"?>
 <p:notes xmlns:a="http://schemas.openxmlformats.org/drawingml/2006/main" xmlns:r="http://schemas.openxmlformats.org/officeDocument/2006/relationships" xmlns:mc="http://schemas.openxmlformats.org/markup-compatibility/2006" xmlns:mv="urn:schemas-microsoft-com:mac:vml" xmlns:p="http://schemas.openxmlformats.org/presentationml/2006/main" xmlns:c="http://schemas.openxmlformats.org/drawingml/2006/chart" xmlns:dgm="http://schemas.openxmlformats.org/drawingml/2006/diagram" xmlns:o="urn:schemas-microsoft-com:office:office" xmlns:v="urn:schemas-microsoft-com:vml" xmlns:pvml="urn:schemas-microsoft-com:office:powerpoint" xmlns:com="http://schemas.openxmlformats.org/drawingml/2006/compatibility" xmlns:p14="http://schemas.microsoft.com/office/powerpoint/2010/main" xmlns:p15="http://schemas.microsoft.com/office/powerpoint/2012/main" xmlns:ahyp="http://schemas.microsoft.com/office/drawing/2018/hyperlinkcolor" showMasterPhAnim="0" showMasterSp="0">
   <p:cSld>
     <p:spTree>
       <p:nvGrpSpPr>
-        <p:cNvPr id="112" name="Shape 112"/>
+        <p:cNvPr id="90" name="Shape 90"/>
         <p:cNvGrpSpPr/>
         <p:nvPr/>
       </p:nvGrpSpPr>
@@ -1606,7 +1608,7 @@
       </p:grpSpPr>
       <p:sp>
         <p:nvSpPr>
-          <p:cNvPr id="113" name="Google Shape;113;g26a08891e45_0_18:notes"/>
+          <p:cNvPr id="91" name="Google Shape;91;g1ee0c99e000_0_204:notes"/>
           <p:cNvSpPr/>
           <p:nvPr>
             <p:ph idx="2" type="sldImg"/>
@@ -1641,7 +1643,7 @@
       </p:sp>
       <p:sp>
         <p:nvSpPr>
-          <p:cNvPr id="114" name="Google Shape;114;g26a08891e45_0_18:notes"/>
+          <p:cNvPr id="92" name="Google Shape;92;g1ee0c99e000_0_204:notes"/>
           <p:cNvSpPr txBox="1"/>
           <p:nvPr>
             <p:ph idx="1" type="body"/>
@@ -1686,12 +1688,12 @@
 </p:notes>
 </file>
 
-<file path=ppt/notesSlides/notesSlide9.xml><?xml version="1.0" encoding="utf-8"?>
+<file path=ppt/notesSlides/notesSlide7.xml><?xml version="1.0" encoding="utf-8"?>
 <p:notes xmlns:a="http://schemas.openxmlformats.org/drawingml/2006/main" xmlns:r="http://schemas.openxmlformats.org/officeDocument/2006/relationships" xmlns:mc="http://schemas.openxmlformats.org/markup-compatibility/2006" xmlns:mv="urn:schemas-microsoft-com:mac:vml" xmlns:p="http://schemas.openxmlformats.org/presentationml/2006/main" xmlns:c="http://schemas.openxmlformats.org/drawingml/2006/chart" xmlns:dgm="http://schemas.openxmlformats.org/drawingml/2006/diagram" xmlns:o="urn:schemas-microsoft-com:office:office" xmlns:v="urn:schemas-microsoft-com:vml" xmlns:pvml="urn:schemas-microsoft-com:office:powerpoint" xmlns:com="http://schemas.openxmlformats.org/drawingml/2006/compatibility" xmlns:p14="http://schemas.microsoft.com/office/powerpoint/2010/main" xmlns:p15="http://schemas.microsoft.com/office/powerpoint/2012/main" xmlns:ahyp="http://schemas.microsoft.com/office/drawing/2018/hyperlinkcolor" showMasterPhAnim="0" showMasterSp="0">
   <p:cSld>
     <p:spTree>
       <p:nvGrpSpPr>
-        <p:cNvPr id="118" name="Shape 118"/>
+        <p:cNvPr id="97" name="Shape 97"/>
         <p:cNvGrpSpPr/>
         <p:nvPr/>
       </p:nvGrpSpPr>
@@ -1705,7 +1707,7 @@
       </p:grpSpPr>
       <p:sp>
         <p:nvSpPr>
-          <p:cNvPr id="119" name="Google Shape;119;g1ee0c99e000_0_248:notes"/>
+          <p:cNvPr id="98" name="Google Shape;98;g1ee0c99e000_0_215:notes"/>
           <p:cNvSpPr/>
           <p:nvPr>
             <p:ph idx="2" type="sldImg"/>
@@ -1740,7 +1742,205 @@
       </p:sp>
       <p:sp>
         <p:nvSpPr>
-          <p:cNvPr id="120" name="Google Shape;120;g1ee0c99e000_0_248:notes"/>
+          <p:cNvPr id="99" name="Google Shape;99;g1ee0c99e000_0_215:notes"/>
+          <p:cNvSpPr txBox="1"/>
+          <p:nvPr>
+            <p:ph idx="1" type="body"/>
+          </p:nvPr>
+        </p:nvSpPr>
+        <p:spPr>
+          <a:xfrm>
+            <a:off x="685800" y="4343400"/>
+            <a:ext cx="5486400" cy="4114800"/>
+          </a:xfrm>
+          <a:prstGeom prst="rect">
+            <a:avLst/>
+          </a:prstGeom>
+        </p:spPr>
+        <p:txBody>
+          <a:bodyPr anchorCtr="0" anchor="t" bIns="91425" lIns="91425" spcFirstLastPara="1" rIns="91425" wrap="square" tIns="91425">
+            <a:noAutofit/>
+          </a:bodyPr>
+          <a:lstStyle/>
+          <a:p>
+            <a:pPr indent="0" lvl="0" marL="0" rtl="0" algn="l">
+              <a:spcBef>
+                <a:spcPts val="0"/>
+              </a:spcBef>
+              <a:spcAft>
+                <a:spcPts val="0"/>
+              </a:spcAft>
+              <a:buNone/>
+            </a:pPr>
+            <a:r>
+              <a:t/>
+            </a:r>
+            <a:endParaRPr/>
+          </a:p>
+        </p:txBody>
+      </p:sp>
+    </p:spTree>
+  </p:cSld>
+  <p:clrMapOvr>
+    <a:masterClrMapping/>
+  </p:clrMapOvr>
+</p:notes>
+</file>
+
+<file path=ppt/notesSlides/notesSlide8.xml><?xml version="1.0" encoding="utf-8"?>
+<p:notes xmlns:a="http://schemas.openxmlformats.org/drawingml/2006/main" xmlns:r="http://schemas.openxmlformats.org/officeDocument/2006/relationships" xmlns:mc="http://schemas.openxmlformats.org/markup-compatibility/2006" xmlns:mv="urn:schemas-microsoft-com:mac:vml" xmlns:p="http://schemas.openxmlformats.org/presentationml/2006/main" xmlns:c="http://schemas.openxmlformats.org/drawingml/2006/chart" xmlns:dgm="http://schemas.openxmlformats.org/drawingml/2006/diagram" xmlns:o="urn:schemas-microsoft-com:office:office" xmlns:v="urn:schemas-microsoft-com:vml" xmlns:pvml="urn:schemas-microsoft-com:office:powerpoint" xmlns:com="http://schemas.openxmlformats.org/drawingml/2006/compatibility" xmlns:p14="http://schemas.microsoft.com/office/powerpoint/2010/main" xmlns:p15="http://schemas.microsoft.com/office/powerpoint/2012/main" xmlns:ahyp="http://schemas.microsoft.com/office/drawing/2018/hyperlinkcolor" showMasterPhAnim="0" showMasterSp="0">
+  <p:cSld>
+    <p:spTree>
+      <p:nvGrpSpPr>
+        <p:cNvPr id="107" name="Shape 107"/>
+        <p:cNvGrpSpPr/>
+        <p:nvPr/>
+      </p:nvGrpSpPr>
+      <p:grpSpPr>
+        <a:xfrm>
+          <a:off x="0" y="0"/>
+          <a:ext cx="0" cy="0"/>
+          <a:chOff x="0" y="0"/>
+          <a:chExt cx="0" cy="0"/>
+        </a:xfrm>
+      </p:grpSpPr>
+      <p:sp>
+        <p:nvSpPr>
+          <p:cNvPr id="108" name="Google Shape;108;g1ee0c99e000_0_223:notes"/>
+          <p:cNvSpPr/>
+          <p:nvPr>
+            <p:ph idx="2" type="sldImg"/>
+          </p:nvPr>
+        </p:nvSpPr>
+        <p:spPr>
+          <a:xfrm>
+            <a:off x="381300" y="685800"/>
+            <a:ext cx="6096000" cy="3429000"/>
+          </a:xfrm>
+          <a:custGeom>
+            <a:rect b="b" l="l" r="r" t="t"/>
+            <a:pathLst>
+              <a:path extrusionOk="0" h="120000" w="120000">
+                <a:moveTo>
+                  <a:pt x="0" y="0"/>
+                </a:moveTo>
+                <a:lnTo>
+                  <a:pt x="120000" y="0"/>
+                </a:lnTo>
+                <a:lnTo>
+                  <a:pt x="120000" y="120000"/>
+                </a:lnTo>
+                <a:lnTo>
+                  <a:pt x="0" y="120000"/>
+                </a:lnTo>
+                <a:close/>
+              </a:path>
+            </a:pathLst>
+          </a:custGeom>
+        </p:spPr>
+      </p:sp>
+      <p:sp>
+        <p:nvSpPr>
+          <p:cNvPr id="109" name="Google Shape;109;g1ee0c99e000_0_223:notes"/>
+          <p:cNvSpPr txBox="1"/>
+          <p:nvPr>
+            <p:ph idx="1" type="body"/>
+          </p:nvPr>
+        </p:nvSpPr>
+        <p:spPr>
+          <a:xfrm>
+            <a:off x="685800" y="4343400"/>
+            <a:ext cx="5486400" cy="4114800"/>
+          </a:xfrm>
+          <a:prstGeom prst="rect">
+            <a:avLst/>
+          </a:prstGeom>
+        </p:spPr>
+        <p:txBody>
+          <a:bodyPr anchorCtr="0" anchor="t" bIns="91425" lIns="91425" spcFirstLastPara="1" rIns="91425" wrap="square" tIns="91425">
+            <a:noAutofit/>
+          </a:bodyPr>
+          <a:lstStyle/>
+          <a:p>
+            <a:pPr indent="0" lvl="0" marL="0" rtl="0" algn="l">
+              <a:spcBef>
+                <a:spcPts val="0"/>
+              </a:spcBef>
+              <a:spcAft>
+                <a:spcPts val="0"/>
+              </a:spcAft>
+              <a:buNone/>
+            </a:pPr>
+            <a:r>
+              <a:t/>
+            </a:r>
+            <a:endParaRPr/>
+          </a:p>
+        </p:txBody>
+      </p:sp>
+    </p:spTree>
+  </p:cSld>
+  <p:clrMapOvr>
+    <a:masterClrMapping/>
+  </p:clrMapOvr>
+</p:notes>
+</file>
+
+<file path=ppt/notesSlides/notesSlide9.xml><?xml version="1.0" encoding="utf-8"?>
+<p:notes xmlns:a="http://schemas.openxmlformats.org/drawingml/2006/main" xmlns:r="http://schemas.openxmlformats.org/officeDocument/2006/relationships" xmlns:mc="http://schemas.openxmlformats.org/markup-compatibility/2006" xmlns:mv="urn:schemas-microsoft-com:mac:vml" xmlns:p="http://schemas.openxmlformats.org/presentationml/2006/main" xmlns:c="http://schemas.openxmlformats.org/drawingml/2006/chart" xmlns:dgm="http://schemas.openxmlformats.org/drawingml/2006/diagram" xmlns:o="urn:schemas-microsoft-com:office:office" xmlns:v="urn:schemas-microsoft-com:vml" xmlns:pvml="urn:schemas-microsoft-com:office:powerpoint" xmlns:com="http://schemas.openxmlformats.org/drawingml/2006/compatibility" xmlns:p14="http://schemas.microsoft.com/office/powerpoint/2010/main" xmlns:p15="http://schemas.microsoft.com/office/powerpoint/2012/main" xmlns:ahyp="http://schemas.microsoft.com/office/drawing/2018/hyperlinkcolor" showMasterPhAnim="0" showMasterSp="0">
+  <p:cSld>
+    <p:spTree>
+      <p:nvGrpSpPr>
+        <p:cNvPr id="116" name="Shape 116"/>
+        <p:cNvGrpSpPr/>
+        <p:nvPr/>
+      </p:nvGrpSpPr>
+      <p:grpSpPr>
+        <a:xfrm>
+          <a:off x="0" y="0"/>
+          <a:ext cx="0" cy="0"/>
+          <a:chOff x="0" y="0"/>
+          <a:chExt cx="0" cy="0"/>
+        </a:xfrm>
+      </p:grpSpPr>
+      <p:sp>
+        <p:nvSpPr>
+          <p:cNvPr id="117" name="Google Shape;117;g1ee0c99e000_0_232:notes"/>
+          <p:cNvSpPr/>
+          <p:nvPr>
+            <p:ph idx="2" type="sldImg"/>
+          </p:nvPr>
+        </p:nvSpPr>
+        <p:spPr>
+          <a:xfrm>
+            <a:off x="381300" y="685800"/>
+            <a:ext cx="6096000" cy="3429000"/>
+          </a:xfrm>
+          <a:custGeom>
+            <a:rect b="b" l="l" r="r" t="t"/>
+            <a:pathLst>
+              <a:path extrusionOk="0" h="120000" w="120000">
+                <a:moveTo>
+                  <a:pt x="0" y="0"/>
+                </a:moveTo>
+                <a:lnTo>
+                  <a:pt x="120000" y="0"/>
+                </a:lnTo>
+                <a:lnTo>
+                  <a:pt x="120000" y="120000"/>
+                </a:lnTo>
+                <a:lnTo>
+                  <a:pt x="0" y="120000"/>
+                </a:lnTo>
+                <a:close/>
+              </a:path>
+            </a:pathLst>
+          </a:custGeom>
+        </p:spPr>
+      </p:sp>
+      <p:sp>
+        <p:nvSpPr>
+          <p:cNvPr id="118" name="Google Shape;118;g1ee0c99e000_0_232:notes"/>
           <p:cNvSpPr txBox="1"/>
           <p:nvPr>
             <p:ph idx="1" type="body"/>
@@ -7049,7 +7249,7 @@
             </a:pPr>
             <a:r>
               <a:rPr lang="en"/>
-              <a:t>February 29, 2024</a:t>
+              <a:t>March 6, 2025</a:t>
             </a:r>
             <a:endParaRPr/>
           </a:p>
@@ -7068,7 +7268,7 @@
   <p:cSld>
     <p:spTree>
       <p:nvGrpSpPr>
-        <p:cNvPr id="127" name="Shape 127"/>
+        <p:cNvPr id="128" name="Shape 128"/>
         <p:cNvGrpSpPr/>
         <p:nvPr/>
       </p:nvGrpSpPr>
@@ -7082,7 +7282,7 @@
       </p:grpSpPr>
       <p:sp>
         <p:nvSpPr>
-          <p:cNvPr id="128" name="Google Shape;128;p22"/>
+          <p:cNvPr id="129" name="Google Shape;129;p22"/>
           <p:cNvSpPr txBox="1"/>
           <p:nvPr>
             <p:ph type="title"/>
@@ -7110,11 +7310,45 @@
               <a:spcAft>
                 <a:spcPts val="0"/>
               </a:spcAft>
+              <a:buClr>
+                <a:schemeClr val="dk1"/>
+              </a:buClr>
+              <a:buSzPct val="39285"/>
+              <a:buFont typeface="Arial"/>
               <a:buNone/>
             </a:pPr>
             <a:r>
               <a:rPr lang="en"/>
-              <a:t>Submitting your package to PyPI</a:t>
+              <a:t>Example  </a:t>
+            </a:r>
+            <a:r>
+              <a:rPr lang="en">
+                <a:latin typeface="Courier New"/>
+                <a:ea typeface="Courier New"/>
+                <a:cs typeface="Courier New"/>
+                <a:sym typeface="Courier New"/>
+              </a:rPr>
+              <a:t>pyproject.toml</a:t>
+            </a:r>
+            <a:endParaRPr>
+              <a:latin typeface="Courier New"/>
+              <a:ea typeface="Courier New"/>
+              <a:cs typeface="Courier New"/>
+              <a:sym typeface="Courier New"/>
+            </a:endParaRPr>
+          </a:p>
+          <a:p>
+            <a:pPr indent="0" lvl="0" marL="0" rtl="0" algn="l">
+              <a:spcBef>
+                <a:spcPts val="0"/>
+              </a:spcBef>
+              <a:spcAft>
+                <a:spcPts val="0"/>
+              </a:spcAft>
+              <a:buNone/>
+            </a:pPr>
+            <a:r>
+              <a:t/>
             </a:r>
             <a:endParaRPr/>
           </a:p>
@@ -7122,7 +7356,7 @@
       </p:sp>
       <p:sp>
         <p:nvSpPr>
-          <p:cNvPr id="129" name="Google Shape;129;p22"/>
+          <p:cNvPr id="130" name="Google Shape;130;p22"/>
           <p:cNvSpPr txBox="1"/>
           <p:nvPr>
             <p:ph idx="1" type="body"/>
@@ -7150,6 +7384,308 @@
               <a:spcAft>
                 <a:spcPts val="0"/>
               </a:spcAft>
+              <a:buNone/>
+            </a:pPr>
+            <a:r>
+              <a:t/>
+            </a:r>
+            <a:endParaRPr/>
+          </a:p>
+          <a:p>
+            <a:pPr indent="0" lvl="0" marL="0" rtl="0" algn="l">
+              <a:spcBef>
+                <a:spcPts val="1200"/>
+              </a:spcBef>
+              <a:spcAft>
+                <a:spcPts val="0"/>
+              </a:spcAft>
+              <a:buNone/>
+            </a:pPr>
+            <a:r>
+              <a:rPr lang="en" u="sng">
+                <a:solidFill>
+                  <a:schemeClr val="hlink"/>
+                </a:solidFill>
+                <a:hlinkClick r:id="rId3"/>
+              </a:rPr>
+              <a:t>https://github.com/UWDATA515/ci_example/blob/main/pyproject.toml</a:t>
+            </a:r>
+            <a:endParaRPr/>
+          </a:p>
+          <a:p>
+            <a:pPr indent="0" lvl="0" marL="0" rtl="0" algn="l">
+              <a:spcBef>
+                <a:spcPts val="1200"/>
+              </a:spcBef>
+              <a:spcAft>
+                <a:spcPts val="1200"/>
+              </a:spcAft>
+              <a:buNone/>
+            </a:pPr>
+            <a:r>
+              <a:t/>
+            </a:r>
+            <a:endParaRPr/>
+          </a:p>
+        </p:txBody>
+      </p:sp>
+    </p:spTree>
+  </p:cSld>
+  <p:clrMapOvr>
+    <a:masterClrMapping/>
+  </p:clrMapOvr>
+</p:sld>
+</file>
+
+<file path=ppt/slides/slide11.xml><?xml version="1.0" encoding="utf-8"?>
+<p:sld xmlns:a="http://schemas.openxmlformats.org/drawingml/2006/main" xmlns:r="http://schemas.openxmlformats.org/officeDocument/2006/relationships" xmlns:mc="http://schemas.openxmlformats.org/markup-compatibility/2006" xmlns:mv="urn:schemas-microsoft-com:mac:vml" xmlns:p="http://schemas.openxmlformats.org/presentationml/2006/main" xmlns:c="http://schemas.openxmlformats.org/drawingml/2006/chart" xmlns:dgm="http://schemas.openxmlformats.org/drawingml/2006/diagram" xmlns:o="urn:schemas-microsoft-com:office:office" xmlns:v="urn:schemas-microsoft-com:vml" xmlns:pvml="urn:schemas-microsoft-com:office:powerpoint" xmlns:com="http://schemas.openxmlformats.org/drawingml/2006/compatibility" xmlns:p14="http://schemas.microsoft.com/office/powerpoint/2010/main" xmlns:p15="http://schemas.microsoft.com/office/powerpoint/2012/main" xmlns:ahyp="http://schemas.microsoft.com/office/drawing/2018/hyperlinkcolor">
+  <p:cSld>
+    <p:spTree>
+      <p:nvGrpSpPr>
+        <p:cNvPr id="134" name="Shape 134"/>
+        <p:cNvGrpSpPr/>
+        <p:nvPr/>
+      </p:nvGrpSpPr>
+      <p:grpSpPr>
+        <a:xfrm>
+          <a:off x="0" y="0"/>
+          <a:ext cx="0" cy="0"/>
+          <a:chOff x="0" y="0"/>
+          <a:chExt cx="0" cy="0"/>
+        </a:xfrm>
+      </p:grpSpPr>
+      <p:sp>
+        <p:nvSpPr>
+          <p:cNvPr id="135" name="Google Shape;135;p23"/>
+          <p:cNvSpPr txBox="1"/>
+          <p:nvPr>
+            <p:ph type="title"/>
+          </p:nvPr>
+        </p:nvSpPr>
+        <p:spPr>
+          <a:xfrm>
+            <a:off x="311700" y="445025"/>
+            <a:ext cx="8520600" cy="572700"/>
+          </a:xfrm>
+          <a:prstGeom prst="rect">
+            <a:avLst/>
+          </a:prstGeom>
+        </p:spPr>
+        <p:txBody>
+          <a:bodyPr anchorCtr="0" anchor="t" bIns="91425" lIns="91425" spcFirstLastPara="1" rIns="91425" wrap="square" tIns="91425">
+            <a:normAutofit fontScale="90000"/>
+          </a:bodyPr>
+          <a:lstStyle/>
+          <a:p>
+            <a:pPr indent="0" lvl="0" marL="0" rtl="0" algn="l">
+              <a:spcBef>
+                <a:spcPts val="0"/>
+              </a:spcBef>
+              <a:spcAft>
+                <a:spcPts val="0"/>
+              </a:spcAft>
+              <a:buNone/>
+            </a:pPr>
+            <a:r>
+              <a:rPr lang="en"/>
+              <a:t>More examples</a:t>
+            </a:r>
+            <a:endParaRPr/>
+          </a:p>
+        </p:txBody>
+      </p:sp>
+      <p:sp>
+        <p:nvSpPr>
+          <p:cNvPr id="136" name="Google Shape;136;p23"/>
+          <p:cNvSpPr txBox="1"/>
+          <p:nvPr>
+            <p:ph idx="1" type="body"/>
+          </p:nvPr>
+        </p:nvSpPr>
+        <p:spPr>
+          <a:xfrm>
+            <a:off x="311700" y="1152475"/>
+            <a:ext cx="8520600" cy="3416400"/>
+          </a:xfrm>
+          <a:prstGeom prst="rect">
+            <a:avLst/>
+          </a:prstGeom>
+        </p:spPr>
+        <p:txBody>
+          <a:bodyPr anchorCtr="0" anchor="t" bIns="91425" lIns="91425" spcFirstLastPara="1" rIns="91425" wrap="square" tIns="91425">
+            <a:normAutofit/>
+          </a:bodyPr>
+          <a:lstStyle/>
+          <a:p>
+            <a:pPr indent="0" lvl="0" marL="0" rtl="0" algn="l">
+              <a:spcBef>
+                <a:spcPts val="0"/>
+              </a:spcBef>
+              <a:spcAft>
+                <a:spcPts val="0"/>
+              </a:spcAft>
+              <a:buNone/>
+            </a:pPr>
+            <a:r>
+              <a:rPr lang="en"/>
+              <a:t>Check out existing Python packages. These may be more complicated:</a:t>
+            </a:r>
+            <a:endParaRPr/>
+          </a:p>
+          <a:p>
+            <a:pPr indent="0" lvl="0" marL="0" rtl="0" algn="l">
+              <a:spcBef>
+                <a:spcPts val="1200"/>
+              </a:spcBef>
+              <a:spcAft>
+                <a:spcPts val="0"/>
+              </a:spcAft>
+              <a:buNone/>
+            </a:pPr>
+            <a:r>
+              <a:rPr lang="en" u="sng">
+                <a:solidFill>
+                  <a:schemeClr val="hlink"/>
+                </a:solidFill>
+                <a:hlinkClick r:id="rId3"/>
+              </a:rPr>
+              <a:t>https://github.com/numpy/numpy</a:t>
+            </a:r>
+            <a:endParaRPr/>
+          </a:p>
+          <a:p>
+            <a:pPr indent="0" lvl="0" marL="0" rtl="0" algn="l">
+              <a:spcBef>
+                <a:spcPts val="1200"/>
+              </a:spcBef>
+              <a:spcAft>
+                <a:spcPts val="0"/>
+              </a:spcAft>
+              <a:buNone/>
+            </a:pPr>
+            <a:r>
+              <a:rPr lang="en" u="sng">
+                <a:solidFill>
+                  <a:schemeClr val="hlink"/>
+                </a:solidFill>
+                <a:hlinkClick r:id="rId4"/>
+              </a:rPr>
+              <a:t>https://github.com/pandas-dev/pandas</a:t>
+            </a:r>
+            <a:endParaRPr/>
+          </a:p>
+          <a:p>
+            <a:pPr indent="0" lvl="0" marL="0" rtl="0" algn="l">
+              <a:spcBef>
+                <a:spcPts val="1200"/>
+              </a:spcBef>
+              <a:spcAft>
+                <a:spcPts val="1200"/>
+              </a:spcAft>
+              <a:buNone/>
+            </a:pPr>
+            <a:r>
+              <a:t/>
+            </a:r>
+            <a:endParaRPr/>
+          </a:p>
+        </p:txBody>
+      </p:sp>
+    </p:spTree>
+  </p:cSld>
+  <p:clrMapOvr>
+    <a:masterClrMapping/>
+  </p:clrMapOvr>
+</p:sld>
+</file>
+
+<file path=ppt/slides/slide12.xml><?xml version="1.0" encoding="utf-8"?>
+<p:sld xmlns:a="http://schemas.openxmlformats.org/drawingml/2006/main" xmlns:r="http://schemas.openxmlformats.org/officeDocument/2006/relationships" xmlns:mc="http://schemas.openxmlformats.org/markup-compatibility/2006" xmlns:mv="urn:schemas-microsoft-com:mac:vml" xmlns:p="http://schemas.openxmlformats.org/presentationml/2006/main" xmlns:c="http://schemas.openxmlformats.org/drawingml/2006/chart" xmlns:dgm="http://schemas.openxmlformats.org/drawingml/2006/diagram" xmlns:o="urn:schemas-microsoft-com:office:office" xmlns:v="urn:schemas-microsoft-com:vml" xmlns:pvml="urn:schemas-microsoft-com:office:powerpoint" xmlns:com="http://schemas.openxmlformats.org/drawingml/2006/compatibility" xmlns:p14="http://schemas.microsoft.com/office/powerpoint/2010/main" xmlns:p15="http://schemas.microsoft.com/office/powerpoint/2012/main" xmlns:ahyp="http://schemas.microsoft.com/office/drawing/2018/hyperlinkcolor">
+  <p:cSld>
+    <p:spTree>
+      <p:nvGrpSpPr>
+        <p:cNvPr id="140" name="Shape 140"/>
+        <p:cNvGrpSpPr/>
+        <p:nvPr/>
+      </p:nvGrpSpPr>
+      <p:grpSpPr>
+        <a:xfrm>
+          <a:off x="0" y="0"/>
+          <a:ext cx="0" cy="0"/>
+          <a:chOff x="0" y="0"/>
+          <a:chExt cx="0" cy="0"/>
+        </a:xfrm>
+      </p:grpSpPr>
+      <p:sp>
+        <p:nvSpPr>
+          <p:cNvPr id="141" name="Google Shape;141;p24"/>
+          <p:cNvSpPr txBox="1"/>
+          <p:nvPr>
+            <p:ph type="title"/>
+          </p:nvPr>
+        </p:nvSpPr>
+        <p:spPr>
+          <a:xfrm>
+            <a:off x="311700" y="445025"/>
+            <a:ext cx="8520600" cy="572700"/>
+          </a:xfrm>
+          <a:prstGeom prst="rect">
+            <a:avLst/>
+          </a:prstGeom>
+        </p:spPr>
+        <p:txBody>
+          <a:bodyPr anchorCtr="0" anchor="t" bIns="91425" lIns="91425" spcFirstLastPara="1" rIns="91425" wrap="square" tIns="91425">
+            <a:normAutofit fontScale="90000"/>
+          </a:bodyPr>
+          <a:lstStyle/>
+          <a:p>
+            <a:pPr indent="0" lvl="0" marL="0" rtl="0" algn="l">
+              <a:spcBef>
+                <a:spcPts val="0"/>
+              </a:spcBef>
+              <a:spcAft>
+                <a:spcPts val="0"/>
+              </a:spcAft>
+              <a:buNone/>
+            </a:pPr>
+            <a:r>
+              <a:rPr lang="en"/>
+              <a:t>Submitting your package to PyPI</a:t>
+            </a:r>
+            <a:endParaRPr/>
+          </a:p>
+        </p:txBody>
+      </p:sp>
+      <p:sp>
+        <p:nvSpPr>
+          <p:cNvPr id="142" name="Google Shape;142;p24"/>
+          <p:cNvSpPr txBox="1"/>
+          <p:nvPr>
+            <p:ph idx="1" type="body"/>
+          </p:nvPr>
+        </p:nvSpPr>
+        <p:spPr>
+          <a:xfrm>
+            <a:off x="311700" y="1152475"/>
+            <a:ext cx="8520600" cy="3416400"/>
+          </a:xfrm>
+          <a:prstGeom prst="rect">
+            <a:avLst/>
+          </a:prstGeom>
+        </p:spPr>
+        <p:txBody>
+          <a:bodyPr anchorCtr="0" anchor="t" bIns="91425" lIns="91425" spcFirstLastPara="1" rIns="91425" wrap="square" tIns="91425">
+            <a:normAutofit/>
+          </a:bodyPr>
+          <a:lstStyle/>
+          <a:p>
+            <a:pPr indent="0" lvl="0" marL="0" rtl="0" algn="l">
+              <a:spcBef>
+                <a:spcPts val="0"/>
+              </a:spcBef>
+              <a:spcAft>
+                <a:spcPts val="0"/>
+              </a:spcAft>
               <a:buClr>
                 <a:schemeClr val="dk1"/>
               </a:buClr>
@@ -7308,7 +7844,7 @@
       </p:sp>
       <p:sp>
         <p:nvSpPr>
-          <p:cNvPr id="130" name="Google Shape;130;p22"/>
+          <p:cNvPr id="143" name="Google Shape;143;p24"/>
           <p:cNvSpPr/>
           <p:nvPr/>
         </p:nvSpPr>
@@ -7411,7 +7947,7 @@
                                           </p:stCondLst>
                                         </p:cTn>
                                         <p:tgtEl>
-                                          <p:spTgt spid="130"/>
+                                          <p:spTgt spid="143"/>
                                         </p:tgtEl>
                                         <p:attrNameLst>
                                           <p:attrName>style.visibility</p:attrName>
@@ -7455,12 +7991,12 @@
 </p:sld>
 </file>
 
-<file path=ppt/slides/slide11.xml><?xml version="1.0" encoding="utf-8"?>
+<file path=ppt/slides/slide13.xml><?xml version="1.0" encoding="utf-8"?>
 <p:sld xmlns:a="http://schemas.openxmlformats.org/drawingml/2006/main" xmlns:r="http://schemas.openxmlformats.org/officeDocument/2006/relationships" xmlns:mc="http://schemas.openxmlformats.org/markup-compatibility/2006" xmlns:mv="urn:schemas-microsoft-com:mac:vml" xmlns:p="http://schemas.openxmlformats.org/presentationml/2006/main" xmlns:c="http://schemas.openxmlformats.org/drawingml/2006/chart" xmlns:dgm="http://schemas.openxmlformats.org/drawingml/2006/diagram" xmlns:o="urn:schemas-microsoft-com:office:office" xmlns:v="urn:schemas-microsoft-com:vml" xmlns:pvml="urn:schemas-microsoft-com:office:powerpoint" xmlns:com="http://schemas.openxmlformats.org/drawingml/2006/compatibility" xmlns:p14="http://schemas.microsoft.com/office/powerpoint/2010/main" xmlns:p15="http://schemas.microsoft.com/office/powerpoint/2012/main" xmlns:ahyp="http://schemas.microsoft.com/office/drawing/2018/hyperlinkcolor">
   <p:cSld>
     <p:spTree>
       <p:nvGrpSpPr>
-        <p:cNvPr id="134" name="Shape 134"/>
+        <p:cNvPr id="147" name="Shape 147"/>
         <p:cNvGrpSpPr/>
         <p:nvPr/>
       </p:nvGrpSpPr>
@@ -7474,7 +8010,7 @@
       </p:grpSpPr>
       <p:sp>
         <p:nvSpPr>
-          <p:cNvPr id="135" name="Google Shape;135;p23"/>
+          <p:cNvPr id="148" name="Google Shape;148;p25"/>
           <p:cNvSpPr txBox="1"/>
           <p:nvPr>
             <p:ph type="title"/>
@@ -7531,7 +8067,7 @@
       </p:sp>
       <p:sp>
         <p:nvSpPr>
-          <p:cNvPr id="136" name="Google Shape;136;p23"/>
+          <p:cNvPr id="149" name="Google Shape;149;p25"/>
           <p:cNvSpPr txBox="1"/>
           <p:nvPr>
             <p:ph idx="1" type="body"/>
@@ -7540,7 +8076,7 @@
         <p:spPr>
           <a:xfrm>
             <a:off x="311700" y="1152475"/>
-            <a:ext cx="8520600" cy="3416400"/>
+            <a:ext cx="8520600" cy="3866400"/>
           </a:xfrm>
           <a:prstGeom prst="rect">
             <a:avLst/>
@@ -7562,21 +8098,6 @@
               <a:buNone/>
             </a:pPr>
             <a:r>
-              <a:t/>
-            </a:r>
-            <a:endParaRPr/>
-          </a:p>
-          <a:p>
-            <a:pPr indent="0" lvl="0" marL="0" rtl="0" algn="l">
-              <a:spcBef>
-                <a:spcPts val="1200"/>
-              </a:spcBef>
-              <a:spcAft>
-                <a:spcPts val="0"/>
-              </a:spcAft>
-              <a:buNone/>
-            </a:pPr>
-            <a:r>
               <a:rPr lang="en" u="sng">
                 <a:solidFill>
                   <a:schemeClr val="hlink"/>
@@ -7598,21 +8119,6 @@
               <a:buNone/>
             </a:pPr>
             <a:r>
-              <a:t/>
-            </a:r>
-            <a:endParaRPr/>
-          </a:p>
-          <a:p>
-            <a:pPr indent="0" lvl="0" marL="0" rtl="0" algn="l">
-              <a:spcBef>
-                <a:spcPts val="1200"/>
-              </a:spcBef>
-              <a:spcAft>
-                <a:spcPts val="0"/>
-              </a:spcAft>
-              <a:buNone/>
-            </a:pPr>
-            <a:r>
               <a:rPr lang="en"/>
               <a:t>Make sure it builds!</a:t>
             </a:r>
@@ -7650,12 +8156,107 @@
                 <a:spcPts val="1200"/>
               </a:spcBef>
               <a:spcAft>
+                <a:spcPts val="0"/>
+              </a:spcAft>
+              <a:buNone/>
+            </a:pPr>
+            <a:r>
+              <a:rPr lang="en"/>
+              <a:t>(remember to install the build tools as part of your environment!)</a:t>
+            </a:r>
+            <a:endParaRPr/>
+          </a:p>
+          <a:p>
+            <a:pPr indent="0" lvl="0" marL="0" rtl="0" algn="l">
+              <a:spcBef>
                 <a:spcPts val="1200"/>
-              </a:spcAft>
-              <a:buNone/>
-            </a:pPr>
-            <a:r>
-              <a:t/>
+              </a:spcBef>
+              <a:spcAft>
+                <a:spcPts val="0"/>
+              </a:spcAft>
+              <a:buNone/>
+            </a:pPr>
+            <a:r>
+              <a:rPr lang="en"/>
+              <a:t>Test it out!</a:t>
+            </a:r>
+            <a:endParaRPr/>
+          </a:p>
+          <a:p>
+            <a:pPr indent="-342900" lvl="0" marL="457200" rtl="0" algn="l">
+              <a:spcBef>
+                <a:spcPts val="1200"/>
+              </a:spcBef>
+              <a:spcAft>
+                <a:spcPts val="0"/>
+              </a:spcAft>
+              <a:buSzPts val="1800"/>
+              <a:buChar char="●"/>
+            </a:pPr>
+            <a:r>
+              <a:rPr lang="en"/>
+              <a:t>Move the built tar.gz from dist to a folder outside your repo</a:t>
+            </a:r>
+            <a:endParaRPr/>
+          </a:p>
+          <a:p>
+            <a:pPr indent="-342900" lvl="0" marL="457200" rtl="0" algn="l">
+              <a:spcBef>
+                <a:spcPts val="0"/>
+              </a:spcBef>
+              <a:spcAft>
+                <a:spcPts val="0"/>
+              </a:spcAft>
+              <a:buSzPts val="1800"/>
+              <a:buChar char="●"/>
+            </a:pPr>
+            <a:r>
+              <a:rPr lang="en"/>
+              <a:t>Create a new (empty) conda environment</a:t>
+            </a:r>
+            <a:endParaRPr/>
+          </a:p>
+          <a:p>
+            <a:pPr indent="-342900" lvl="0" marL="457200" rtl="0" algn="l">
+              <a:spcBef>
+                <a:spcPts val="0"/>
+              </a:spcBef>
+              <a:spcAft>
+                <a:spcPts val="0"/>
+              </a:spcAft>
+              <a:buSzPts val="1800"/>
+              <a:buChar char="●"/>
+            </a:pPr>
+            <a:r>
+              <a:rPr lang="en">
+                <a:latin typeface="Courier New"/>
+                <a:ea typeface="Courier New"/>
+                <a:cs typeface="Courier New"/>
+                <a:sym typeface="Courier New"/>
+              </a:rPr>
+              <a:t>python3 -m pip install ./&lt;your-package-name&gt;.tar.gz</a:t>
+            </a:r>
+            <a:endParaRPr>
+              <a:latin typeface="Courier New"/>
+              <a:ea typeface="Courier New"/>
+              <a:cs typeface="Courier New"/>
+              <a:sym typeface="Courier New"/>
+            </a:endParaRPr>
+          </a:p>
+          <a:p>
+            <a:pPr indent="-342900" lvl="0" marL="457200" rtl="0" algn="l">
+              <a:spcBef>
+                <a:spcPts val="0"/>
+              </a:spcBef>
+              <a:spcAft>
+                <a:spcPts val="0"/>
+              </a:spcAft>
+              <a:buSzPts val="1800"/>
+              <a:buChar char="●"/>
+            </a:pPr>
+            <a:r>
+              <a:rPr lang="en"/>
+              <a:t>Try running python and try importing your modules and functions</a:t>
             </a:r>
             <a:endParaRPr/>
           </a:p>
@@ -7696,7 +8297,7 @@
         </p:nvSpPr>
         <p:spPr>
           <a:xfrm>
-            <a:off x="246850" y="2285400"/>
+            <a:off x="311700" y="445025"/>
             <a:ext cx="8520600" cy="572700"/>
           </a:xfrm>
           <a:prstGeom prst="rect">
@@ -7709,7 +8310,7 @@
           </a:bodyPr>
           <a:lstStyle/>
           <a:p>
-            <a:pPr indent="0" lvl="0" marL="0" rtl="0" algn="ctr">
+            <a:pPr indent="0" lvl="0" marL="0" rtl="0" algn="l">
               <a:spcBef>
                 <a:spcPts val="0"/>
               </a:spcBef>
@@ -7720,10 +8321,34 @@
             </a:pPr>
             <a:r>
               <a:rPr lang="en"/>
-              <a:t>Distributing a Python package</a:t>
+              <a:t>Class Updates</a:t>
             </a:r>
             <a:endParaRPr/>
           </a:p>
+        </p:txBody>
+      </p:sp>
+      <p:sp>
+        <p:nvSpPr>
+          <p:cNvPr id="70" name="Google Shape;70;p14"/>
+          <p:cNvSpPr txBox="1"/>
+          <p:nvPr>
+            <p:ph idx="1" type="body"/>
+          </p:nvPr>
+        </p:nvSpPr>
+        <p:spPr>
+          <a:xfrm>
+            <a:off x="311700" y="1152475"/>
+            <a:ext cx="8520600" cy="3416400"/>
+          </a:xfrm>
+          <a:prstGeom prst="rect">
+            <a:avLst/>
+          </a:prstGeom>
+        </p:spPr>
+        <p:txBody>
+          <a:bodyPr anchorCtr="0" anchor="t" bIns="91425" lIns="91425" spcFirstLastPara="1" rIns="91425" wrap="square" tIns="91425">
+            <a:normAutofit/>
+          </a:bodyPr>
+          <a:lstStyle/>
           <a:p>
             <a:pPr indent="0" lvl="0" marL="0" rtl="0" algn="l">
               <a:spcBef>
@@ -7731,6 +8356,90 @@
               </a:spcBef>
               <a:spcAft>
                 <a:spcPts val="0"/>
+              </a:spcAft>
+              <a:buNone/>
+            </a:pPr>
+            <a:r>
+              <a:rPr lang="en"/>
+              <a:t>Next week: Practice Presentations</a:t>
+            </a:r>
+            <a:endParaRPr/>
+          </a:p>
+          <a:p>
+            <a:pPr indent="-342900" lvl="0" marL="914400" rtl="0" algn="l">
+              <a:spcBef>
+                <a:spcPts val="1200"/>
+              </a:spcBef>
+              <a:spcAft>
+                <a:spcPts val="0"/>
+              </a:spcAft>
+              <a:buSzPts val="1800"/>
+              <a:buChar char="●"/>
+            </a:pPr>
+            <a:r>
+              <a:rPr lang="en"/>
+              <a:t>Similar to your first demo - low stress</a:t>
+            </a:r>
+            <a:endParaRPr/>
+          </a:p>
+          <a:p>
+            <a:pPr indent="-342900" lvl="0" marL="914400" rtl="0" algn="l">
+              <a:spcBef>
+                <a:spcPts val="0"/>
+              </a:spcBef>
+              <a:spcAft>
+                <a:spcPts val="0"/>
+              </a:spcAft>
+              <a:buSzPts val="1800"/>
+              <a:buChar char="●"/>
+            </a:pPr>
+            <a:r>
+              <a:rPr lang="en"/>
+              <a:t>You should ALSO have a first draft of your presentation</a:t>
+            </a:r>
+            <a:endParaRPr/>
+          </a:p>
+          <a:p>
+            <a:pPr indent="-317500" lvl="1" marL="1371600" rtl="0" algn="l">
+              <a:spcBef>
+                <a:spcPts val="0"/>
+              </a:spcBef>
+              <a:spcAft>
+                <a:spcPts val="0"/>
+              </a:spcAft>
+              <a:buSzPts val="1400"/>
+              <a:buChar char="○"/>
+            </a:pPr>
+            <a:r>
+              <a:rPr lang="en"/>
+              <a:t>Definitely does not need to be complete, but we want to see the beginning</a:t>
+            </a:r>
+            <a:endParaRPr/>
+          </a:p>
+          <a:p>
+            <a:pPr indent="-342900" lvl="0" marL="914400" rtl="0" algn="l">
+              <a:spcBef>
+                <a:spcPts val="0"/>
+              </a:spcBef>
+              <a:spcAft>
+                <a:spcPts val="0"/>
+              </a:spcAft>
+              <a:buSzPts val="1800"/>
+              <a:buChar char="●"/>
+            </a:pPr>
+            <a:r>
+              <a:rPr lang="en"/>
+              <a:t>This is also your time to have any last minute discussions with instructors</a:t>
+            </a:r>
+            <a:endParaRPr/>
+          </a:p>
+          <a:p>
+            <a:pPr indent="0" lvl="0" marL="0" rtl="0" algn="l">
+              <a:spcBef>
+                <a:spcPts val="1200"/>
+              </a:spcBef>
+              <a:spcAft>
+                <a:spcPts val="1200"/>
               </a:spcAft>
               <a:buNone/>
             </a:pPr>
@@ -7754,7 +8463,7 @@
   <p:cSld>
     <p:spTree>
       <p:nvGrpSpPr>
-        <p:cNvPr id="73" name="Shape 73"/>
+        <p:cNvPr id="74" name="Shape 74"/>
         <p:cNvGrpSpPr/>
         <p:nvPr/>
       </p:nvGrpSpPr>
@@ -7768,7 +8477,7 @@
       </p:grpSpPr>
       <p:sp>
         <p:nvSpPr>
-          <p:cNvPr id="74" name="Google Shape;74;p15"/>
+          <p:cNvPr id="75" name="Google Shape;75;p15"/>
           <p:cNvSpPr txBox="1"/>
           <p:nvPr>
             <p:ph type="title"/>
@@ -7799,7 +8508,8 @@
               <a:buNone/>
             </a:pPr>
             <a:r>
-              <a:t/>
+              <a:rPr lang="en"/>
+              <a:t>Project Requirements: stuff we’ve learned</a:t>
             </a:r>
             <a:endParaRPr/>
           </a:p>
@@ -7807,7 +8517,1306 @@
       </p:sp>
       <p:sp>
         <p:nvSpPr>
-          <p:cNvPr id="75" name="Google Shape;75;p15"/>
+          <p:cNvPr id="76" name="Google Shape;76;p15"/>
+          <p:cNvSpPr txBox="1"/>
+          <p:nvPr>
+            <p:ph idx="1" type="body"/>
+          </p:nvPr>
+        </p:nvSpPr>
+        <p:spPr>
+          <a:xfrm>
+            <a:off x="311700" y="1152475"/>
+            <a:ext cx="4260300" cy="3765300"/>
+          </a:xfrm>
+          <a:prstGeom prst="rect">
+            <a:avLst/>
+          </a:prstGeom>
+        </p:spPr>
+        <p:txBody>
+          <a:bodyPr anchorCtr="0" anchor="t" bIns="91425" lIns="91425" spcFirstLastPara="1" rIns="91425" wrap="square" tIns="91425">
+            <a:normAutofit/>
+          </a:bodyPr>
+          <a:lstStyle/>
+          <a:p>
+            <a:pPr indent="0" lvl="0" marL="0" rtl="0" algn="l">
+              <a:spcBef>
+                <a:spcPts val="0"/>
+              </a:spcBef>
+              <a:spcAft>
+                <a:spcPts val="0"/>
+              </a:spcAft>
+              <a:buNone/>
+            </a:pPr>
+            <a:r>
+              <a:rPr lang="en"/>
+              <a:t>Just to reiterate: you must include the following in your projects.</a:t>
+            </a:r>
+            <a:endParaRPr/>
+          </a:p>
+          <a:p>
+            <a:pPr indent="-342900" lvl="0" marL="457200" rtl="0" algn="l">
+              <a:spcBef>
+                <a:spcPts val="1200"/>
+              </a:spcBef>
+              <a:spcAft>
+                <a:spcPts val="0"/>
+              </a:spcAft>
+              <a:buSzPts val="1800"/>
+              <a:buChar char="●"/>
+            </a:pPr>
+            <a:r>
+              <a:rPr b="1" lang="en"/>
+              <a:t>Tests</a:t>
+            </a:r>
+            <a:endParaRPr/>
+          </a:p>
+          <a:p>
+            <a:pPr indent="-330200" lvl="1" marL="914400" rtl="0" algn="l">
+              <a:spcBef>
+                <a:spcPts val="0"/>
+              </a:spcBef>
+              <a:spcAft>
+                <a:spcPts val="0"/>
+              </a:spcAft>
+              <a:buSzPts val="1600"/>
+              <a:buChar char="○"/>
+            </a:pPr>
+            <a:r>
+              <a:rPr lang="en" sz="1600"/>
+              <a:t>High test coverage</a:t>
+            </a:r>
+            <a:endParaRPr sz="1600"/>
+          </a:p>
+          <a:p>
+            <a:pPr indent="-330200" lvl="1" marL="914400" rtl="0" algn="l">
+              <a:spcBef>
+                <a:spcPts val="0"/>
+              </a:spcBef>
+              <a:spcAft>
+                <a:spcPts val="0"/>
+              </a:spcAft>
+              <a:buSzPts val="1600"/>
+              <a:buChar char="○"/>
+            </a:pPr>
+            <a:r>
+              <a:rPr lang="en" sz="1600"/>
+              <a:t>High coverage is not </a:t>
+            </a:r>
+            <a:r>
+              <a:rPr i="1" lang="en" sz="1600"/>
+              <a:t>sufficient</a:t>
+            </a:r>
+            <a:r>
+              <a:rPr lang="en" sz="1600"/>
+              <a:t> - make sure you write good tests</a:t>
+            </a:r>
+            <a:endParaRPr sz="1600"/>
+          </a:p>
+          <a:p>
+            <a:pPr indent="-342900" lvl="0" marL="457200" rtl="0" algn="l">
+              <a:spcBef>
+                <a:spcPts val="0"/>
+              </a:spcBef>
+              <a:spcAft>
+                <a:spcPts val="0"/>
+              </a:spcAft>
+              <a:buSzPts val="1800"/>
+              <a:buChar char="●"/>
+            </a:pPr>
+            <a:r>
+              <a:rPr b="1" lang="en"/>
+              <a:t>README</a:t>
+            </a:r>
+            <a:endParaRPr b="1"/>
+          </a:p>
+          <a:p>
+            <a:pPr indent="-330200" lvl="1" marL="914400" rtl="0" algn="l">
+              <a:spcBef>
+                <a:spcPts val="0"/>
+              </a:spcBef>
+              <a:spcAft>
+                <a:spcPts val="0"/>
+              </a:spcAft>
+              <a:buSzPts val="1600"/>
+              <a:buChar char="○"/>
+            </a:pPr>
+            <a:r>
+              <a:rPr lang="en" sz="1600"/>
+              <a:t>Updated!</a:t>
+            </a:r>
+            <a:endParaRPr sz="1600"/>
+          </a:p>
+          <a:p>
+            <a:pPr indent="-342900" lvl="0" marL="457200" rtl="0" algn="l">
+              <a:spcBef>
+                <a:spcPts val="0"/>
+              </a:spcBef>
+              <a:spcAft>
+                <a:spcPts val="0"/>
+              </a:spcAft>
+              <a:buSzPts val="1800"/>
+              <a:buChar char="●"/>
+            </a:pPr>
+            <a:r>
+              <a:rPr b="1" lang="en"/>
+              <a:t>Inline documentation (docstrings)</a:t>
+            </a:r>
+            <a:endParaRPr b="1"/>
+          </a:p>
+          <a:p>
+            <a:pPr indent="-330200" lvl="1" marL="914400" rtl="0" algn="l">
+              <a:spcBef>
+                <a:spcPts val="0"/>
+              </a:spcBef>
+              <a:spcAft>
+                <a:spcPts val="0"/>
+              </a:spcAft>
+              <a:buSzPts val="1600"/>
+              <a:buChar char="○"/>
+            </a:pPr>
+            <a:r>
+              <a:rPr lang="en" sz="1600"/>
+              <a:t>For functions/modules</a:t>
+            </a:r>
+            <a:endParaRPr sz="1600"/>
+          </a:p>
+        </p:txBody>
+      </p:sp>
+      <p:sp>
+        <p:nvSpPr>
+          <p:cNvPr id="77" name="Google Shape;77;p15"/>
+          <p:cNvSpPr txBox="1"/>
+          <p:nvPr>
+            <p:ph idx="1" type="body"/>
+          </p:nvPr>
+        </p:nvSpPr>
+        <p:spPr>
+          <a:xfrm>
+            <a:off x="4572000" y="1152475"/>
+            <a:ext cx="4260300" cy="3765300"/>
+          </a:xfrm>
+          <a:prstGeom prst="rect">
+            <a:avLst/>
+          </a:prstGeom>
+        </p:spPr>
+        <p:txBody>
+          <a:bodyPr anchorCtr="0" anchor="t" bIns="91425" lIns="91425" spcFirstLastPara="1" rIns="91425" wrap="square" tIns="91425">
+            <a:normAutofit/>
+          </a:bodyPr>
+          <a:lstStyle/>
+          <a:p>
+            <a:pPr indent="0" lvl="0" marL="0" rtl="0" algn="l">
+              <a:spcBef>
+                <a:spcPts val="0"/>
+              </a:spcBef>
+              <a:spcAft>
+                <a:spcPts val="0"/>
+              </a:spcAft>
+              <a:buNone/>
+            </a:pPr>
+            <a:r>
+              <a:t/>
+            </a:r>
+            <a:endParaRPr/>
+          </a:p>
+          <a:p>
+            <a:pPr indent="-342900" lvl="0" marL="457200" rtl="0" algn="l">
+              <a:spcBef>
+                <a:spcPts val="1200"/>
+              </a:spcBef>
+              <a:spcAft>
+                <a:spcPts val="0"/>
+              </a:spcAft>
+              <a:buSzPts val="1800"/>
+              <a:buChar char="●"/>
+            </a:pPr>
+            <a:r>
+              <a:rPr b="1" lang="en"/>
+              <a:t>examples</a:t>
+            </a:r>
+            <a:r>
+              <a:rPr lang="en"/>
+              <a:t> folder</a:t>
+            </a:r>
+            <a:endParaRPr/>
+          </a:p>
+          <a:p>
+            <a:pPr indent="-330200" lvl="1" marL="914400" rtl="0" algn="l">
+              <a:spcBef>
+                <a:spcPts val="0"/>
+              </a:spcBef>
+              <a:spcAft>
+                <a:spcPts val="0"/>
+              </a:spcAft>
+              <a:buSzPts val="1600"/>
+              <a:buChar char="○"/>
+            </a:pPr>
+            <a:r>
+              <a:rPr lang="en" sz="1600"/>
+              <a:t>How do various users interact with your system?</a:t>
+            </a:r>
+            <a:endParaRPr sz="1600"/>
+          </a:p>
+          <a:p>
+            <a:pPr indent="-330200" lvl="1" marL="914400" rtl="0" algn="l">
+              <a:spcBef>
+                <a:spcPts val="0"/>
+              </a:spcBef>
+              <a:spcAft>
+                <a:spcPts val="0"/>
+              </a:spcAft>
+              <a:buSzPts val="1600"/>
+              <a:buChar char="○"/>
+            </a:pPr>
+            <a:r>
+              <a:rPr lang="en" sz="1600"/>
+              <a:t>How do we (the instructors) run the code and tests?</a:t>
+            </a:r>
+            <a:endParaRPr sz="1600"/>
+          </a:p>
+          <a:p>
+            <a:pPr indent="-342900" lvl="0" marL="457200" rtl="0" algn="l">
+              <a:spcBef>
+                <a:spcPts val="0"/>
+              </a:spcBef>
+              <a:spcAft>
+                <a:spcPts val="0"/>
+              </a:spcAft>
+              <a:buSzPts val="1800"/>
+              <a:buChar char="●"/>
+            </a:pPr>
+            <a:r>
+              <a:rPr b="1" lang="en"/>
+              <a:t>Style</a:t>
+            </a:r>
+            <a:r>
+              <a:rPr lang="en"/>
+              <a:t>: pylint 100%</a:t>
+            </a:r>
+            <a:endParaRPr/>
+          </a:p>
+          <a:p>
+            <a:pPr indent="-342900" lvl="0" marL="457200" rtl="0" algn="l">
+              <a:spcBef>
+                <a:spcPts val="0"/>
+              </a:spcBef>
+              <a:spcAft>
+                <a:spcPts val="0"/>
+              </a:spcAft>
+              <a:buSzPts val="1800"/>
+              <a:buChar char="●"/>
+            </a:pPr>
+            <a:r>
+              <a:rPr b="1" lang="en"/>
+              <a:t>Continuous Integration</a:t>
+            </a:r>
+            <a:endParaRPr b="1"/>
+          </a:p>
+          <a:p>
+            <a:pPr indent="-342900" lvl="0" marL="457200" rtl="0" algn="l">
+              <a:spcBef>
+                <a:spcPts val="0"/>
+              </a:spcBef>
+              <a:spcAft>
+                <a:spcPts val="0"/>
+              </a:spcAft>
+              <a:buSzPts val="1800"/>
+              <a:buChar char="●"/>
+            </a:pPr>
+            <a:r>
+              <a:rPr b="1" lang="en"/>
+              <a:t>Pull requests &amp; reviews</a:t>
+            </a:r>
+            <a:endParaRPr b="1"/>
+          </a:p>
+          <a:p>
+            <a:pPr indent="-342900" lvl="0" marL="457200" rtl="0" algn="l">
+              <a:spcBef>
+                <a:spcPts val="0"/>
+              </a:spcBef>
+              <a:spcAft>
+                <a:spcPts val="0"/>
+              </a:spcAft>
+              <a:buSzPts val="1800"/>
+              <a:buChar char="●"/>
+            </a:pPr>
+            <a:r>
+              <a:rPr b="1" lang="en"/>
+              <a:t>Package distribution</a:t>
+            </a:r>
+            <a:r>
+              <a:rPr lang="en"/>
+              <a:t> </a:t>
+            </a:r>
+            <a:r>
+              <a:rPr i="1" lang="en"/>
+              <a:t>(today!)</a:t>
+            </a:r>
+            <a:endParaRPr i="1"/>
+          </a:p>
+        </p:txBody>
+      </p:sp>
+    </p:spTree>
+  </p:cSld>
+  <p:clrMapOvr>
+    <a:masterClrMapping/>
+  </p:clrMapOvr>
+  <p:timing>
+    <p:tnLst>
+      <p:par>
+        <p:cTn dur="indefinite" nodeType="tmRoot" restart="never">
+          <p:childTnLst>
+            <p:seq concurrent="1" nextAc="seek">
+              <p:cTn dur="indefinite" id="2" nodeType="mainSeq">
+                <p:childTnLst>
+                  <p:par>
+                    <p:cTn fill="hold">
+                      <p:stCondLst>
+                        <p:cond delay="indefinite"/>
+                      </p:stCondLst>
+                      <p:childTnLst>
+                        <p:par>
+                          <p:cTn fill="hold">
+                            <p:stCondLst>
+                              <p:cond delay="0"/>
+                            </p:stCondLst>
+                            <p:childTnLst>
+                              <p:par>
+                                <p:cTn fill="hold" nodeType="clickEffect" presetClass="entr" presetID="1" presetSubtype="0">
+                                  <p:stCondLst>
+                                    <p:cond delay="0"/>
+                                  </p:stCondLst>
+                                  <p:childTnLst>
+                                    <p:set>
+                                      <p:cBhvr>
+                                        <p:cTn dur="1" fill="hold">
+                                          <p:stCondLst>
+                                            <p:cond delay="0"/>
+                                          </p:stCondLst>
+                                        </p:cTn>
+                                        <p:tgtEl>
+                                          <p:spTgt spid="76">
+                                            <p:txEl>
+                                              <p:pRg end="0" st="0"/>
+                                            </p:txEl>
+                                          </p:spTgt>
+                                        </p:tgtEl>
+                                        <p:attrNameLst>
+                                          <p:attrName>style.visibility</p:attrName>
+                                        </p:attrNameLst>
+                                      </p:cBhvr>
+                                      <p:to>
+                                        <p:strVal val="visible"/>
+                                      </p:to>
+                                    </p:set>
+                                  </p:childTnLst>
+                                </p:cTn>
+                              </p:par>
+                            </p:childTnLst>
+                          </p:cTn>
+                        </p:par>
+                      </p:childTnLst>
+                    </p:cTn>
+                  </p:par>
+                  <p:par>
+                    <p:cTn fill="hold">
+                      <p:stCondLst>
+                        <p:cond delay="indefinite"/>
+                      </p:stCondLst>
+                      <p:childTnLst>
+                        <p:par>
+                          <p:cTn fill="hold">
+                            <p:stCondLst>
+                              <p:cond delay="0"/>
+                            </p:stCondLst>
+                            <p:childTnLst>
+                              <p:par>
+                                <p:cTn fill="hold" nodeType="clickEffect" presetClass="entr" presetID="1" presetSubtype="0">
+                                  <p:stCondLst>
+                                    <p:cond delay="0"/>
+                                  </p:stCondLst>
+                                  <p:childTnLst>
+                                    <p:set>
+                                      <p:cBhvr>
+                                        <p:cTn dur="1" fill="hold">
+                                          <p:stCondLst>
+                                            <p:cond delay="0"/>
+                                          </p:stCondLst>
+                                        </p:cTn>
+                                        <p:tgtEl>
+                                          <p:spTgt spid="76">
+                                            <p:txEl>
+                                              <p:pRg end="1" st="1"/>
+                                            </p:txEl>
+                                          </p:spTgt>
+                                        </p:tgtEl>
+                                        <p:attrNameLst>
+                                          <p:attrName>style.visibility</p:attrName>
+                                        </p:attrNameLst>
+                                      </p:cBhvr>
+                                      <p:to>
+                                        <p:strVal val="visible"/>
+                                      </p:to>
+                                    </p:set>
+                                  </p:childTnLst>
+                                </p:cTn>
+                              </p:par>
+                            </p:childTnLst>
+                          </p:cTn>
+                        </p:par>
+                      </p:childTnLst>
+                    </p:cTn>
+                  </p:par>
+                  <p:par>
+                    <p:cTn fill="hold">
+                      <p:stCondLst>
+                        <p:cond delay="indefinite"/>
+                      </p:stCondLst>
+                      <p:childTnLst>
+                        <p:par>
+                          <p:cTn fill="hold">
+                            <p:stCondLst>
+                              <p:cond delay="0"/>
+                            </p:stCondLst>
+                            <p:childTnLst>
+                              <p:par>
+                                <p:cTn fill="hold" nodeType="clickEffect" presetClass="entr" presetID="1" presetSubtype="0">
+                                  <p:stCondLst>
+                                    <p:cond delay="0"/>
+                                  </p:stCondLst>
+                                  <p:childTnLst>
+                                    <p:set>
+                                      <p:cBhvr>
+                                        <p:cTn dur="1" fill="hold">
+                                          <p:stCondLst>
+                                            <p:cond delay="0"/>
+                                          </p:stCondLst>
+                                        </p:cTn>
+                                        <p:tgtEl>
+                                          <p:spTgt spid="76">
+                                            <p:txEl>
+                                              <p:pRg end="2" st="2"/>
+                                            </p:txEl>
+                                          </p:spTgt>
+                                        </p:tgtEl>
+                                        <p:attrNameLst>
+                                          <p:attrName>style.visibility</p:attrName>
+                                        </p:attrNameLst>
+                                      </p:cBhvr>
+                                      <p:to>
+                                        <p:strVal val="visible"/>
+                                      </p:to>
+                                    </p:set>
+                                  </p:childTnLst>
+                                </p:cTn>
+                              </p:par>
+                            </p:childTnLst>
+                          </p:cTn>
+                        </p:par>
+                      </p:childTnLst>
+                    </p:cTn>
+                  </p:par>
+                  <p:par>
+                    <p:cTn fill="hold">
+                      <p:stCondLst>
+                        <p:cond delay="indefinite"/>
+                      </p:stCondLst>
+                      <p:childTnLst>
+                        <p:par>
+                          <p:cTn fill="hold">
+                            <p:stCondLst>
+                              <p:cond delay="0"/>
+                            </p:stCondLst>
+                            <p:childTnLst>
+                              <p:par>
+                                <p:cTn fill="hold" nodeType="clickEffect" presetClass="entr" presetID="1" presetSubtype="0">
+                                  <p:stCondLst>
+                                    <p:cond delay="0"/>
+                                  </p:stCondLst>
+                                  <p:childTnLst>
+                                    <p:set>
+                                      <p:cBhvr>
+                                        <p:cTn dur="1" fill="hold">
+                                          <p:stCondLst>
+                                            <p:cond delay="0"/>
+                                          </p:stCondLst>
+                                        </p:cTn>
+                                        <p:tgtEl>
+                                          <p:spTgt spid="76">
+                                            <p:txEl>
+                                              <p:pRg end="3" st="3"/>
+                                            </p:txEl>
+                                          </p:spTgt>
+                                        </p:tgtEl>
+                                        <p:attrNameLst>
+                                          <p:attrName>style.visibility</p:attrName>
+                                        </p:attrNameLst>
+                                      </p:cBhvr>
+                                      <p:to>
+                                        <p:strVal val="visible"/>
+                                      </p:to>
+                                    </p:set>
+                                  </p:childTnLst>
+                                </p:cTn>
+                              </p:par>
+                            </p:childTnLst>
+                          </p:cTn>
+                        </p:par>
+                      </p:childTnLst>
+                    </p:cTn>
+                  </p:par>
+                  <p:par>
+                    <p:cTn fill="hold">
+                      <p:stCondLst>
+                        <p:cond delay="indefinite"/>
+                      </p:stCondLst>
+                      <p:childTnLst>
+                        <p:par>
+                          <p:cTn fill="hold">
+                            <p:stCondLst>
+                              <p:cond delay="0"/>
+                            </p:stCondLst>
+                            <p:childTnLst>
+                              <p:par>
+                                <p:cTn fill="hold" nodeType="clickEffect" presetClass="entr" presetID="1" presetSubtype="0">
+                                  <p:stCondLst>
+                                    <p:cond delay="0"/>
+                                  </p:stCondLst>
+                                  <p:childTnLst>
+                                    <p:set>
+                                      <p:cBhvr>
+                                        <p:cTn dur="1" fill="hold">
+                                          <p:stCondLst>
+                                            <p:cond delay="0"/>
+                                          </p:stCondLst>
+                                        </p:cTn>
+                                        <p:tgtEl>
+                                          <p:spTgt spid="76">
+                                            <p:txEl>
+                                              <p:pRg end="4" st="4"/>
+                                            </p:txEl>
+                                          </p:spTgt>
+                                        </p:tgtEl>
+                                        <p:attrNameLst>
+                                          <p:attrName>style.visibility</p:attrName>
+                                        </p:attrNameLst>
+                                      </p:cBhvr>
+                                      <p:to>
+                                        <p:strVal val="visible"/>
+                                      </p:to>
+                                    </p:set>
+                                  </p:childTnLst>
+                                </p:cTn>
+                              </p:par>
+                            </p:childTnLst>
+                          </p:cTn>
+                        </p:par>
+                      </p:childTnLst>
+                    </p:cTn>
+                  </p:par>
+                  <p:par>
+                    <p:cTn fill="hold">
+                      <p:stCondLst>
+                        <p:cond delay="indefinite"/>
+                      </p:stCondLst>
+                      <p:childTnLst>
+                        <p:par>
+                          <p:cTn fill="hold">
+                            <p:stCondLst>
+                              <p:cond delay="0"/>
+                            </p:stCondLst>
+                            <p:childTnLst>
+                              <p:par>
+                                <p:cTn fill="hold" nodeType="clickEffect" presetClass="entr" presetID="1" presetSubtype="0">
+                                  <p:stCondLst>
+                                    <p:cond delay="0"/>
+                                  </p:stCondLst>
+                                  <p:childTnLst>
+                                    <p:set>
+                                      <p:cBhvr>
+                                        <p:cTn dur="1" fill="hold">
+                                          <p:stCondLst>
+                                            <p:cond delay="0"/>
+                                          </p:stCondLst>
+                                        </p:cTn>
+                                        <p:tgtEl>
+                                          <p:spTgt spid="76">
+                                            <p:txEl>
+                                              <p:pRg end="5" st="5"/>
+                                            </p:txEl>
+                                          </p:spTgt>
+                                        </p:tgtEl>
+                                        <p:attrNameLst>
+                                          <p:attrName>style.visibility</p:attrName>
+                                        </p:attrNameLst>
+                                      </p:cBhvr>
+                                      <p:to>
+                                        <p:strVal val="visible"/>
+                                      </p:to>
+                                    </p:set>
+                                  </p:childTnLst>
+                                </p:cTn>
+                              </p:par>
+                            </p:childTnLst>
+                          </p:cTn>
+                        </p:par>
+                      </p:childTnLst>
+                    </p:cTn>
+                  </p:par>
+                  <p:par>
+                    <p:cTn fill="hold">
+                      <p:stCondLst>
+                        <p:cond delay="indefinite"/>
+                      </p:stCondLst>
+                      <p:childTnLst>
+                        <p:par>
+                          <p:cTn fill="hold">
+                            <p:stCondLst>
+                              <p:cond delay="0"/>
+                            </p:stCondLst>
+                            <p:childTnLst>
+                              <p:par>
+                                <p:cTn fill="hold" nodeType="clickEffect" presetClass="entr" presetID="1" presetSubtype="0">
+                                  <p:stCondLst>
+                                    <p:cond delay="0"/>
+                                  </p:stCondLst>
+                                  <p:childTnLst>
+                                    <p:set>
+                                      <p:cBhvr>
+                                        <p:cTn dur="1" fill="hold">
+                                          <p:stCondLst>
+                                            <p:cond delay="0"/>
+                                          </p:stCondLst>
+                                        </p:cTn>
+                                        <p:tgtEl>
+                                          <p:spTgt spid="76">
+                                            <p:txEl>
+                                              <p:pRg end="6" st="6"/>
+                                            </p:txEl>
+                                          </p:spTgt>
+                                        </p:tgtEl>
+                                        <p:attrNameLst>
+                                          <p:attrName>style.visibility</p:attrName>
+                                        </p:attrNameLst>
+                                      </p:cBhvr>
+                                      <p:to>
+                                        <p:strVal val="visible"/>
+                                      </p:to>
+                                    </p:set>
+                                  </p:childTnLst>
+                                </p:cTn>
+                              </p:par>
+                            </p:childTnLst>
+                          </p:cTn>
+                        </p:par>
+                      </p:childTnLst>
+                    </p:cTn>
+                  </p:par>
+                  <p:par>
+                    <p:cTn fill="hold">
+                      <p:stCondLst>
+                        <p:cond delay="indefinite"/>
+                      </p:stCondLst>
+                      <p:childTnLst>
+                        <p:par>
+                          <p:cTn fill="hold">
+                            <p:stCondLst>
+                              <p:cond delay="0"/>
+                            </p:stCondLst>
+                            <p:childTnLst>
+                              <p:par>
+                                <p:cTn fill="hold" nodeType="clickEffect" presetClass="entr" presetID="1" presetSubtype="0">
+                                  <p:stCondLst>
+                                    <p:cond delay="0"/>
+                                  </p:stCondLst>
+                                  <p:childTnLst>
+                                    <p:set>
+                                      <p:cBhvr>
+                                        <p:cTn dur="1" fill="hold">
+                                          <p:stCondLst>
+                                            <p:cond delay="0"/>
+                                          </p:stCondLst>
+                                        </p:cTn>
+                                        <p:tgtEl>
+                                          <p:spTgt spid="76">
+                                            <p:txEl>
+                                              <p:pRg end="7" st="7"/>
+                                            </p:txEl>
+                                          </p:spTgt>
+                                        </p:tgtEl>
+                                        <p:attrNameLst>
+                                          <p:attrName>style.visibility</p:attrName>
+                                        </p:attrNameLst>
+                                      </p:cBhvr>
+                                      <p:to>
+                                        <p:strVal val="visible"/>
+                                      </p:to>
+                                    </p:set>
+                                  </p:childTnLst>
+                                </p:cTn>
+                              </p:par>
+                            </p:childTnLst>
+                          </p:cTn>
+                        </p:par>
+                      </p:childTnLst>
+                    </p:cTn>
+                  </p:par>
+                  <p:par>
+                    <p:cTn fill="hold">
+                      <p:stCondLst>
+                        <p:cond delay="indefinite"/>
+                      </p:stCondLst>
+                      <p:childTnLst>
+                        <p:par>
+                          <p:cTn fill="hold">
+                            <p:stCondLst>
+                              <p:cond delay="0"/>
+                            </p:stCondLst>
+                            <p:childTnLst>
+                              <p:par>
+                                <p:cTn fill="hold" nodeType="clickEffect" presetClass="entr" presetID="1" presetSubtype="0">
+                                  <p:stCondLst>
+                                    <p:cond delay="0"/>
+                                  </p:stCondLst>
+                                  <p:childTnLst>
+                                    <p:set>
+                                      <p:cBhvr>
+                                        <p:cTn dur="1" fill="hold">
+                                          <p:stCondLst>
+                                            <p:cond delay="0"/>
+                                          </p:stCondLst>
+                                        </p:cTn>
+                                        <p:tgtEl>
+                                          <p:spTgt spid="77">
+                                            <p:txEl>
+                                              <p:pRg end="0" st="0"/>
+                                            </p:txEl>
+                                          </p:spTgt>
+                                        </p:tgtEl>
+                                        <p:attrNameLst>
+                                          <p:attrName>style.visibility</p:attrName>
+                                        </p:attrNameLst>
+                                      </p:cBhvr>
+                                      <p:to>
+                                        <p:strVal val="visible"/>
+                                      </p:to>
+                                    </p:set>
+                                  </p:childTnLst>
+                                </p:cTn>
+                              </p:par>
+                            </p:childTnLst>
+                          </p:cTn>
+                        </p:par>
+                      </p:childTnLst>
+                    </p:cTn>
+                  </p:par>
+                  <p:par>
+                    <p:cTn fill="hold">
+                      <p:stCondLst>
+                        <p:cond delay="indefinite"/>
+                      </p:stCondLst>
+                      <p:childTnLst>
+                        <p:par>
+                          <p:cTn fill="hold">
+                            <p:stCondLst>
+                              <p:cond delay="0"/>
+                            </p:stCondLst>
+                            <p:childTnLst>
+                              <p:par>
+                                <p:cTn fill="hold" nodeType="clickEffect" presetClass="entr" presetID="1" presetSubtype="0">
+                                  <p:stCondLst>
+                                    <p:cond delay="0"/>
+                                  </p:stCondLst>
+                                  <p:childTnLst>
+                                    <p:set>
+                                      <p:cBhvr>
+                                        <p:cTn dur="1" fill="hold">
+                                          <p:stCondLst>
+                                            <p:cond delay="0"/>
+                                          </p:stCondLst>
+                                        </p:cTn>
+                                        <p:tgtEl>
+                                          <p:spTgt spid="77">
+                                            <p:txEl>
+                                              <p:pRg end="1" st="1"/>
+                                            </p:txEl>
+                                          </p:spTgt>
+                                        </p:tgtEl>
+                                        <p:attrNameLst>
+                                          <p:attrName>style.visibility</p:attrName>
+                                        </p:attrNameLst>
+                                      </p:cBhvr>
+                                      <p:to>
+                                        <p:strVal val="visible"/>
+                                      </p:to>
+                                    </p:set>
+                                  </p:childTnLst>
+                                </p:cTn>
+                              </p:par>
+                            </p:childTnLst>
+                          </p:cTn>
+                        </p:par>
+                      </p:childTnLst>
+                    </p:cTn>
+                  </p:par>
+                  <p:par>
+                    <p:cTn fill="hold">
+                      <p:stCondLst>
+                        <p:cond delay="indefinite"/>
+                      </p:stCondLst>
+                      <p:childTnLst>
+                        <p:par>
+                          <p:cTn fill="hold">
+                            <p:stCondLst>
+                              <p:cond delay="0"/>
+                            </p:stCondLst>
+                            <p:childTnLst>
+                              <p:par>
+                                <p:cTn fill="hold" nodeType="clickEffect" presetClass="entr" presetID="1" presetSubtype="0">
+                                  <p:stCondLst>
+                                    <p:cond delay="0"/>
+                                  </p:stCondLst>
+                                  <p:childTnLst>
+                                    <p:set>
+                                      <p:cBhvr>
+                                        <p:cTn dur="1" fill="hold">
+                                          <p:stCondLst>
+                                            <p:cond delay="0"/>
+                                          </p:stCondLst>
+                                        </p:cTn>
+                                        <p:tgtEl>
+                                          <p:spTgt spid="77">
+                                            <p:txEl>
+                                              <p:pRg end="2" st="2"/>
+                                            </p:txEl>
+                                          </p:spTgt>
+                                        </p:tgtEl>
+                                        <p:attrNameLst>
+                                          <p:attrName>style.visibility</p:attrName>
+                                        </p:attrNameLst>
+                                      </p:cBhvr>
+                                      <p:to>
+                                        <p:strVal val="visible"/>
+                                      </p:to>
+                                    </p:set>
+                                  </p:childTnLst>
+                                </p:cTn>
+                              </p:par>
+                            </p:childTnLst>
+                          </p:cTn>
+                        </p:par>
+                      </p:childTnLst>
+                    </p:cTn>
+                  </p:par>
+                  <p:par>
+                    <p:cTn fill="hold">
+                      <p:stCondLst>
+                        <p:cond delay="indefinite"/>
+                      </p:stCondLst>
+                      <p:childTnLst>
+                        <p:par>
+                          <p:cTn fill="hold">
+                            <p:stCondLst>
+                              <p:cond delay="0"/>
+                            </p:stCondLst>
+                            <p:childTnLst>
+                              <p:par>
+                                <p:cTn fill="hold" nodeType="clickEffect" presetClass="entr" presetID="1" presetSubtype="0">
+                                  <p:stCondLst>
+                                    <p:cond delay="0"/>
+                                  </p:stCondLst>
+                                  <p:childTnLst>
+                                    <p:set>
+                                      <p:cBhvr>
+                                        <p:cTn dur="1" fill="hold">
+                                          <p:stCondLst>
+                                            <p:cond delay="0"/>
+                                          </p:stCondLst>
+                                        </p:cTn>
+                                        <p:tgtEl>
+                                          <p:spTgt spid="77">
+                                            <p:txEl>
+                                              <p:pRg end="3" st="3"/>
+                                            </p:txEl>
+                                          </p:spTgt>
+                                        </p:tgtEl>
+                                        <p:attrNameLst>
+                                          <p:attrName>style.visibility</p:attrName>
+                                        </p:attrNameLst>
+                                      </p:cBhvr>
+                                      <p:to>
+                                        <p:strVal val="visible"/>
+                                      </p:to>
+                                    </p:set>
+                                  </p:childTnLst>
+                                </p:cTn>
+                              </p:par>
+                            </p:childTnLst>
+                          </p:cTn>
+                        </p:par>
+                      </p:childTnLst>
+                    </p:cTn>
+                  </p:par>
+                  <p:par>
+                    <p:cTn fill="hold">
+                      <p:stCondLst>
+                        <p:cond delay="indefinite"/>
+                      </p:stCondLst>
+                      <p:childTnLst>
+                        <p:par>
+                          <p:cTn fill="hold">
+                            <p:stCondLst>
+                              <p:cond delay="0"/>
+                            </p:stCondLst>
+                            <p:childTnLst>
+                              <p:par>
+                                <p:cTn fill="hold" nodeType="clickEffect" presetClass="entr" presetID="1" presetSubtype="0">
+                                  <p:stCondLst>
+                                    <p:cond delay="0"/>
+                                  </p:stCondLst>
+                                  <p:childTnLst>
+                                    <p:set>
+                                      <p:cBhvr>
+                                        <p:cTn dur="1" fill="hold">
+                                          <p:stCondLst>
+                                            <p:cond delay="0"/>
+                                          </p:stCondLst>
+                                        </p:cTn>
+                                        <p:tgtEl>
+                                          <p:spTgt spid="77">
+                                            <p:txEl>
+                                              <p:pRg end="4" st="4"/>
+                                            </p:txEl>
+                                          </p:spTgt>
+                                        </p:tgtEl>
+                                        <p:attrNameLst>
+                                          <p:attrName>style.visibility</p:attrName>
+                                        </p:attrNameLst>
+                                      </p:cBhvr>
+                                      <p:to>
+                                        <p:strVal val="visible"/>
+                                      </p:to>
+                                    </p:set>
+                                  </p:childTnLst>
+                                </p:cTn>
+                              </p:par>
+                            </p:childTnLst>
+                          </p:cTn>
+                        </p:par>
+                      </p:childTnLst>
+                    </p:cTn>
+                  </p:par>
+                  <p:par>
+                    <p:cTn fill="hold">
+                      <p:stCondLst>
+                        <p:cond delay="indefinite"/>
+                      </p:stCondLst>
+                      <p:childTnLst>
+                        <p:par>
+                          <p:cTn fill="hold">
+                            <p:stCondLst>
+                              <p:cond delay="0"/>
+                            </p:stCondLst>
+                            <p:childTnLst>
+                              <p:par>
+                                <p:cTn fill="hold" nodeType="clickEffect" presetClass="entr" presetID="1" presetSubtype="0">
+                                  <p:stCondLst>
+                                    <p:cond delay="0"/>
+                                  </p:stCondLst>
+                                  <p:childTnLst>
+                                    <p:set>
+                                      <p:cBhvr>
+                                        <p:cTn dur="1" fill="hold">
+                                          <p:stCondLst>
+                                            <p:cond delay="0"/>
+                                          </p:stCondLst>
+                                        </p:cTn>
+                                        <p:tgtEl>
+                                          <p:spTgt spid="77">
+                                            <p:txEl>
+                                              <p:pRg end="5" st="5"/>
+                                            </p:txEl>
+                                          </p:spTgt>
+                                        </p:tgtEl>
+                                        <p:attrNameLst>
+                                          <p:attrName>style.visibility</p:attrName>
+                                        </p:attrNameLst>
+                                      </p:cBhvr>
+                                      <p:to>
+                                        <p:strVal val="visible"/>
+                                      </p:to>
+                                    </p:set>
+                                  </p:childTnLst>
+                                </p:cTn>
+                              </p:par>
+                            </p:childTnLst>
+                          </p:cTn>
+                        </p:par>
+                      </p:childTnLst>
+                    </p:cTn>
+                  </p:par>
+                  <p:par>
+                    <p:cTn fill="hold">
+                      <p:stCondLst>
+                        <p:cond delay="indefinite"/>
+                      </p:stCondLst>
+                      <p:childTnLst>
+                        <p:par>
+                          <p:cTn fill="hold">
+                            <p:stCondLst>
+                              <p:cond delay="0"/>
+                            </p:stCondLst>
+                            <p:childTnLst>
+                              <p:par>
+                                <p:cTn fill="hold" nodeType="clickEffect" presetClass="entr" presetID="1" presetSubtype="0">
+                                  <p:stCondLst>
+                                    <p:cond delay="0"/>
+                                  </p:stCondLst>
+                                  <p:childTnLst>
+                                    <p:set>
+                                      <p:cBhvr>
+                                        <p:cTn dur="1" fill="hold">
+                                          <p:stCondLst>
+                                            <p:cond delay="0"/>
+                                          </p:stCondLst>
+                                        </p:cTn>
+                                        <p:tgtEl>
+                                          <p:spTgt spid="77">
+                                            <p:txEl>
+                                              <p:pRg end="6" st="6"/>
+                                            </p:txEl>
+                                          </p:spTgt>
+                                        </p:tgtEl>
+                                        <p:attrNameLst>
+                                          <p:attrName>style.visibility</p:attrName>
+                                        </p:attrNameLst>
+                                      </p:cBhvr>
+                                      <p:to>
+                                        <p:strVal val="visible"/>
+                                      </p:to>
+                                    </p:set>
+                                  </p:childTnLst>
+                                </p:cTn>
+                              </p:par>
+                            </p:childTnLst>
+                          </p:cTn>
+                        </p:par>
+                      </p:childTnLst>
+                    </p:cTn>
+                  </p:par>
+                  <p:par>
+                    <p:cTn fill="hold">
+                      <p:stCondLst>
+                        <p:cond delay="indefinite"/>
+                      </p:stCondLst>
+                      <p:childTnLst>
+                        <p:par>
+                          <p:cTn fill="hold">
+                            <p:stCondLst>
+                              <p:cond delay="0"/>
+                            </p:stCondLst>
+                            <p:childTnLst>
+                              <p:par>
+                                <p:cTn fill="hold" nodeType="clickEffect" presetClass="entr" presetID="1" presetSubtype="0">
+                                  <p:stCondLst>
+                                    <p:cond delay="0"/>
+                                  </p:stCondLst>
+                                  <p:childTnLst>
+                                    <p:set>
+                                      <p:cBhvr>
+                                        <p:cTn dur="1" fill="hold">
+                                          <p:stCondLst>
+                                            <p:cond delay="0"/>
+                                          </p:stCondLst>
+                                        </p:cTn>
+                                        <p:tgtEl>
+                                          <p:spTgt spid="77">
+                                            <p:txEl>
+                                              <p:pRg end="7" st="7"/>
+                                            </p:txEl>
+                                          </p:spTgt>
+                                        </p:tgtEl>
+                                        <p:attrNameLst>
+                                          <p:attrName>style.visibility</p:attrName>
+                                        </p:attrNameLst>
+                                      </p:cBhvr>
+                                      <p:to>
+                                        <p:strVal val="visible"/>
+                                      </p:to>
+                                    </p:set>
+                                  </p:childTnLst>
+                                </p:cTn>
+                              </p:par>
+                            </p:childTnLst>
+                          </p:cTn>
+                        </p:par>
+                      </p:childTnLst>
+                    </p:cTn>
+                  </p:par>
+                </p:childTnLst>
+              </p:cTn>
+              <p:prevCondLst>
+                <p:cond evt="onPrev">
+                  <p:tgtEl>
+                    <p:sldTgt/>
+                  </p:tgtEl>
+                </p:cond>
+              </p:prevCondLst>
+              <p:nextCondLst>
+                <p:cond evt="onNext">
+                  <p:tgtEl>
+                    <p:sldTgt/>
+                  </p:tgtEl>
+                </p:cond>
+              </p:nextCondLst>
+            </p:seq>
+          </p:childTnLst>
+        </p:cTn>
+      </p:par>
+    </p:tnLst>
+  </p:timing>
+</p:sld>
+</file>
+
+<file path=ppt/slides/slide4.xml><?xml version="1.0" encoding="utf-8"?>
+<p:sld xmlns:a="http://schemas.openxmlformats.org/drawingml/2006/main" xmlns:r="http://schemas.openxmlformats.org/officeDocument/2006/relationships" xmlns:mc="http://schemas.openxmlformats.org/markup-compatibility/2006" xmlns:mv="urn:schemas-microsoft-com:mac:vml" xmlns:p="http://schemas.openxmlformats.org/presentationml/2006/main" xmlns:c="http://schemas.openxmlformats.org/drawingml/2006/chart" xmlns:dgm="http://schemas.openxmlformats.org/drawingml/2006/diagram" xmlns:o="urn:schemas-microsoft-com:office:office" xmlns:v="urn:schemas-microsoft-com:vml" xmlns:pvml="urn:schemas-microsoft-com:office:powerpoint" xmlns:com="http://schemas.openxmlformats.org/drawingml/2006/compatibility" xmlns:p14="http://schemas.microsoft.com/office/powerpoint/2010/main" xmlns:p15="http://schemas.microsoft.com/office/powerpoint/2012/main" xmlns:ahyp="http://schemas.microsoft.com/office/drawing/2018/hyperlinkcolor">
+  <p:cSld>
+    <p:spTree>
+      <p:nvGrpSpPr>
+        <p:cNvPr id="81" name="Shape 81"/>
+        <p:cNvGrpSpPr/>
+        <p:nvPr/>
+      </p:nvGrpSpPr>
+      <p:grpSpPr>
+        <a:xfrm>
+          <a:off x="0" y="0"/>
+          <a:ext cx="0" cy="0"/>
+          <a:chOff x="0" y="0"/>
+          <a:chExt cx="0" cy="0"/>
+        </a:xfrm>
+      </p:grpSpPr>
+      <p:sp>
+        <p:nvSpPr>
+          <p:cNvPr id="82" name="Google Shape;82;p16"/>
+          <p:cNvSpPr txBox="1"/>
+          <p:nvPr>
+            <p:ph type="title"/>
+          </p:nvPr>
+        </p:nvSpPr>
+        <p:spPr>
+          <a:xfrm>
+            <a:off x="246850" y="2285400"/>
+            <a:ext cx="8520600" cy="572700"/>
+          </a:xfrm>
+          <a:prstGeom prst="rect">
+            <a:avLst/>
+          </a:prstGeom>
+        </p:spPr>
+        <p:txBody>
+          <a:bodyPr anchorCtr="0" anchor="t" bIns="91425" lIns="91425" spcFirstLastPara="1" rIns="91425" wrap="square" tIns="91425">
+            <a:normAutofit fontScale="90000"/>
+          </a:bodyPr>
+          <a:lstStyle/>
+          <a:p>
+            <a:pPr indent="0" lvl="0" marL="0" rtl="0" algn="ctr">
+              <a:spcBef>
+                <a:spcPts val="0"/>
+              </a:spcBef>
+              <a:spcAft>
+                <a:spcPts val="0"/>
+              </a:spcAft>
+              <a:buNone/>
+            </a:pPr>
+            <a:r>
+              <a:rPr lang="en"/>
+              <a:t>Distributing a Python package</a:t>
+            </a:r>
+            <a:endParaRPr/>
+          </a:p>
+          <a:p>
+            <a:pPr indent="0" lvl="0" marL="0" rtl="0" algn="l">
+              <a:spcBef>
+                <a:spcPts val="0"/>
+              </a:spcBef>
+              <a:spcAft>
+                <a:spcPts val="0"/>
+              </a:spcAft>
+              <a:buNone/>
+            </a:pPr>
+            <a:r>
+              <a:t/>
+            </a:r>
+            <a:endParaRPr/>
+          </a:p>
+        </p:txBody>
+      </p:sp>
+    </p:spTree>
+  </p:cSld>
+  <p:clrMapOvr>
+    <a:masterClrMapping/>
+  </p:clrMapOvr>
+</p:sld>
+</file>
+
+<file path=ppt/slides/slide5.xml><?xml version="1.0" encoding="utf-8"?>
+<p:sld xmlns:a="http://schemas.openxmlformats.org/drawingml/2006/main" xmlns:r="http://schemas.openxmlformats.org/officeDocument/2006/relationships" xmlns:mc="http://schemas.openxmlformats.org/markup-compatibility/2006" xmlns:mv="urn:schemas-microsoft-com:mac:vml" xmlns:p="http://schemas.openxmlformats.org/presentationml/2006/main" xmlns:c="http://schemas.openxmlformats.org/drawingml/2006/chart" xmlns:dgm="http://schemas.openxmlformats.org/drawingml/2006/diagram" xmlns:o="urn:schemas-microsoft-com:office:office" xmlns:v="urn:schemas-microsoft-com:vml" xmlns:pvml="urn:schemas-microsoft-com:office:powerpoint" xmlns:com="http://schemas.openxmlformats.org/drawingml/2006/compatibility" xmlns:p14="http://schemas.microsoft.com/office/powerpoint/2010/main" xmlns:p15="http://schemas.microsoft.com/office/powerpoint/2012/main" xmlns:ahyp="http://schemas.microsoft.com/office/drawing/2018/hyperlinkcolor">
+  <p:cSld>
+    <p:spTree>
+      <p:nvGrpSpPr>
+        <p:cNvPr id="86" name="Shape 86"/>
+        <p:cNvGrpSpPr/>
+        <p:nvPr/>
+      </p:nvGrpSpPr>
+      <p:grpSpPr>
+        <a:xfrm>
+          <a:off x="0" y="0"/>
+          <a:ext cx="0" cy="0"/>
+          <a:chOff x="0" y="0"/>
+          <a:chExt cx="0" cy="0"/>
+        </a:xfrm>
+      </p:grpSpPr>
+      <p:sp>
+        <p:nvSpPr>
+          <p:cNvPr id="87" name="Google Shape;87;p17"/>
+          <p:cNvSpPr txBox="1"/>
+          <p:nvPr>
+            <p:ph type="title"/>
+          </p:nvPr>
+        </p:nvSpPr>
+        <p:spPr>
+          <a:xfrm>
+            <a:off x="311700" y="445025"/>
+            <a:ext cx="8520600" cy="572700"/>
+          </a:xfrm>
+          <a:prstGeom prst="rect">
+            <a:avLst/>
+          </a:prstGeom>
+        </p:spPr>
+        <p:txBody>
+          <a:bodyPr anchorCtr="0" anchor="t" bIns="91425" lIns="91425" spcFirstLastPara="1" rIns="91425" wrap="square" tIns="91425">
+            <a:normAutofit fontScale="90000"/>
+          </a:bodyPr>
+          <a:lstStyle/>
+          <a:p>
+            <a:pPr indent="0" lvl="0" marL="0" rtl="0" algn="l">
+              <a:spcBef>
+                <a:spcPts val="0"/>
+              </a:spcBef>
+              <a:spcAft>
+                <a:spcPts val="0"/>
+              </a:spcAft>
+              <a:buNone/>
+            </a:pPr>
+            <a:r>
+              <a:t/>
+            </a:r>
+            <a:endParaRPr/>
+          </a:p>
+        </p:txBody>
+      </p:sp>
+      <p:sp>
+        <p:nvSpPr>
+          <p:cNvPr id="88" name="Google Shape;88;p17"/>
           <p:cNvSpPr txBox="1"/>
           <p:nvPr>
             <p:ph idx="1" type="body"/>
@@ -7846,7 +9855,7 @@
       </p:sp>
       <p:pic>
         <p:nvPicPr>
-          <p:cNvPr id="76" name="Google Shape;76;p15"/>
+          <p:cNvPr id="89" name="Google Shape;89;p17"/>
           <p:cNvPicPr preferRelativeResize="0"/>
           <p:nvPr/>
         </p:nvPicPr>
@@ -7880,12 +9889,12 @@
 </p:sld>
 </file>
 
-<file path=ppt/slides/slide4.xml><?xml version="1.0" encoding="utf-8"?>
+<file path=ppt/slides/slide6.xml><?xml version="1.0" encoding="utf-8"?>
 <p:sld xmlns:a="http://schemas.openxmlformats.org/drawingml/2006/main" xmlns:r="http://schemas.openxmlformats.org/officeDocument/2006/relationships" xmlns:mc="http://schemas.openxmlformats.org/markup-compatibility/2006" xmlns:mv="urn:schemas-microsoft-com:mac:vml" xmlns:p="http://schemas.openxmlformats.org/presentationml/2006/main" xmlns:c="http://schemas.openxmlformats.org/drawingml/2006/chart" xmlns:dgm="http://schemas.openxmlformats.org/drawingml/2006/diagram" xmlns:o="urn:schemas-microsoft-com:office:office" xmlns:v="urn:schemas-microsoft-com:vml" xmlns:pvml="urn:schemas-microsoft-com:office:powerpoint" xmlns:com="http://schemas.openxmlformats.org/drawingml/2006/compatibility" xmlns:p14="http://schemas.microsoft.com/office/powerpoint/2010/main" xmlns:p15="http://schemas.microsoft.com/office/powerpoint/2012/main" xmlns:ahyp="http://schemas.microsoft.com/office/drawing/2018/hyperlinkcolor">
   <p:cSld>
     <p:spTree>
       <p:nvGrpSpPr>
-        <p:cNvPr id="80" name="Shape 80"/>
+        <p:cNvPr id="93" name="Shape 93"/>
         <p:cNvGrpSpPr/>
         <p:nvPr/>
       </p:nvGrpSpPr>
@@ -7899,7 +9908,7 @@
       </p:grpSpPr>
       <p:sp>
         <p:nvSpPr>
-          <p:cNvPr id="81" name="Google Shape;81;p16"/>
+          <p:cNvPr id="94" name="Google Shape;94;p18"/>
           <p:cNvSpPr txBox="1"/>
           <p:nvPr>
             <p:ph type="title"/>
@@ -7939,7 +9948,7 @@
       </p:sp>
       <p:sp>
         <p:nvSpPr>
-          <p:cNvPr id="82" name="Google Shape;82;p16"/>
+          <p:cNvPr id="95" name="Google Shape;95;p18"/>
           <p:cNvSpPr txBox="1"/>
           <p:nvPr>
             <p:ph idx="1" type="body"/>
@@ -7978,7 +9987,7 @@
       </p:sp>
       <p:pic>
         <p:nvPicPr>
-          <p:cNvPr id="83" name="Google Shape;83;p16"/>
+          <p:cNvPr id="96" name="Google Shape;96;p18"/>
           <p:cNvPicPr preferRelativeResize="0"/>
           <p:nvPr/>
         </p:nvPicPr>
@@ -8012,12 +10021,12 @@
 </p:sld>
 </file>
 
-<file path=ppt/slides/slide5.xml><?xml version="1.0" encoding="utf-8"?>
+<file path=ppt/slides/slide7.xml><?xml version="1.0" encoding="utf-8"?>
 <p:sld xmlns:a="http://schemas.openxmlformats.org/drawingml/2006/main" xmlns:r="http://schemas.openxmlformats.org/officeDocument/2006/relationships" xmlns:mc="http://schemas.openxmlformats.org/markup-compatibility/2006" xmlns:mv="urn:schemas-microsoft-com:mac:vml" xmlns:p="http://schemas.openxmlformats.org/presentationml/2006/main" xmlns:c="http://schemas.openxmlformats.org/drawingml/2006/chart" xmlns:dgm="http://schemas.openxmlformats.org/drawingml/2006/diagram" xmlns:o="urn:schemas-microsoft-com:office:office" xmlns:v="urn:schemas-microsoft-com:vml" xmlns:pvml="urn:schemas-microsoft-com:office:powerpoint" xmlns:com="http://schemas.openxmlformats.org/drawingml/2006/compatibility" xmlns:p14="http://schemas.microsoft.com/office/powerpoint/2010/main" xmlns:p15="http://schemas.microsoft.com/office/powerpoint/2012/main" xmlns:ahyp="http://schemas.microsoft.com/office/drawing/2018/hyperlinkcolor">
   <p:cSld>
     <p:spTree>
       <p:nvGrpSpPr>
-        <p:cNvPr id="87" name="Shape 87"/>
+        <p:cNvPr id="100" name="Shape 100"/>
         <p:cNvGrpSpPr/>
         <p:nvPr/>
       </p:nvGrpSpPr>
@@ -8031,7 +10040,7 @@
       </p:grpSpPr>
       <p:sp>
         <p:nvSpPr>
-          <p:cNvPr id="88" name="Google Shape;88;p17"/>
+          <p:cNvPr id="101" name="Google Shape;101;p19"/>
           <p:cNvSpPr txBox="1"/>
           <p:nvPr>
             <p:ph type="title"/>
@@ -8071,7 +10080,7 @@
       </p:sp>
       <p:sp>
         <p:nvSpPr>
-          <p:cNvPr id="89" name="Google Shape;89;p17"/>
+          <p:cNvPr id="102" name="Google Shape;102;p19"/>
           <p:cNvSpPr txBox="1"/>
           <p:nvPr>
             <p:ph idx="1" type="body"/>
@@ -8207,6 +10216,46 @@
               <a:spcAft>
                 <a:spcPts val="0"/>
               </a:spcAft>
+              <a:buClr>
+                <a:schemeClr val="dk1"/>
+              </a:buClr>
+              <a:buSzPts val="1100"/>
+              <a:buFont typeface="Arial"/>
+              <a:buNone/>
+            </a:pPr>
+            <a:r>
+              <a:rPr b="1" lang="en" sz="1900">
+                <a:solidFill>
+                  <a:srgbClr val="980000"/>
+                </a:solidFill>
+                <a:latin typeface="Courier New"/>
+                <a:ea typeface="Courier New"/>
+                <a:cs typeface="Courier New"/>
+                <a:sym typeface="Courier New"/>
+              </a:rPr>
+              <a:t>pyproject.toml</a:t>
+            </a:r>
+            <a:endParaRPr sz="1900">
+              <a:solidFill>
+                <a:schemeClr val="dk1"/>
+              </a:solidFill>
+              <a:latin typeface="Courier New"/>
+              <a:ea typeface="Courier New"/>
+              <a:cs typeface="Courier New"/>
+              <a:sym typeface="Courier New"/>
+            </a:endParaRPr>
+          </a:p>
+          <a:p>
+            <a:pPr indent="457200" lvl="0" marL="0" rtl="0" algn="l">
+              <a:lnSpc>
+                <a:spcPct val="100000"/>
+              </a:lnSpc>
+              <a:spcBef>
+                <a:spcPts val="0"/>
+              </a:spcBef>
+              <a:spcAft>
+                <a:spcPts val="0"/>
+              </a:spcAft>
               <a:buNone/>
             </a:pPr>
             <a:r>
@@ -8256,65 +10305,6 @@
               </a:rPr>
               <a:t>	__init__.py</a:t>
             </a:r>
-            <a:endParaRPr sz="1900">
-              <a:solidFill>
-                <a:schemeClr val="dk1"/>
-              </a:solidFill>
-              <a:latin typeface="Courier New"/>
-              <a:ea typeface="Courier New"/>
-              <a:cs typeface="Courier New"/>
-              <a:sym typeface="Courier New"/>
-            </a:endParaRPr>
-          </a:p>
-          <a:p>
-            <a:pPr indent="457200" lvl="0" marL="0" rtl="0" algn="l">
-              <a:lnSpc>
-                <a:spcPct val="100000"/>
-              </a:lnSpc>
-              <a:spcBef>
-                <a:spcPts val="0"/>
-              </a:spcBef>
-              <a:spcAft>
-                <a:spcPts val="0"/>
-              </a:spcAft>
-              <a:buNone/>
-            </a:pPr>
-            <a:r>
-              <a:rPr lang="en" sz="1900">
-                <a:solidFill>
-                  <a:srgbClr val="980000"/>
-                </a:solidFill>
-                <a:latin typeface="Courier New"/>
-                <a:ea typeface="Courier New"/>
-                <a:cs typeface="Courier New"/>
-                <a:sym typeface="Courier New"/>
-              </a:rPr>
-              <a:t>	</a:t>
-            </a:r>
-            <a:r>
-              <a:rPr b="1" lang="en" sz="1900">
-                <a:solidFill>
-                  <a:srgbClr val="980000"/>
-                </a:solidFill>
-                <a:latin typeface="Courier New"/>
-                <a:ea typeface="Courier New"/>
-                <a:cs typeface="Courier New"/>
-                <a:sym typeface="Courier New"/>
-              </a:rPr>
-              <a:t>pyproject</a:t>
-            </a:r>
-            <a:r>
-              <a:rPr b="1" lang="en" sz="1900">
-                <a:solidFill>
-                  <a:srgbClr val="980000"/>
-                </a:solidFill>
-                <a:latin typeface="Courier New"/>
-                <a:ea typeface="Courier New"/>
-                <a:cs typeface="Courier New"/>
-                <a:sym typeface="Courier New"/>
-              </a:rPr>
-              <a:t>.toml</a:t>
-            </a:r>
             <a:endParaRPr b="1" sz="1900">
               <a:solidFill>
                 <a:srgbClr val="980000"/>
@@ -8481,13 +10471,13 @@
       </p:sp>
       <p:grpSp>
         <p:nvGrpSpPr>
-          <p:cNvPr id="90" name="Google Shape;90;p17"/>
+          <p:cNvPr id="103" name="Google Shape;103;p19"/>
           <p:cNvGrpSpPr/>
           <p:nvPr/>
         </p:nvGrpSpPr>
         <p:grpSpPr>
           <a:xfrm>
-            <a:off x="3466109" y="2115650"/>
+            <a:off x="3410259" y="1525200"/>
             <a:ext cx="5125784" cy="1169700"/>
             <a:chOff x="2080297" y="1040950"/>
             <a:chExt cx="6756900" cy="1169700"/>
@@ -8495,7 +10485,7 @@
         </p:grpSpPr>
         <p:sp>
           <p:nvSpPr>
-            <p:cNvPr id="91" name="Google Shape;91;p17"/>
+            <p:cNvPr id="104" name="Google Shape;104;p19"/>
             <p:cNvSpPr txBox="1"/>
             <p:nvPr/>
           </p:nvSpPr>
@@ -8562,9 +10552,9 @@
         </p:sp>
         <p:cxnSp>
           <p:nvCxnSpPr>
-            <p:cNvPr id="92" name="Google Shape;92;p17"/>
+            <p:cNvPr id="105" name="Google Shape;105;p19"/>
             <p:cNvCxnSpPr>
-              <a:stCxn id="91" idx="1"/>
+              <a:stCxn id="104" idx="1"/>
             </p:cNvCxnSpPr>
             <p:nvPr/>
           </p:nvCxnSpPr>
@@ -8591,7 +10581,7 @@
       </p:grpSp>
       <p:sp>
         <p:nvSpPr>
-          <p:cNvPr id="93" name="Google Shape;93;p17"/>
+          <p:cNvPr id="106" name="Google Shape;106;p19"/>
           <p:cNvSpPr txBox="1"/>
           <p:nvPr/>
         </p:nvSpPr>
@@ -8667,12 +10657,12 @@
 </p:sld>
 </file>
 
-<file path=ppt/slides/slide6.xml><?xml version="1.0" encoding="utf-8"?>
+<file path=ppt/slides/slide8.xml><?xml version="1.0" encoding="utf-8"?>
 <p:sld xmlns:a="http://schemas.openxmlformats.org/drawingml/2006/main" xmlns:r="http://schemas.openxmlformats.org/officeDocument/2006/relationships" xmlns:mc="http://schemas.openxmlformats.org/markup-compatibility/2006" xmlns:mv="urn:schemas-microsoft-com:mac:vml" xmlns:p="http://schemas.openxmlformats.org/presentationml/2006/main" xmlns:c="http://schemas.openxmlformats.org/drawingml/2006/chart" xmlns:dgm="http://schemas.openxmlformats.org/drawingml/2006/diagram" xmlns:o="urn:schemas-microsoft-com:office:office" xmlns:v="urn:schemas-microsoft-com:vml" xmlns:pvml="urn:schemas-microsoft-com:office:powerpoint" xmlns:com="http://schemas.openxmlformats.org/drawingml/2006/compatibility" xmlns:p14="http://schemas.microsoft.com/office/powerpoint/2010/main" xmlns:p15="http://schemas.microsoft.com/office/powerpoint/2012/main" xmlns:ahyp="http://schemas.microsoft.com/office/drawing/2018/hyperlinkcolor">
   <p:cSld>
     <p:spTree>
       <p:nvGrpSpPr>
-        <p:cNvPr id="97" name="Shape 97"/>
+        <p:cNvPr id="110" name="Shape 110"/>
         <p:cNvGrpSpPr/>
         <p:nvPr/>
       </p:nvGrpSpPr>
@@ -8686,7 +10676,7 @@
       </p:grpSpPr>
       <p:sp>
         <p:nvSpPr>
-          <p:cNvPr id="98" name="Google Shape;98;p18"/>
+          <p:cNvPr id="111" name="Google Shape;111;p20"/>
           <p:cNvSpPr txBox="1"/>
           <p:nvPr>
             <p:ph type="title"/>
@@ -8726,7 +10716,7 @@
       </p:sp>
       <p:sp>
         <p:nvSpPr>
-          <p:cNvPr id="99" name="Google Shape;99;p18"/>
+          <p:cNvPr id="112" name="Google Shape;112;p20"/>
           <p:cNvSpPr txBox="1"/>
           <p:nvPr>
             <p:ph idx="1" type="body"/>
@@ -8734,8 +10724,8 @@
         </p:nvSpPr>
         <p:spPr>
           <a:xfrm>
-            <a:off x="86675" y="1017725"/>
-            <a:ext cx="8520600" cy="3981000"/>
+            <a:off x="311700" y="1017725"/>
+            <a:ext cx="8295600" cy="3981000"/>
           </a:xfrm>
           <a:prstGeom prst="rect">
             <a:avLst/>
@@ -8862,6 +10852,98 @@
               <a:spcAft>
                 <a:spcPts val="0"/>
               </a:spcAft>
+              <a:buClr>
+                <a:schemeClr val="dk1"/>
+              </a:buClr>
+              <a:buSzPts val="1100"/>
+              <a:buFont typeface="Arial"/>
+              <a:buNone/>
+            </a:pPr>
+            <a:r>
+              <a:rPr lang="en" sz="1900">
+                <a:solidFill>
+                  <a:schemeClr val="dk1"/>
+                </a:solidFill>
+                <a:latin typeface="Courier New"/>
+                <a:ea typeface="Courier New"/>
+                <a:cs typeface="Courier New"/>
+                <a:sym typeface="Courier New"/>
+              </a:rPr>
+              <a:t>pyproject</a:t>
+            </a:r>
+            <a:r>
+              <a:rPr lang="en" sz="1900">
+                <a:solidFill>
+                  <a:schemeClr val="dk1"/>
+                </a:solidFill>
+                <a:latin typeface="Courier New"/>
+                <a:ea typeface="Courier New"/>
+                <a:cs typeface="Courier New"/>
+                <a:sym typeface="Courier New"/>
+              </a:rPr>
+              <a:t>.toml</a:t>
+            </a:r>
+            <a:endParaRPr sz="1900">
+              <a:solidFill>
+                <a:schemeClr val="dk1"/>
+              </a:solidFill>
+              <a:latin typeface="Courier New"/>
+              <a:ea typeface="Courier New"/>
+              <a:cs typeface="Courier New"/>
+              <a:sym typeface="Courier New"/>
+            </a:endParaRPr>
+          </a:p>
+          <a:p>
+            <a:pPr indent="457200" lvl="0" marL="0" rtl="0" algn="l">
+              <a:lnSpc>
+                <a:spcPct val="100000"/>
+              </a:lnSpc>
+              <a:spcBef>
+                <a:spcPts val="0"/>
+              </a:spcBef>
+              <a:spcAft>
+                <a:spcPts val="0"/>
+              </a:spcAft>
+              <a:buClr>
+                <a:schemeClr val="dk1"/>
+              </a:buClr>
+              <a:buSzPts val="1100"/>
+              <a:buFont typeface="Arial"/>
+              <a:buNone/>
+            </a:pPr>
+            <a:r>
+              <a:rPr b="1" lang="en" sz="1900">
+                <a:solidFill>
+                  <a:srgbClr val="980000"/>
+                </a:solidFill>
+                <a:latin typeface="Courier New"/>
+                <a:ea typeface="Courier New"/>
+                <a:cs typeface="Courier New"/>
+                <a:sym typeface="Courier New"/>
+              </a:rPr>
+              <a:t>requirements.txt</a:t>
+            </a:r>
+            <a:endParaRPr sz="1900">
+              <a:solidFill>
+                <a:schemeClr val="dk1"/>
+              </a:solidFill>
+              <a:latin typeface="Courier New"/>
+              <a:ea typeface="Courier New"/>
+              <a:cs typeface="Courier New"/>
+              <a:sym typeface="Courier New"/>
+            </a:endParaRPr>
+          </a:p>
+          <a:p>
+            <a:pPr indent="457200" lvl="0" marL="0" rtl="0" algn="l">
+              <a:lnSpc>
+                <a:spcPct val="100000"/>
+              </a:lnSpc>
+              <a:spcBef>
+                <a:spcPts val="0"/>
+              </a:spcBef>
+              <a:spcAft>
+                <a:spcPts val="0"/>
+              </a:spcAft>
               <a:buNone/>
             </a:pPr>
             <a:r>
@@ -8911,100 +10993,6 @@
               </a:rPr>
               <a:t>	__init__.py</a:t>
             </a:r>
-            <a:endParaRPr sz="1900">
-              <a:solidFill>
-                <a:schemeClr val="dk1"/>
-              </a:solidFill>
-              <a:latin typeface="Courier New"/>
-              <a:ea typeface="Courier New"/>
-              <a:cs typeface="Courier New"/>
-              <a:sym typeface="Courier New"/>
-            </a:endParaRPr>
-          </a:p>
-          <a:p>
-            <a:pPr indent="457200" lvl="0" marL="0" rtl="0" algn="l">
-              <a:lnSpc>
-                <a:spcPct val="100000"/>
-              </a:lnSpc>
-              <a:spcBef>
-                <a:spcPts val="0"/>
-              </a:spcBef>
-              <a:spcAft>
-                <a:spcPts val="0"/>
-              </a:spcAft>
-              <a:buNone/>
-            </a:pPr>
-            <a:r>
-              <a:rPr lang="en" sz="1900">
-                <a:solidFill>
-                  <a:schemeClr val="dk1"/>
-                </a:solidFill>
-                <a:latin typeface="Courier New"/>
-                <a:ea typeface="Courier New"/>
-                <a:cs typeface="Courier New"/>
-                <a:sym typeface="Courier New"/>
-              </a:rPr>
-              <a:t>	</a:t>
-            </a:r>
-            <a:r>
-              <a:rPr lang="en" sz="1900">
-                <a:solidFill>
-                  <a:schemeClr val="dk1"/>
-                </a:solidFill>
-                <a:latin typeface="Courier New"/>
-                <a:ea typeface="Courier New"/>
-                <a:cs typeface="Courier New"/>
-                <a:sym typeface="Courier New"/>
-              </a:rPr>
-              <a:t>s</a:t>
-            </a:r>
-            <a:r>
-              <a:rPr lang="en" sz="1900">
-                <a:solidFill>
-                  <a:schemeClr val="dk1"/>
-                </a:solidFill>
-                <a:latin typeface="Courier New"/>
-                <a:ea typeface="Courier New"/>
-                <a:cs typeface="Courier New"/>
-                <a:sym typeface="Courier New"/>
-              </a:rPr>
-              <a:t>etup.py</a:t>
-            </a:r>
-            <a:endParaRPr sz="1900">
-              <a:solidFill>
-                <a:schemeClr val="dk1"/>
-              </a:solidFill>
-              <a:latin typeface="Courier New"/>
-              <a:ea typeface="Courier New"/>
-              <a:cs typeface="Courier New"/>
-              <a:sym typeface="Courier New"/>
-            </a:endParaRPr>
-          </a:p>
-          <a:p>
-            <a:pPr indent="457200" lvl="0" marL="0" rtl="0" algn="l">
-              <a:lnSpc>
-                <a:spcPct val="100000"/>
-              </a:lnSpc>
-              <a:spcBef>
-                <a:spcPts val="0"/>
-              </a:spcBef>
-              <a:spcAft>
-                <a:spcPts val="0"/>
-              </a:spcAft>
-              <a:buNone/>
-            </a:pPr>
-            <a:r>
-              <a:rPr b="1" lang="en" sz="1900">
-                <a:solidFill>
-                  <a:srgbClr val="980000"/>
-                </a:solidFill>
-                <a:latin typeface="Courier New"/>
-                <a:ea typeface="Courier New"/>
-                <a:cs typeface="Courier New"/>
-                <a:sym typeface="Courier New"/>
-              </a:rPr>
-              <a:t>	requirements.txt</a:t>
-            </a:r>
             <a:endParaRPr b="1" sz="1900">
               <a:solidFill>
                 <a:srgbClr val="980000"/>
@@ -9171,13 +11159,13 @@
       </p:sp>
       <p:grpSp>
         <p:nvGrpSpPr>
-          <p:cNvPr id="100" name="Google Shape;100;p18"/>
+          <p:cNvPr id="113" name="Google Shape;113;p20"/>
           <p:cNvGrpSpPr/>
           <p:nvPr/>
         </p:nvGrpSpPr>
         <p:grpSpPr>
           <a:xfrm>
-            <a:off x="3109467" y="3190725"/>
+            <a:off x="3029667" y="2571750"/>
             <a:ext cx="5921897" cy="1662300"/>
             <a:chOff x="2064766" y="2116025"/>
             <a:chExt cx="7315500" cy="1662300"/>
@@ -9185,7 +11173,7 @@
         </p:grpSpPr>
         <p:sp>
           <p:nvSpPr>
-            <p:cNvPr id="101" name="Google Shape;101;p18"/>
+            <p:cNvPr id="114" name="Google Shape;114;p20"/>
             <p:cNvSpPr txBox="1"/>
             <p:nvPr/>
           </p:nvSpPr>
@@ -9354,9 +11342,9 @@
         </p:sp>
         <p:cxnSp>
           <p:nvCxnSpPr>
-            <p:cNvPr id="102" name="Google Shape;102;p18"/>
+            <p:cNvPr id="115" name="Google Shape;115;p20"/>
             <p:cNvCxnSpPr>
-              <a:stCxn id="101" idx="1"/>
+              <a:stCxn id="114" idx="1"/>
             </p:cNvCxnSpPr>
             <p:nvPr/>
           </p:nvCxnSpPr>
@@ -9389,12 +11377,12 @@
 </p:sld>
 </file>
 
-<file path=ppt/slides/slide7.xml><?xml version="1.0" encoding="utf-8"?>
+<file path=ppt/slides/slide9.xml><?xml version="1.0" encoding="utf-8"?>
 <p:sld xmlns:a="http://schemas.openxmlformats.org/drawingml/2006/main" xmlns:r="http://schemas.openxmlformats.org/officeDocument/2006/relationships" xmlns:mc="http://schemas.openxmlformats.org/markup-compatibility/2006" xmlns:mv="urn:schemas-microsoft-com:mac:vml" xmlns:p="http://schemas.openxmlformats.org/presentationml/2006/main" xmlns:c="http://schemas.openxmlformats.org/drawingml/2006/chart" xmlns:dgm="http://schemas.openxmlformats.org/drawingml/2006/diagram" xmlns:o="urn:schemas-microsoft-com:office:office" xmlns:v="urn:schemas-microsoft-com:vml" xmlns:pvml="urn:schemas-microsoft-com:office:powerpoint" xmlns:com="http://schemas.openxmlformats.org/drawingml/2006/compatibility" xmlns:p14="http://schemas.microsoft.com/office/powerpoint/2010/main" xmlns:p15="http://schemas.microsoft.com/office/powerpoint/2012/main" xmlns:ahyp="http://schemas.microsoft.com/office/drawing/2018/hyperlinkcolor">
   <p:cSld>
     <p:spTree>
       <p:nvGrpSpPr>
-        <p:cNvPr id="106" name="Shape 106"/>
+        <p:cNvPr id="119" name="Shape 119"/>
         <p:cNvGrpSpPr/>
         <p:nvPr/>
       </p:nvGrpSpPr>
@@ -9408,7 +11396,7 @@
       </p:grpSpPr>
       <p:sp>
         <p:nvSpPr>
-          <p:cNvPr id="107" name="Google Shape;107;p19"/>
+          <p:cNvPr id="120" name="Google Shape;120;p21"/>
           <p:cNvSpPr txBox="1"/>
           <p:nvPr>
             <p:ph type="title"/>
@@ -9448,7 +11436,7 @@
       </p:sp>
       <p:sp>
         <p:nvSpPr>
-          <p:cNvPr id="108" name="Google Shape;108;p19"/>
+          <p:cNvPr id="121" name="Google Shape;121;p21"/>
           <p:cNvSpPr txBox="1"/>
           <p:nvPr>
             <p:ph idx="1" type="body"/>
@@ -9456,8 +11444,8 @@
         </p:nvSpPr>
         <p:spPr>
           <a:xfrm>
-            <a:off x="86675" y="1017725"/>
-            <a:ext cx="8520600" cy="3981000"/>
+            <a:off x="311700" y="1017725"/>
+            <a:ext cx="8295600" cy="3981000"/>
           </a:xfrm>
           <a:prstGeom prst="rect">
             <a:avLst/>
@@ -9596,6 +11584,121 @@
                 <a:cs typeface="Courier New"/>
                 <a:sym typeface="Courier New"/>
               </a:rPr>
+              <a:t>pyproject.toml</a:t>
+            </a:r>
+            <a:endParaRPr sz="1900">
+              <a:solidFill>
+                <a:schemeClr val="dk1"/>
+              </a:solidFill>
+              <a:latin typeface="Courier New"/>
+              <a:ea typeface="Courier New"/>
+              <a:cs typeface="Courier New"/>
+              <a:sym typeface="Courier New"/>
+            </a:endParaRPr>
+          </a:p>
+          <a:p>
+            <a:pPr indent="457200" lvl="0" marL="0" rtl="0" algn="l">
+              <a:lnSpc>
+                <a:spcPct val="100000"/>
+              </a:lnSpc>
+              <a:spcBef>
+                <a:spcPts val="0"/>
+              </a:spcBef>
+              <a:spcAft>
+                <a:spcPts val="0"/>
+              </a:spcAft>
+              <a:buClr>
+                <a:schemeClr val="dk1"/>
+              </a:buClr>
+              <a:buSzPts val="1100"/>
+              <a:buFont typeface="Arial"/>
+              <a:buNone/>
+            </a:pPr>
+            <a:r>
+              <a:rPr lang="en" sz="1900">
+                <a:solidFill>
+                  <a:schemeClr val="dk1"/>
+                </a:solidFill>
+                <a:latin typeface="Courier New"/>
+                <a:ea typeface="Courier New"/>
+                <a:cs typeface="Courier New"/>
+                <a:sym typeface="Courier New"/>
+              </a:rPr>
+              <a:t>requirements.txt</a:t>
+            </a:r>
+            <a:endParaRPr sz="1900">
+              <a:solidFill>
+                <a:schemeClr val="dk1"/>
+              </a:solidFill>
+              <a:latin typeface="Courier New"/>
+              <a:ea typeface="Courier New"/>
+              <a:cs typeface="Courier New"/>
+              <a:sym typeface="Courier New"/>
+            </a:endParaRPr>
+          </a:p>
+          <a:p>
+            <a:pPr indent="457200" lvl="0" marL="0" rtl="0" algn="l">
+              <a:lnSpc>
+                <a:spcPct val="100000"/>
+              </a:lnSpc>
+              <a:spcBef>
+                <a:spcPts val="0"/>
+              </a:spcBef>
+              <a:spcAft>
+                <a:spcPts val="0"/>
+              </a:spcAft>
+              <a:buClr>
+                <a:schemeClr val="dk1"/>
+              </a:buClr>
+              <a:buSzPts val="1100"/>
+              <a:buFont typeface="Arial"/>
+              <a:buNone/>
+            </a:pPr>
+            <a:r>
+              <a:rPr b="1" lang="en" sz="1900">
+                <a:solidFill>
+                  <a:srgbClr val="980000"/>
+                </a:solidFill>
+                <a:latin typeface="Courier New"/>
+                <a:ea typeface="Courier New"/>
+                <a:cs typeface="Courier New"/>
+                <a:sym typeface="Courier New"/>
+              </a:rPr>
+              <a:t>MANIFEST.in</a:t>
+            </a:r>
+            <a:endParaRPr b="1" sz="1900">
+              <a:solidFill>
+                <a:srgbClr val="980000"/>
+              </a:solidFill>
+              <a:latin typeface="Courier New"/>
+              <a:ea typeface="Courier New"/>
+              <a:cs typeface="Courier New"/>
+              <a:sym typeface="Courier New"/>
+            </a:endParaRPr>
+          </a:p>
+          <a:p>
+            <a:pPr indent="457200" lvl="0" marL="0" rtl="0" algn="l">
+              <a:lnSpc>
+                <a:spcPct val="100000"/>
+              </a:lnSpc>
+              <a:spcBef>
+                <a:spcPts val="0"/>
+              </a:spcBef>
+              <a:spcAft>
+                <a:spcPts val="0"/>
+              </a:spcAft>
+              <a:buNone/>
+            </a:pPr>
+            <a:r>
+              <a:rPr lang="en" sz="1900">
+                <a:solidFill>
+                  <a:schemeClr val="dk1"/>
+                </a:solidFill>
+                <a:latin typeface="Courier New"/>
+                <a:ea typeface="Courier New"/>
+                <a:cs typeface="Courier New"/>
+                <a:sym typeface="Courier New"/>
+              </a:rPr>
               <a:t>myproject/</a:t>
             </a:r>
             <a:endParaRPr sz="1900">
@@ -9666,116 +11769,6 @@
                 <a:cs typeface="Courier New"/>
                 <a:sym typeface="Courier New"/>
               </a:rPr>
-              <a:t>	setup.py</a:t>
-            </a:r>
-            <a:endParaRPr sz="1900">
-              <a:solidFill>
-                <a:schemeClr val="dk1"/>
-              </a:solidFill>
-              <a:latin typeface="Courier New"/>
-              <a:ea typeface="Courier New"/>
-              <a:cs typeface="Courier New"/>
-              <a:sym typeface="Courier New"/>
-            </a:endParaRPr>
-          </a:p>
-          <a:p>
-            <a:pPr indent="457200" lvl="0" marL="0" rtl="0" algn="l">
-              <a:lnSpc>
-                <a:spcPct val="100000"/>
-              </a:lnSpc>
-              <a:spcBef>
-                <a:spcPts val="0"/>
-              </a:spcBef>
-              <a:spcAft>
-                <a:spcPts val="0"/>
-              </a:spcAft>
-              <a:buClr>
-                <a:schemeClr val="dk1"/>
-              </a:buClr>
-              <a:buSzPts val="1100"/>
-              <a:buFont typeface="Arial"/>
-              <a:buNone/>
-            </a:pPr>
-            <a:r>
-              <a:rPr lang="en" sz="1900">
-                <a:solidFill>
-                  <a:schemeClr val="dk1"/>
-                </a:solidFill>
-                <a:latin typeface="Courier New"/>
-                <a:ea typeface="Courier New"/>
-                <a:cs typeface="Courier New"/>
-                <a:sym typeface="Courier New"/>
-              </a:rPr>
-              <a:t>	requirements.txt</a:t>
-            </a:r>
-            <a:endParaRPr sz="1900">
-              <a:solidFill>
-                <a:schemeClr val="dk1"/>
-              </a:solidFill>
-              <a:latin typeface="Courier New"/>
-              <a:ea typeface="Courier New"/>
-              <a:cs typeface="Courier New"/>
-              <a:sym typeface="Courier New"/>
-            </a:endParaRPr>
-          </a:p>
-          <a:p>
-            <a:pPr indent="457200" lvl="0" marL="0" rtl="0" algn="l">
-              <a:lnSpc>
-                <a:spcPct val="100000"/>
-              </a:lnSpc>
-              <a:spcBef>
-                <a:spcPts val="0"/>
-              </a:spcBef>
-              <a:spcAft>
-                <a:spcPts val="0"/>
-              </a:spcAft>
-              <a:buNone/>
-            </a:pPr>
-            <a:r>
-              <a:rPr b="1" lang="en" sz="1900">
-                <a:solidFill>
-                  <a:srgbClr val="980000"/>
-                </a:solidFill>
-                <a:latin typeface="Courier New"/>
-                <a:ea typeface="Courier New"/>
-                <a:cs typeface="Courier New"/>
-                <a:sym typeface="Courier New"/>
-              </a:rPr>
-              <a:t>	MANIFEST.in</a:t>
-            </a:r>
-            <a:endParaRPr b="1" sz="1900">
-              <a:solidFill>
-                <a:srgbClr val="980000"/>
-              </a:solidFill>
-              <a:latin typeface="Courier New"/>
-              <a:ea typeface="Courier New"/>
-              <a:cs typeface="Courier New"/>
-              <a:sym typeface="Courier New"/>
-            </a:endParaRPr>
-          </a:p>
-          <a:p>
-            <a:pPr indent="457200" lvl="0" marL="0" rtl="0" algn="l">
-              <a:lnSpc>
-                <a:spcPct val="100000"/>
-              </a:lnSpc>
-              <a:spcBef>
-                <a:spcPts val="0"/>
-              </a:spcBef>
-              <a:spcAft>
-                <a:spcPts val="0"/>
-              </a:spcAft>
-              <a:buNone/>
-            </a:pPr>
-            <a:r>
-              <a:rPr lang="en" sz="1900">
-                <a:solidFill>
-                  <a:schemeClr val="dk1"/>
-                </a:solidFill>
-                <a:latin typeface="Courier New"/>
-                <a:ea typeface="Courier New"/>
-                <a:cs typeface="Courier New"/>
-                <a:sym typeface="Courier New"/>
-              </a:rPr>
               <a:t>	core.py</a:t>
             </a:r>
             <a:endParaRPr sz="1900">
@@ -9909,13 +11902,13 @@
       </p:sp>
       <p:grpSp>
         <p:nvGrpSpPr>
-          <p:cNvPr id="109" name="Google Shape;109;p19"/>
+          <p:cNvPr id="122" name="Google Shape;122;p21"/>
           <p:cNvGrpSpPr/>
           <p:nvPr/>
         </p:nvGrpSpPr>
         <p:grpSpPr>
           <a:xfrm>
-            <a:off x="3078811" y="2914550"/>
+            <a:off x="3062861" y="2332075"/>
             <a:ext cx="5635577" cy="677100"/>
             <a:chOff x="2026895" y="1839850"/>
             <a:chExt cx="6961800" cy="677100"/>
@@ -9923,7 +11916,7 @@
         </p:grpSpPr>
         <p:sp>
           <p:nvSpPr>
-            <p:cNvPr id="110" name="Google Shape;110;p19"/>
+            <p:cNvPr id="123" name="Google Shape;123;p21"/>
             <p:cNvSpPr txBox="1"/>
             <p:nvPr/>
           </p:nvSpPr>
@@ -9976,9 +11969,9 @@
         </p:sp>
         <p:cxnSp>
           <p:nvCxnSpPr>
-            <p:cNvPr id="111" name="Google Shape;111;p19"/>
+            <p:cNvPr id="124" name="Google Shape;124;p21"/>
             <p:cNvCxnSpPr>
-              <a:stCxn id="110" idx="1"/>
+              <a:stCxn id="123" idx="1"/>
             </p:cNvCxnSpPr>
             <p:nvPr/>
           </p:nvCxnSpPr>
@@ -10011,343 +12004,286 @@
 </p:sld>
 </file>
 
-<file path=ppt/slides/slide8.xml><?xml version="1.0" encoding="utf-8"?>
-<p:sld xmlns:a="http://schemas.openxmlformats.org/drawingml/2006/main" xmlns:r="http://schemas.openxmlformats.org/officeDocument/2006/relationships" xmlns:mc="http://schemas.openxmlformats.org/markup-compatibility/2006" xmlns:mv="urn:schemas-microsoft-com:mac:vml" xmlns:p="http://schemas.openxmlformats.org/presentationml/2006/main" xmlns:c="http://schemas.openxmlformats.org/drawingml/2006/chart" xmlns:dgm="http://schemas.openxmlformats.org/drawingml/2006/diagram" xmlns:o="urn:schemas-microsoft-com:office:office" xmlns:v="urn:schemas-microsoft-com:vml" xmlns:pvml="urn:schemas-microsoft-com:office:powerpoint" xmlns:com="http://schemas.openxmlformats.org/drawingml/2006/compatibility" xmlns:p14="http://schemas.microsoft.com/office/powerpoint/2010/main" xmlns:p15="http://schemas.microsoft.com/office/powerpoint/2012/main" xmlns:ahyp="http://schemas.microsoft.com/office/drawing/2018/hyperlinkcolor">
-  <p:cSld>
-    <p:spTree>
-      <p:nvGrpSpPr>
-        <p:cNvPr id="115" name="Shape 115"/>
-        <p:cNvGrpSpPr/>
-        <p:nvPr/>
-      </p:nvGrpSpPr>
-      <p:grpSpPr>
-        <a:xfrm>
-          <a:off x="0" y="0"/>
-          <a:ext cx="0" cy="0"/>
-          <a:chOff x="0" y="0"/>
-          <a:chExt cx="0" cy="0"/>
-        </a:xfrm>
-      </p:grpSpPr>
-      <p:sp>
-        <p:nvSpPr>
-          <p:cNvPr id="116" name="Google Shape;116;p20"/>
-          <p:cNvSpPr txBox="1"/>
-          <p:nvPr>
-            <p:ph type="title"/>
-          </p:nvPr>
-        </p:nvSpPr>
-        <p:spPr>
-          <a:xfrm>
-            <a:off x="311700" y="445025"/>
-            <a:ext cx="8520600" cy="572700"/>
-          </a:xfrm>
-          <a:prstGeom prst="rect">
-            <a:avLst/>
-          </a:prstGeom>
-        </p:spPr>
-        <p:txBody>
-          <a:bodyPr anchorCtr="0" anchor="t" bIns="91425" lIns="91425" spcFirstLastPara="1" rIns="91425" wrap="square" tIns="91425">
-            <a:normAutofit fontScale="90000"/>
-          </a:bodyPr>
-          <a:lstStyle/>
-          <a:p>
-            <a:pPr indent="0" lvl="0" marL="0" rtl="0" algn="l">
-              <a:spcBef>
-                <a:spcPts val="0"/>
-              </a:spcBef>
-              <a:spcAft>
-                <a:spcPts val="0"/>
-              </a:spcAft>
-              <a:buClr>
-                <a:schemeClr val="dk1"/>
-              </a:buClr>
-              <a:buSzPct val="39285"/>
-              <a:buFont typeface="Arial"/>
-              <a:buNone/>
-            </a:pPr>
-            <a:r>
-              <a:rPr lang="en"/>
-              <a:t>Example  </a:t>
-            </a:r>
-            <a:r>
-              <a:rPr lang="en">
-                <a:latin typeface="Courier New"/>
-                <a:ea typeface="Courier New"/>
-                <a:cs typeface="Courier New"/>
-                <a:sym typeface="Courier New"/>
-              </a:rPr>
-              <a:t>pyproject.toml</a:t>
-            </a:r>
-            <a:endParaRPr>
-              <a:latin typeface="Courier New"/>
-              <a:ea typeface="Courier New"/>
-              <a:cs typeface="Courier New"/>
-              <a:sym typeface="Courier New"/>
-            </a:endParaRPr>
-          </a:p>
-          <a:p>
-            <a:pPr indent="0" lvl="0" marL="0" rtl="0" algn="l">
-              <a:spcBef>
-                <a:spcPts val="0"/>
-              </a:spcBef>
-              <a:spcAft>
-                <a:spcPts val="0"/>
-              </a:spcAft>
-              <a:buNone/>
-            </a:pPr>
-            <a:r>
-              <a:t/>
-            </a:r>
-            <a:endParaRPr/>
-          </a:p>
-        </p:txBody>
-      </p:sp>
-      <p:sp>
-        <p:nvSpPr>
-          <p:cNvPr id="117" name="Google Shape;117;p20"/>
-          <p:cNvSpPr txBox="1"/>
-          <p:nvPr>
-            <p:ph idx="1" type="body"/>
-          </p:nvPr>
-        </p:nvSpPr>
-        <p:spPr>
-          <a:xfrm>
-            <a:off x="311700" y="1152475"/>
-            <a:ext cx="8520600" cy="3416400"/>
-          </a:xfrm>
-          <a:prstGeom prst="rect">
-            <a:avLst/>
-          </a:prstGeom>
-        </p:spPr>
-        <p:txBody>
-          <a:bodyPr anchorCtr="0" anchor="t" bIns="91425" lIns="91425" spcFirstLastPara="1" rIns="91425" wrap="square" tIns="91425">
-            <a:normAutofit/>
-          </a:bodyPr>
-          <a:lstStyle/>
-          <a:p>
-            <a:pPr indent="0" lvl="0" marL="0" rtl="0" algn="l">
-              <a:spcBef>
-                <a:spcPts val="0"/>
-              </a:spcBef>
-              <a:spcAft>
-                <a:spcPts val="0"/>
-              </a:spcAft>
-              <a:buNone/>
-            </a:pPr>
-            <a:r>
-              <a:t/>
-            </a:r>
-            <a:endParaRPr/>
-          </a:p>
-          <a:p>
-            <a:pPr indent="0" lvl="0" marL="0" rtl="0" algn="l">
-              <a:spcBef>
-                <a:spcPts val="1200"/>
-              </a:spcBef>
-              <a:spcAft>
-                <a:spcPts val="0"/>
-              </a:spcAft>
-              <a:buNone/>
-            </a:pPr>
-            <a:r>
-              <a:rPr lang="en" u="sng">
-                <a:solidFill>
-                  <a:schemeClr val="hlink"/>
-                </a:solidFill>
-                <a:hlinkClick r:id="rId3"/>
-              </a:rPr>
-              <a:t>https://github.com/UWDATA515/ci_example/blob/main/pyproject.toml</a:t>
-            </a:r>
-            <a:endParaRPr/>
-          </a:p>
-          <a:p>
-            <a:pPr indent="0" lvl="0" marL="0" rtl="0" algn="l">
-              <a:spcBef>
-                <a:spcPts val="1200"/>
-              </a:spcBef>
-              <a:spcAft>
-                <a:spcPts val="1200"/>
-              </a:spcAft>
-              <a:buNone/>
-            </a:pPr>
-            <a:r>
-              <a:t/>
-            </a:r>
-            <a:endParaRPr/>
-          </a:p>
-        </p:txBody>
-      </p:sp>
-    </p:spTree>
-  </p:cSld>
-  <p:clrMapOvr>
-    <a:masterClrMapping/>
-  </p:clrMapOvr>
-</p:sld>
+<file path=ppt/theme/theme1.xml><?xml version="1.0" encoding="utf-8"?>
+<a:theme xmlns:a="http://schemas.openxmlformats.org/drawingml/2006/main" xmlns:r="http://schemas.openxmlformats.org/officeDocument/2006/relationships">
+  <a:themeElements>
+    <a:clrScheme name="Default">
+      <a:dk1>
+        <a:srgbClr val="000000"/>
+      </a:dk1>
+      <a:lt1>
+        <a:srgbClr val="FFFFFF"/>
+      </a:lt1>
+      <a:dk2>
+        <a:srgbClr val="158158"/>
+      </a:dk2>
+      <a:lt2>
+        <a:srgbClr val="F3F3F3"/>
+      </a:lt2>
+      <a:accent1>
+        <a:srgbClr val="058DC7"/>
+      </a:accent1>
+      <a:accent2>
+        <a:srgbClr val="50B432"/>
+      </a:accent2>
+      <a:accent3>
+        <a:srgbClr val="ED561B"/>
+      </a:accent3>
+      <a:accent4>
+        <a:srgbClr val="EDEF00"/>
+      </a:accent4>
+      <a:accent5>
+        <a:srgbClr val="24CBE5"/>
+      </a:accent5>
+      <a:accent6>
+        <a:srgbClr val="64E572"/>
+      </a:accent6>
+      <a:hlink>
+        <a:srgbClr val="2200CC"/>
+      </a:hlink>
+      <a:folHlink>
+        <a:srgbClr val="551A8B"/>
+      </a:folHlink>
+    </a:clrScheme>
+    <a:fontScheme name="Office">
+      <a:majorFont>
+        <a:latin typeface="Arial"/>
+        <a:ea typeface=""/>
+        <a:cs typeface=""/>
+        <a:font script="Jpan" typeface="ＭＳ Ｐゴシック"/>
+        <a:font script="Hang" typeface="맑은 고딕"/>
+        <a:font script="Hans" typeface="宋体"/>
+        <a:font script="Hant" typeface="新細明體"/>
+        <a:font script="Arab" typeface="Times New Roman"/>
+        <a:font script="Hebr" typeface="Times New Roman"/>
+        <a:font script="Thai" typeface="Angsana New"/>
+        <a:font script="Ethi" typeface="Nyala"/>
+        <a:font script="Beng" typeface="Vrinda"/>
+        <a:font script="Gujr" typeface="Shruti"/>
+        <a:font script="Khmr" typeface="MoolBoran"/>
+        <a:font script="Knda" typeface="Tunga"/>
+        <a:font script="Guru" typeface="Raavi"/>
+        <a:font script="Cans" typeface="Euphemia"/>
+        <a:font script="Cher" typeface="Plantagenet Cherokee"/>
+        <a:font script="Yiii" typeface="Microsoft Yi Baiti"/>
+        <a:font script="Tibt" typeface="Microsoft Himalaya"/>
+        <a:font script="Thaa" typeface="MV Boli"/>
+        <a:font script="Deva" typeface="Mangal"/>
+        <a:font script="Telu" typeface="Gautami"/>
+        <a:font script="Taml" typeface="Latha"/>
+        <a:font script="Syrc" typeface="Estrangelo Edessa"/>
+        <a:font script="Orya" typeface="Kalinga"/>
+        <a:font script="Mlym" typeface="Kartika"/>
+        <a:font script="Laoo" typeface="DokChampa"/>
+        <a:font script="Sinh" typeface="Iskoola Pota"/>
+        <a:font script="Mong" typeface="Mongolian Baiti"/>
+        <a:font script="Viet" typeface="Times New Roman"/>
+        <a:font script="Uigh" typeface="Microsoft Uighur"/>
+        <a:font script="Geor" typeface="Sylfaen"/>
+      </a:majorFont>
+      <a:minorFont>
+        <a:latin typeface="Arial"/>
+        <a:ea typeface=""/>
+        <a:cs typeface=""/>
+        <a:font script="Jpan" typeface="ＭＳ Ｐゴシック"/>
+        <a:font script="Hang" typeface="맑은 고딕"/>
+        <a:font script="Hans" typeface="宋体"/>
+        <a:font script="Hant" typeface="新細明體"/>
+        <a:font script="Arab" typeface="Arial"/>
+        <a:font script="Hebr" typeface="Arial"/>
+        <a:font script="Thai" typeface="Cordia New"/>
+        <a:font script="Ethi" typeface="Nyala"/>
+        <a:font script="Beng" typeface="Vrinda"/>
+        <a:font script="Gujr" typeface="Shruti"/>
+        <a:font script="Khmr" typeface="DaunPenh"/>
+        <a:font script="Knda" typeface="Tunga"/>
+        <a:font script="Guru" typeface="Raavi"/>
+        <a:font script="Cans" typeface="Euphemia"/>
+        <a:font script="Cher" typeface="Plantagenet Cherokee"/>
+        <a:font script="Yiii" typeface="Microsoft Yi Baiti"/>
+        <a:font script="Tibt" typeface="Microsoft Himalaya"/>
+        <a:font script="Thaa" typeface="MV Boli"/>
+        <a:font script="Deva" typeface="Mangal"/>
+        <a:font script="Telu" typeface="Gautami"/>
+        <a:font script="Taml" typeface="Latha"/>
+        <a:font script="Syrc" typeface="Estrangelo Edessa"/>
+        <a:font script="Orya" typeface="Kalinga"/>
+        <a:font script="Mlym" typeface="Kartika"/>
+        <a:font script="Laoo" typeface="DokChampa"/>
+        <a:font script="Sinh" typeface="Iskoola Pota"/>
+        <a:font script="Mong" typeface="Mongolian Baiti"/>
+        <a:font script="Viet" typeface="Arial"/>
+        <a:font script="Uigh" typeface="Microsoft Uighur"/>
+        <a:font script="Geor" typeface="Sylfaen"/>
+      </a:minorFont>
+    </a:fontScheme>
+    <a:fmtScheme name="Office">
+      <a:fillStyleLst>
+        <a:solidFill>
+          <a:schemeClr val="phClr"/>
+        </a:solidFill>
+        <a:gradFill rotWithShape="1">
+          <a:gsLst>
+            <a:gs pos="0">
+              <a:schemeClr val="phClr">
+                <a:tint val="50000"/>
+                <a:satMod val="300000"/>
+              </a:schemeClr>
+            </a:gs>
+            <a:gs pos="35000">
+              <a:schemeClr val="phClr">
+                <a:tint val="37000"/>
+                <a:satMod val="300000"/>
+              </a:schemeClr>
+            </a:gs>
+            <a:gs pos="100000">
+              <a:schemeClr val="phClr">
+                <a:tint val="15000"/>
+                <a:satMod val="350000"/>
+              </a:schemeClr>
+            </a:gs>
+          </a:gsLst>
+          <a:lin ang="16200000" scaled="1"/>
+        </a:gradFill>
+        <a:gradFill rotWithShape="1">
+          <a:gsLst>
+            <a:gs pos="0">
+              <a:schemeClr val="phClr">
+                <a:tint val="100000"/>
+                <a:shade val="100000"/>
+                <a:satMod val="130000"/>
+              </a:schemeClr>
+            </a:gs>
+            <a:gs pos="100000">
+              <a:schemeClr val="phClr">
+                <a:tint val="50000"/>
+                <a:shade val="100000"/>
+                <a:satMod val="350000"/>
+              </a:schemeClr>
+            </a:gs>
+          </a:gsLst>
+          <a:lin ang="16200000" scaled="0"/>
+        </a:gradFill>
+      </a:fillStyleLst>
+      <a:lnStyleLst>
+        <a:ln w="9525" cap="flat" cmpd="sng" algn="ctr">
+          <a:solidFill>
+            <a:schemeClr val="phClr">
+              <a:shade val="95000"/>
+              <a:satMod val="105000"/>
+            </a:schemeClr>
+          </a:solidFill>
+          <a:prstDash val="solid"/>
+        </a:ln>
+        <a:ln w="25400" cap="flat" cmpd="sng" algn="ctr">
+          <a:solidFill>
+            <a:schemeClr val="phClr"/>
+          </a:solidFill>
+          <a:prstDash val="solid"/>
+        </a:ln>
+        <a:ln w="38100" cap="flat" cmpd="sng" algn="ctr">
+          <a:solidFill>
+            <a:schemeClr val="phClr"/>
+          </a:solidFill>
+          <a:prstDash val="solid"/>
+        </a:ln>
+      </a:lnStyleLst>
+      <a:effectStyleLst>
+        <a:effectStyle>
+          <a:effectLst>
+            <a:outerShdw blurRad="40000" dist="20000" dir="5400000" rotWithShape="0">
+              <a:srgbClr val="000000">
+                <a:alpha val="38000"/>
+              </a:srgbClr>
+            </a:outerShdw>
+          </a:effectLst>
+        </a:effectStyle>
+        <a:effectStyle>
+          <a:effectLst>
+            <a:outerShdw blurRad="40000" dist="23000" dir="5400000" rotWithShape="0">
+              <a:srgbClr val="000000">
+                <a:alpha val="35000"/>
+              </a:srgbClr>
+            </a:outerShdw>
+          </a:effectLst>
+        </a:effectStyle>
+        <a:effectStyle>
+          <a:effectLst>
+            <a:outerShdw blurRad="40000" dist="23000" dir="5400000" rotWithShape="0">
+              <a:srgbClr val="000000">
+                <a:alpha val="35000"/>
+              </a:srgbClr>
+            </a:outerShdw>
+          </a:effectLst>
+          <a:scene3d>
+            <a:camera prst="orthographicFront">
+              <a:rot lat="0" lon="0" rev="0"/>
+            </a:camera>
+            <a:lightRig rig="threePt" dir="t">
+              <a:rot lat="0" lon="0" rev="1200000"/>
+            </a:lightRig>
+          </a:scene3d>
+          <a:sp3d>
+            <a:bevelT w="63500" h="25400"/>
+          </a:sp3d>
+        </a:effectStyle>
+      </a:effectStyleLst>
+      <a:bgFillStyleLst>
+        <a:solidFill>
+          <a:schemeClr val="phClr"/>
+        </a:solidFill>
+        <a:gradFill rotWithShape="1">
+          <a:gsLst>
+            <a:gs pos="0">
+              <a:schemeClr val="phClr">
+                <a:tint val="40000"/>
+                <a:satMod val="350000"/>
+              </a:schemeClr>
+            </a:gs>
+            <a:gs pos="40000">
+              <a:schemeClr val="phClr">
+                <a:tint val="45000"/>
+                <a:shade val="99000"/>
+                <a:satMod val="350000"/>
+              </a:schemeClr>
+            </a:gs>
+            <a:gs pos="100000">
+              <a:schemeClr val="phClr">
+                <a:shade val="20000"/>
+                <a:satMod val="255000"/>
+              </a:schemeClr>
+            </a:gs>
+          </a:gsLst>
+          <a:path path="circle">
+            <a:fillToRect l="50000" t="-80000" r="50000" b="180000"/>
+          </a:path>
+        </a:gradFill>
+        <a:gradFill rotWithShape="1">
+          <a:gsLst>
+            <a:gs pos="0">
+              <a:schemeClr val="phClr">
+                <a:tint val="80000"/>
+                <a:satMod val="300000"/>
+              </a:schemeClr>
+            </a:gs>
+            <a:gs pos="100000">
+              <a:schemeClr val="phClr">
+                <a:shade val="30000"/>
+                <a:satMod val="200000"/>
+              </a:schemeClr>
+            </a:gs>
+          </a:gsLst>
+          <a:path path="circle">
+            <a:fillToRect l="50000" t="50000" r="50000" b="50000"/>
+          </a:path>
+        </a:gradFill>
+      </a:bgFillStyleLst>
+    </a:fmtScheme>
+  </a:themeElements>
+</a:theme>
 </file>
 
-<file path=ppt/slides/slide9.xml><?xml version="1.0" encoding="utf-8"?>
-<p:sld xmlns:a="http://schemas.openxmlformats.org/drawingml/2006/main" xmlns:r="http://schemas.openxmlformats.org/officeDocument/2006/relationships" xmlns:mc="http://schemas.openxmlformats.org/markup-compatibility/2006" xmlns:mv="urn:schemas-microsoft-com:mac:vml" xmlns:p="http://schemas.openxmlformats.org/presentationml/2006/main" xmlns:c="http://schemas.openxmlformats.org/drawingml/2006/chart" xmlns:dgm="http://schemas.openxmlformats.org/drawingml/2006/diagram" xmlns:o="urn:schemas-microsoft-com:office:office" xmlns:v="urn:schemas-microsoft-com:vml" xmlns:pvml="urn:schemas-microsoft-com:office:powerpoint" xmlns:com="http://schemas.openxmlformats.org/drawingml/2006/compatibility" xmlns:p14="http://schemas.microsoft.com/office/powerpoint/2010/main" xmlns:p15="http://schemas.microsoft.com/office/powerpoint/2012/main" xmlns:ahyp="http://schemas.microsoft.com/office/drawing/2018/hyperlinkcolor">
-  <p:cSld>
-    <p:spTree>
-      <p:nvGrpSpPr>
-        <p:cNvPr id="121" name="Shape 121"/>
-        <p:cNvGrpSpPr/>
-        <p:nvPr/>
-      </p:nvGrpSpPr>
-      <p:grpSpPr>
-        <a:xfrm>
-          <a:off x="0" y="0"/>
-          <a:ext cx="0" cy="0"/>
-          <a:chOff x="0" y="0"/>
-          <a:chExt cx="0" cy="0"/>
-        </a:xfrm>
-      </p:grpSpPr>
-      <p:sp>
-        <p:nvSpPr>
-          <p:cNvPr id="122" name="Google Shape;122;p21"/>
-          <p:cNvSpPr txBox="1"/>
-          <p:nvPr>
-            <p:ph type="title"/>
-          </p:nvPr>
-        </p:nvSpPr>
-        <p:spPr>
-          <a:xfrm>
-            <a:off x="311700" y="445025"/>
-            <a:ext cx="8520600" cy="572700"/>
-          </a:xfrm>
-          <a:prstGeom prst="rect">
-            <a:avLst/>
-          </a:prstGeom>
-        </p:spPr>
-        <p:txBody>
-          <a:bodyPr anchorCtr="0" anchor="t" bIns="91425" lIns="91425" spcFirstLastPara="1" rIns="91425" wrap="square" tIns="91425">
-            <a:normAutofit fontScale="90000"/>
-          </a:bodyPr>
-          <a:lstStyle/>
-          <a:p>
-            <a:pPr indent="0" lvl="0" marL="0" rtl="0" algn="l">
-              <a:spcBef>
-                <a:spcPts val="0"/>
-              </a:spcBef>
-              <a:spcAft>
-                <a:spcPts val="0"/>
-              </a:spcAft>
-              <a:buNone/>
-            </a:pPr>
-            <a:r>
-              <a:rPr lang="en"/>
-              <a:t>More examples</a:t>
-            </a:r>
-            <a:endParaRPr/>
-          </a:p>
-        </p:txBody>
-      </p:sp>
-      <p:sp>
-        <p:nvSpPr>
-          <p:cNvPr id="123" name="Google Shape;123;p21"/>
-          <p:cNvSpPr txBox="1"/>
-          <p:nvPr>
-            <p:ph idx="1" type="body"/>
-          </p:nvPr>
-        </p:nvSpPr>
-        <p:spPr>
-          <a:xfrm>
-            <a:off x="311700" y="1152475"/>
-            <a:ext cx="8520600" cy="3416400"/>
-          </a:xfrm>
-          <a:prstGeom prst="rect">
-            <a:avLst/>
-          </a:prstGeom>
-        </p:spPr>
-        <p:txBody>
-          <a:bodyPr anchorCtr="0" anchor="t" bIns="91425" lIns="91425" spcFirstLastPara="1" rIns="91425" wrap="square" tIns="91425">
-            <a:normAutofit/>
-          </a:bodyPr>
-          <a:lstStyle/>
-          <a:p>
-            <a:pPr indent="0" lvl="0" marL="0" rtl="0" algn="l">
-              <a:spcBef>
-                <a:spcPts val="0"/>
-              </a:spcBef>
-              <a:spcAft>
-                <a:spcPts val="0"/>
-              </a:spcAft>
-              <a:buNone/>
-            </a:pPr>
-            <a:r>
-              <a:rPr lang="en"/>
-              <a:t>Check out existing Python packages. These may be more complicated:</a:t>
-            </a:r>
-            <a:endParaRPr/>
-          </a:p>
-          <a:p>
-            <a:pPr indent="0" lvl="0" marL="0" rtl="0" algn="l">
-              <a:spcBef>
-                <a:spcPts val="1200"/>
-              </a:spcBef>
-              <a:spcAft>
-                <a:spcPts val="0"/>
-              </a:spcAft>
-              <a:buNone/>
-            </a:pPr>
-            <a:r>
-              <a:rPr lang="en" u="sng">
-                <a:solidFill>
-                  <a:schemeClr val="hlink"/>
-                </a:solidFill>
-                <a:hlinkClick r:id="rId3"/>
-              </a:rPr>
-              <a:t>https://github.com/numpy/numpy</a:t>
-            </a:r>
-            <a:endParaRPr/>
-          </a:p>
-          <a:p>
-            <a:pPr indent="0" lvl="0" marL="0" rtl="0" algn="l">
-              <a:spcBef>
-                <a:spcPts val="1200"/>
-              </a:spcBef>
-              <a:spcAft>
-                <a:spcPts val="0"/>
-              </a:spcAft>
-              <a:buNone/>
-            </a:pPr>
-            <a:r>
-              <a:rPr lang="en" u="sng">
-                <a:solidFill>
-                  <a:schemeClr val="hlink"/>
-                </a:solidFill>
-                <a:hlinkClick r:id="rId4"/>
-              </a:rPr>
-              <a:t>https://github.com/pandas-dev/pandas</a:t>
-            </a:r>
-            <a:endParaRPr/>
-          </a:p>
-          <a:p>
-            <a:pPr indent="0" lvl="0" marL="0" rtl="0" algn="l">
-              <a:spcBef>
-                <a:spcPts val="1200"/>
-              </a:spcBef>
-              <a:spcAft>
-                <a:spcPts val="1200"/>
-              </a:spcAft>
-              <a:buNone/>
-            </a:pPr>
-            <a:r>
-              <a:t/>
-            </a:r>
-            <a:endParaRPr/>
-          </a:p>
-        </p:txBody>
-      </p:sp>
-    </p:spTree>
-  </p:cSld>
-  <p:clrMapOvr>
-    <a:masterClrMapping/>
-  </p:clrMapOvr>
-</p:sld>
-</file>
-
-<file path=ppt/theme/theme1.xml><?xml version="1.0" encoding="utf-8"?>
+<file path=ppt/theme/theme2.xml><?xml version="1.0" encoding="utf-8"?>
 <a:theme xmlns:a="http://schemas.openxmlformats.org/drawingml/2006/main" xmlns:r="http://schemas.openxmlformats.org/officeDocument/2006/relationships" name="Simple Light">
   <a:themeElements>
     <a:clrScheme name="Simple Light">
@@ -10624,283 +12560,4 @@
     </a:fmtScheme>
   </a:themeElements>
 </a:theme>
-</file>
-
-<file path=ppt/theme/theme2.xml><?xml version="1.0" encoding="utf-8"?>
-<a:theme xmlns:a="http://schemas.openxmlformats.org/drawingml/2006/main" xmlns:r="http://schemas.openxmlformats.org/officeDocument/2006/relationships">
-  <a:themeElements>
-    <a:clrScheme name="Default">
-      <a:dk1>
-        <a:srgbClr val="000000"/>
-      </a:dk1>
-      <a:lt1>
-        <a:srgbClr val="FFFFFF"/>
-      </a:lt1>
-      <a:dk2>
-        <a:srgbClr val="158158"/>
-      </a:dk2>
-      <a:lt2>
-        <a:srgbClr val="F3F3F3"/>
-      </a:lt2>
-      <a:accent1>
-        <a:srgbClr val="058DC7"/>
-      </a:accent1>
-      <a:accent2>
-        <a:srgbClr val="50B432"/>
-      </a:accent2>
-      <a:accent3>
-        <a:srgbClr val="ED561B"/>
-      </a:accent3>
-      <a:accent4>
-        <a:srgbClr val="EDEF00"/>
-      </a:accent4>
-      <a:accent5>
-        <a:srgbClr val="24CBE5"/>
-      </a:accent5>
-      <a:accent6>
-        <a:srgbClr val="64E572"/>
-      </a:accent6>
-      <a:hlink>
-        <a:srgbClr val="2200CC"/>
-      </a:hlink>
-      <a:folHlink>
-        <a:srgbClr val="551A8B"/>
-      </a:folHlink>
-    </a:clrScheme>
-    <a:fontScheme name="Office">
-      <a:majorFont>
-        <a:latin typeface="Arial"/>
-        <a:ea typeface=""/>
-        <a:cs typeface=""/>
-        <a:font script="Jpan" typeface="ＭＳ Ｐゴシック"/>
-        <a:font script="Hang" typeface="맑은 고딕"/>
-        <a:font script="Hans" typeface="宋体"/>
-        <a:font script="Hant" typeface="新細明體"/>
-        <a:font script="Arab" typeface="Times New Roman"/>
-        <a:font script="Hebr" typeface="Times New Roman"/>
-        <a:font script="Thai" typeface="Angsana New"/>
-        <a:font script="Ethi" typeface="Nyala"/>
-        <a:font script="Beng" typeface="Vrinda"/>
-        <a:font script="Gujr" typeface="Shruti"/>
-        <a:font script="Khmr" typeface="MoolBoran"/>
-        <a:font script="Knda" typeface="Tunga"/>
-        <a:font script="Guru" typeface="Raavi"/>
-        <a:font script="Cans" typeface="Euphemia"/>
-        <a:font script="Cher" typeface="Plantagenet Cherokee"/>
-        <a:font script="Yiii" typeface="Microsoft Yi Baiti"/>
-        <a:font script="Tibt" typeface="Microsoft Himalaya"/>
-        <a:font script="Thaa" typeface="MV Boli"/>
-        <a:font script="Deva" typeface="Mangal"/>
-        <a:font script="Telu" typeface="Gautami"/>
-        <a:font script="Taml" typeface="Latha"/>
-        <a:font script="Syrc" typeface="Estrangelo Edessa"/>
-        <a:font script="Orya" typeface="Kalinga"/>
-        <a:font script="Mlym" typeface="Kartika"/>
-        <a:font script="Laoo" typeface="DokChampa"/>
-        <a:font script="Sinh" typeface="Iskoola Pota"/>
-        <a:font script="Mong" typeface="Mongolian Baiti"/>
-        <a:font script="Viet" typeface="Times New Roman"/>
-        <a:font script="Uigh" typeface="Microsoft Uighur"/>
-        <a:font script="Geor" typeface="Sylfaen"/>
-      </a:majorFont>
-      <a:minorFont>
-        <a:latin typeface="Arial"/>
-        <a:ea typeface=""/>
-        <a:cs typeface=""/>
-        <a:font script="Jpan" typeface="ＭＳ Ｐゴシック"/>
-        <a:font script="Hang" typeface="맑은 고딕"/>
-        <a:font script="Hans" typeface="宋体"/>
-        <a:font script="Hant" typeface="新細明體"/>
-        <a:font script="Arab" typeface="Arial"/>
-        <a:font script="Hebr" typeface="Arial"/>
-        <a:font script="Thai" typeface="Cordia New"/>
-        <a:font script="Ethi" typeface="Nyala"/>
-        <a:font script="Beng" typeface="Vrinda"/>
-        <a:font script="Gujr" typeface="Shruti"/>
-        <a:font script="Khmr" typeface="DaunPenh"/>
-        <a:font script="Knda" typeface="Tunga"/>
-        <a:font script="Guru" typeface="Raavi"/>
-        <a:font script="Cans" typeface="Euphemia"/>
-        <a:font script="Cher" typeface="Plantagenet Cherokee"/>
-        <a:font script="Yiii" typeface="Microsoft Yi Baiti"/>
-        <a:font script="Tibt" typeface="Microsoft Himalaya"/>
-        <a:font script="Thaa" typeface="MV Boli"/>
-        <a:font script="Deva" typeface="Mangal"/>
-        <a:font script="Telu" typeface="Gautami"/>
-        <a:font script="Taml" typeface="Latha"/>
-        <a:font script="Syrc" typeface="Estrangelo Edessa"/>
-        <a:font script="Orya" typeface="Kalinga"/>
-        <a:font script="Mlym" typeface="Kartika"/>
-        <a:font script="Laoo" typeface="DokChampa"/>
-        <a:font script="Sinh" typeface="Iskoola Pota"/>
-        <a:font script="Mong" typeface="Mongolian Baiti"/>
-        <a:font script="Viet" typeface="Arial"/>
-        <a:font script="Uigh" typeface="Microsoft Uighur"/>
-        <a:font script="Geor" typeface="Sylfaen"/>
-      </a:minorFont>
-    </a:fontScheme>
-    <a:fmtScheme name="Office">
-      <a:fillStyleLst>
-        <a:solidFill>
-          <a:schemeClr val="phClr"/>
-        </a:solidFill>
-        <a:gradFill rotWithShape="1">
-          <a:gsLst>
-            <a:gs pos="0">
-              <a:schemeClr val="phClr">
-                <a:tint val="50000"/>
-                <a:satMod val="300000"/>
-              </a:schemeClr>
-            </a:gs>
-            <a:gs pos="35000">
-              <a:schemeClr val="phClr">
-                <a:tint val="37000"/>
-                <a:satMod val="300000"/>
-              </a:schemeClr>
-            </a:gs>
-            <a:gs pos="100000">
-              <a:schemeClr val="phClr">
-                <a:tint val="15000"/>
-                <a:satMod val="350000"/>
-              </a:schemeClr>
-            </a:gs>
-          </a:gsLst>
-          <a:lin ang="16200000" scaled="1"/>
-        </a:gradFill>
-        <a:gradFill rotWithShape="1">
-          <a:gsLst>
-            <a:gs pos="0">
-              <a:schemeClr val="phClr">
-                <a:tint val="100000"/>
-                <a:shade val="100000"/>
-                <a:satMod val="130000"/>
-              </a:schemeClr>
-            </a:gs>
-            <a:gs pos="100000">
-              <a:schemeClr val="phClr">
-                <a:tint val="50000"/>
-                <a:shade val="100000"/>
-                <a:satMod val="350000"/>
-              </a:schemeClr>
-            </a:gs>
-          </a:gsLst>
-          <a:lin ang="16200000" scaled="0"/>
-        </a:gradFill>
-      </a:fillStyleLst>
-      <a:lnStyleLst>
-        <a:ln w="9525" cap="flat" cmpd="sng" algn="ctr">
-          <a:solidFill>
-            <a:schemeClr val="phClr">
-              <a:shade val="95000"/>
-              <a:satMod val="105000"/>
-            </a:schemeClr>
-          </a:solidFill>
-          <a:prstDash val="solid"/>
-        </a:ln>
-        <a:ln w="25400" cap="flat" cmpd="sng" algn="ctr">
-          <a:solidFill>
-            <a:schemeClr val="phClr"/>
-          </a:solidFill>
-          <a:prstDash val="solid"/>
-        </a:ln>
-        <a:ln w="38100" cap="flat" cmpd="sng" algn="ctr">
-          <a:solidFill>
-            <a:schemeClr val="phClr"/>
-          </a:solidFill>
-          <a:prstDash val="solid"/>
-        </a:ln>
-      </a:lnStyleLst>
-      <a:effectStyleLst>
-        <a:effectStyle>
-          <a:effectLst>
-            <a:outerShdw blurRad="40000" dist="20000" dir="5400000" rotWithShape="0">
-              <a:srgbClr val="000000">
-                <a:alpha val="38000"/>
-              </a:srgbClr>
-            </a:outerShdw>
-          </a:effectLst>
-        </a:effectStyle>
-        <a:effectStyle>
-          <a:effectLst>
-            <a:outerShdw blurRad="40000" dist="23000" dir="5400000" rotWithShape="0">
-              <a:srgbClr val="000000">
-                <a:alpha val="35000"/>
-              </a:srgbClr>
-            </a:outerShdw>
-          </a:effectLst>
-        </a:effectStyle>
-        <a:effectStyle>
-          <a:effectLst>
-            <a:outerShdw blurRad="40000" dist="23000" dir="5400000" rotWithShape="0">
-              <a:srgbClr val="000000">
-                <a:alpha val="35000"/>
-              </a:srgbClr>
-            </a:outerShdw>
-          </a:effectLst>
-          <a:scene3d>
-            <a:camera prst="orthographicFront">
-              <a:rot lat="0" lon="0" rev="0"/>
-            </a:camera>
-            <a:lightRig rig="threePt" dir="t">
-              <a:rot lat="0" lon="0" rev="1200000"/>
-            </a:lightRig>
-          </a:scene3d>
-          <a:sp3d>
-            <a:bevelT w="63500" h="25400"/>
-          </a:sp3d>
-        </a:effectStyle>
-      </a:effectStyleLst>
-      <a:bgFillStyleLst>
-        <a:solidFill>
-          <a:schemeClr val="phClr"/>
-        </a:solidFill>
-        <a:gradFill rotWithShape="1">
-          <a:gsLst>
-            <a:gs pos="0">
-              <a:schemeClr val="phClr">
-                <a:tint val="40000"/>
-                <a:satMod val="350000"/>
-              </a:schemeClr>
-            </a:gs>
-            <a:gs pos="40000">
-              <a:schemeClr val="phClr">
-                <a:tint val="45000"/>
-                <a:shade val="99000"/>
-                <a:satMod val="350000"/>
-              </a:schemeClr>
-            </a:gs>
-            <a:gs pos="100000">
-              <a:schemeClr val="phClr">
-                <a:shade val="20000"/>
-                <a:satMod val="255000"/>
-              </a:schemeClr>
-            </a:gs>
-          </a:gsLst>
-          <a:path path="circle">
-            <a:fillToRect l="50000" t="-80000" r="50000" b="180000"/>
-          </a:path>
-        </a:gradFill>
-        <a:gradFill rotWithShape="1">
-          <a:gsLst>
-            <a:gs pos="0">
-              <a:schemeClr val="phClr">
-                <a:tint val="80000"/>
-                <a:satMod val="300000"/>
-              </a:schemeClr>
-            </a:gs>
-            <a:gs pos="100000">
-              <a:schemeClr val="phClr">
-                <a:shade val="30000"/>
-                <a:satMod val="200000"/>
-              </a:schemeClr>
-            </a:gs>
-          </a:gsLst>
-          <a:path path="circle">
-            <a:fillToRect l="50000" t="50000" r="50000" b="50000"/>
-          </a:path>
-        </a:gradFill>
-      </a:bgFillStyleLst>
-    </a:fmtScheme>
-  </a:themeElements>
-</a:theme>
 </file>